--- a/results/figures/fig_ppt/Fig1.pptx
+++ b/results/figures/fig_ppt/Fig1.pptx
@@ -7,10 +7,12 @@
   <p:sldIdLst>
     <p:sldId id="256" r:id="rId2"/>
     <p:sldId id="257" r:id="rId3"/>
-    <p:sldId id="258" r:id="rId4"/>
-    <p:sldId id="259" r:id="rId5"/>
-    <p:sldId id="260" r:id="rId6"/>
-    <p:sldId id="261" r:id="rId7"/>
+    <p:sldId id="263" r:id="rId4"/>
+    <p:sldId id="264" r:id="rId5"/>
+    <p:sldId id="258" r:id="rId6"/>
+    <p:sldId id="259" r:id="rId7"/>
+    <p:sldId id="260" r:id="rId8"/>
+    <p:sldId id="261" r:id="rId9"/>
   </p:sldIdLst>
   <p:sldSz cx="12192000" cy="6858000"/>
   <p:notesSz cx="6858000" cy="9144000"/>
@@ -264,7 +266,7 @@
           <a:p>
             <a:fld id="{A72C15B2-FAC1-4274-B2D1-C538EFB0AAEC}" type="datetimeFigureOut">
               <a:rPr lang="en-US" smtClean="0"/>
-              <a:t>7/19/23</a:t>
+              <a:t>11/7/23</a:t>
             </a:fld>
             <a:endParaRPr lang="en-US"/>
           </a:p>
@@ -462,7 +464,7 @@
           <a:p>
             <a:fld id="{A72C15B2-FAC1-4274-B2D1-C538EFB0AAEC}" type="datetimeFigureOut">
               <a:rPr lang="en-US" smtClean="0"/>
-              <a:t>7/19/23</a:t>
+              <a:t>11/7/23</a:t>
             </a:fld>
             <a:endParaRPr lang="en-US"/>
           </a:p>
@@ -670,7 +672,7 @@
           <a:p>
             <a:fld id="{A72C15B2-FAC1-4274-B2D1-C538EFB0AAEC}" type="datetimeFigureOut">
               <a:rPr lang="en-US" smtClean="0"/>
-              <a:t>7/19/23</a:t>
+              <a:t>11/7/23</a:t>
             </a:fld>
             <a:endParaRPr lang="en-US"/>
           </a:p>
@@ -868,7 +870,7 @@
           <a:p>
             <a:fld id="{A72C15B2-FAC1-4274-B2D1-C538EFB0AAEC}" type="datetimeFigureOut">
               <a:rPr lang="en-US" smtClean="0"/>
-              <a:t>7/19/23</a:t>
+              <a:t>11/7/23</a:t>
             </a:fld>
             <a:endParaRPr lang="en-US"/>
           </a:p>
@@ -1143,7 +1145,7 @@
           <a:p>
             <a:fld id="{A72C15B2-FAC1-4274-B2D1-C538EFB0AAEC}" type="datetimeFigureOut">
               <a:rPr lang="en-US" smtClean="0"/>
-              <a:t>7/19/23</a:t>
+              <a:t>11/7/23</a:t>
             </a:fld>
             <a:endParaRPr lang="en-US"/>
           </a:p>
@@ -1408,7 +1410,7 @@
           <a:p>
             <a:fld id="{A72C15B2-FAC1-4274-B2D1-C538EFB0AAEC}" type="datetimeFigureOut">
               <a:rPr lang="en-US" smtClean="0"/>
-              <a:t>7/19/23</a:t>
+              <a:t>11/7/23</a:t>
             </a:fld>
             <a:endParaRPr lang="en-US"/>
           </a:p>
@@ -1820,7 +1822,7 @@
           <a:p>
             <a:fld id="{A72C15B2-FAC1-4274-B2D1-C538EFB0AAEC}" type="datetimeFigureOut">
               <a:rPr lang="en-US" smtClean="0"/>
-              <a:t>7/19/23</a:t>
+              <a:t>11/7/23</a:t>
             </a:fld>
             <a:endParaRPr lang="en-US"/>
           </a:p>
@@ -1961,7 +1963,7 @@
           <a:p>
             <a:fld id="{A72C15B2-FAC1-4274-B2D1-C538EFB0AAEC}" type="datetimeFigureOut">
               <a:rPr lang="en-US" smtClean="0"/>
-              <a:t>7/19/23</a:t>
+              <a:t>11/7/23</a:t>
             </a:fld>
             <a:endParaRPr lang="en-US"/>
           </a:p>
@@ -2074,7 +2076,7 @@
           <a:p>
             <a:fld id="{A72C15B2-FAC1-4274-B2D1-C538EFB0AAEC}" type="datetimeFigureOut">
               <a:rPr lang="en-US" smtClean="0"/>
-              <a:t>7/19/23</a:t>
+              <a:t>11/7/23</a:t>
             </a:fld>
             <a:endParaRPr lang="en-US"/>
           </a:p>
@@ -2385,7 +2387,7 @@
           <a:p>
             <a:fld id="{A72C15B2-FAC1-4274-B2D1-C538EFB0AAEC}" type="datetimeFigureOut">
               <a:rPr lang="en-US" smtClean="0"/>
-              <a:t>7/19/23</a:t>
+              <a:t>11/7/23</a:t>
             </a:fld>
             <a:endParaRPr lang="en-US"/>
           </a:p>
@@ -2673,7 +2675,7 @@
           <a:p>
             <a:fld id="{A72C15B2-FAC1-4274-B2D1-C538EFB0AAEC}" type="datetimeFigureOut">
               <a:rPr lang="en-US" smtClean="0"/>
-              <a:t>7/19/23</a:t>
+              <a:t>11/7/23</a:t>
             </a:fld>
             <a:endParaRPr lang="en-US"/>
           </a:p>
@@ -2914,7 +2916,7 @@
           <a:p>
             <a:fld id="{A72C15B2-FAC1-4274-B2D1-C538EFB0AAEC}" type="datetimeFigureOut">
               <a:rPr lang="en-US" smtClean="0"/>
-              <a:t>7/19/23</a:t>
+              <a:t>11/7/23</a:t>
             </a:fld>
             <a:endParaRPr lang="en-US"/>
           </a:p>
@@ -3632,6 +3634,60 @@
       </p:grpSpPr>
       <p:sp>
         <p:nvSpPr>
+          <p:cNvPr id="25" name="Rectangle 24">
+            <a:extLst>
+              <a:ext uri="{FF2B5EF4-FFF2-40B4-BE49-F238E27FC236}">
+                <a16:creationId xmlns:a16="http://schemas.microsoft.com/office/drawing/2014/main" id="{F7BA8A22-39DE-183A-D475-4C3FBE291F3F}"/>
+              </a:ext>
+            </a:extLst>
+          </p:cNvPr>
+          <p:cNvSpPr/>
+          <p:nvPr/>
+        </p:nvSpPr>
+        <p:spPr>
+          <a:xfrm>
+            <a:off x="4824249" y="1699556"/>
+            <a:ext cx="3300249" cy="3368071"/>
+          </a:xfrm>
+          <a:prstGeom prst="rect">
+            <a:avLst/>
+          </a:prstGeom>
+          <a:solidFill>
+            <a:schemeClr val="bg1"/>
+          </a:solidFill>
+          <a:ln>
+            <a:solidFill>
+              <a:schemeClr val="bg1"/>
+            </a:solidFill>
+          </a:ln>
+        </p:spPr>
+        <p:style>
+          <a:lnRef idx="2">
+            <a:schemeClr val="accent1">
+              <a:shade val="50000"/>
+            </a:schemeClr>
+          </a:lnRef>
+          <a:fillRef idx="1">
+            <a:schemeClr val="accent1"/>
+          </a:fillRef>
+          <a:effectRef idx="0">
+            <a:schemeClr val="accent1"/>
+          </a:effectRef>
+          <a:fontRef idx="minor">
+            <a:schemeClr val="lt1"/>
+          </a:fontRef>
+        </p:style>
+        <p:txBody>
+          <a:bodyPr rtlCol="0" anchor="ctr"/>
+          <a:lstStyle/>
+          <a:p>
+            <a:pPr algn="ctr"/>
+            <a:endParaRPr lang="en-US"/>
+          </a:p>
+        </p:txBody>
+      </p:sp>
+      <p:sp>
+        <p:nvSpPr>
           <p:cNvPr id="4" name="Rectangle 3">
             <a:extLst>
               <a:ext uri="{FF2B5EF4-FFF2-40B4-BE49-F238E27FC236}">
@@ -3801,12 +3857,66 @@
           </a:prstGeom>
         </p:spPr>
       </p:pic>
+      <p:sp>
+        <p:nvSpPr>
+          <p:cNvPr id="3" name="Rectangle 2">
+            <a:extLst>
+              <a:ext uri="{FF2B5EF4-FFF2-40B4-BE49-F238E27FC236}">
+                <a16:creationId xmlns:a16="http://schemas.microsoft.com/office/drawing/2014/main" id="{FBF6C540-DB79-5147-66E3-9DB20D76D2F8}"/>
+              </a:ext>
+            </a:extLst>
+          </p:cNvPr>
+          <p:cNvSpPr/>
+          <p:nvPr/>
+        </p:nvSpPr>
+        <p:spPr>
+          <a:xfrm>
+            <a:off x="1243267" y="1741070"/>
+            <a:ext cx="3300249" cy="3267731"/>
+          </a:xfrm>
+          <a:prstGeom prst="rect">
+            <a:avLst/>
+          </a:prstGeom>
+          <a:solidFill>
+            <a:schemeClr val="bg1"/>
+          </a:solidFill>
+          <a:ln>
+            <a:solidFill>
+              <a:schemeClr val="bg1"/>
+            </a:solidFill>
+          </a:ln>
+        </p:spPr>
+        <p:style>
+          <a:lnRef idx="2">
+            <a:schemeClr val="accent1">
+              <a:shade val="50000"/>
+            </a:schemeClr>
+          </a:lnRef>
+          <a:fillRef idx="1">
+            <a:schemeClr val="accent1"/>
+          </a:fillRef>
+          <a:effectRef idx="0">
+            <a:schemeClr val="accent1"/>
+          </a:effectRef>
+          <a:fontRef idx="minor">
+            <a:schemeClr val="lt1"/>
+          </a:fontRef>
+        </p:style>
+        <p:txBody>
+          <a:bodyPr rtlCol="0" anchor="ctr"/>
+          <a:lstStyle/>
+          <a:p>
+            <a:pPr algn="ctr"/>
+            <a:endParaRPr lang="en-US"/>
+          </a:p>
+        </p:txBody>
+      </p:sp>
       <p:pic>
         <p:nvPicPr>
-          <p:cNvPr id="6" name="Picture 5" descr="A diagram of a graph&#10;&#10;Description automatically generated">
-            <a:extLst>
-              <a:ext uri="{FF2B5EF4-FFF2-40B4-BE49-F238E27FC236}">
-                <a16:creationId xmlns:a16="http://schemas.microsoft.com/office/drawing/2014/main" id="{94C110F8-E202-A287-40C2-CECC355CD331}"/>
+          <p:cNvPr id="21" name="Picture 20" descr="A close-up of a graph&#10;&#10;Description automatically generated">
+            <a:extLst>
+              <a:ext uri="{FF2B5EF4-FFF2-40B4-BE49-F238E27FC236}">
+                <a16:creationId xmlns:a16="http://schemas.microsoft.com/office/drawing/2014/main" id="{A4160B3B-8359-9DB0-9B3A-9A5706FF07CB}"/>
               </a:ext>
             </a:extLst>
           </p:cNvPr>
@@ -3823,19 +3933,169 @@
               </a:ext>
             </a:extLst>
           </a:blip>
-          <a:srcRect l="23587" t="19207" r="73580" b="11283"/>
+          <a:srcRect l="14104" t="19847" r="8923" b="21073"/>
           <a:stretch/>
         </p:blipFill>
         <p:spPr>
           <a:xfrm>
-            <a:off x="5053810" y="2161069"/>
-            <a:ext cx="144316" cy="2955967"/>
+            <a:off x="1215943" y="1713026"/>
+            <a:ext cx="3369287" cy="3346704"/>
           </a:xfrm>
           <a:prstGeom prst="rect">
             <a:avLst/>
           </a:prstGeom>
         </p:spPr>
       </p:pic>
+      <p:pic>
+        <p:nvPicPr>
+          <p:cNvPr id="37" name="Picture 36" descr="A diagram of a graph&#10;&#10;Description automatically generated">
+            <a:extLst>
+              <a:ext uri="{FF2B5EF4-FFF2-40B4-BE49-F238E27FC236}">
+                <a16:creationId xmlns:a16="http://schemas.microsoft.com/office/drawing/2014/main" id="{9F687D71-B31C-2529-B2F9-137F10EDB623}"/>
+              </a:ext>
+            </a:extLst>
+          </p:cNvPr>
+          <p:cNvPicPr>
+            <a:picLocks noChangeAspect="1"/>
+          </p:cNvPicPr>
+          <p:nvPr/>
+        </p:nvPicPr>
+        <p:blipFill rotWithShape="1">
+          <a:blip r:embed="rId6">
+            <a:extLst>
+              <a:ext uri="{28A0092B-C50C-407E-A947-70E740481C1C}">
+                <a14:useLocalDpi xmlns:a14="http://schemas.microsoft.com/office/drawing/2010/main" val="0"/>
+              </a:ext>
+            </a:extLst>
+          </a:blip>
+          <a:srcRect l="11921" t="17471" r="7389" b="20953"/>
+          <a:stretch/>
+        </p:blipFill>
+        <p:spPr>
+          <a:xfrm>
+            <a:off x="4786898" y="1689046"/>
+            <a:ext cx="3407334" cy="3364992"/>
+          </a:xfrm>
+          <a:prstGeom prst="rect">
+            <a:avLst/>
+          </a:prstGeom>
+        </p:spPr>
+      </p:pic>
+      <p:pic>
+        <p:nvPicPr>
+          <p:cNvPr id="39" name="Picture 38" descr="A diagram of a graph&#10;&#10;Description automatically generated">
+            <a:extLst>
+              <a:ext uri="{FF2B5EF4-FFF2-40B4-BE49-F238E27FC236}">
+                <a16:creationId xmlns:a16="http://schemas.microsoft.com/office/drawing/2014/main" id="{D1F4FB06-FF88-36D8-7428-82AEF5A812E4}"/>
+              </a:ext>
+            </a:extLst>
+          </p:cNvPr>
+          <p:cNvPicPr>
+            <a:picLocks noChangeAspect="1"/>
+          </p:cNvPicPr>
+          <p:nvPr/>
+        </p:nvPicPr>
+        <p:blipFill rotWithShape="1">
+          <a:blip r:embed="rId7">
+            <a:extLst>
+              <a:ext uri="{28A0092B-C50C-407E-A947-70E740481C1C}">
+                <a14:useLocalDpi xmlns:a14="http://schemas.microsoft.com/office/drawing/2010/main" val="0"/>
+              </a:ext>
+            </a:extLst>
+          </a:blip>
+          <a:srcRect l="13843" t="19041" r="9600" b="20952"/>
+          <a:stretch/>
+        </p:blipFill>
+        <p:spPr>
+          <a:xfrm>
+            <a:off x="8395047" y="1699556"/>
+            <a:ext cx="3317359" cy="3364992"/>
+          </a:xfrm>
+          <a:prstGeom prst="rect">
+            <a:avLst/>
+          </a:prstGeom>
+        </p:spPr>
+      </p:pic>
+      <p:pic>
+        <p:nvPicPr>
+          <p:cNvPr id="31" name="Picture 2">
+            <a:extLst>
+              <a:ext uri="{FF2B5EF4-FFF2-40B4-BE49-F238E27FC236}">
+                <a16:creationId xmlns:a16="http://schemas.microsoft.com/office/drawing/2014/main" id="{A25567BB-6728-EDC2-0D02-C2A8CE63B0D8}"/>
+              </a:ext>
+            </a:extLst>
+          </p:cNvPr>
+          <p:cNvPicPr>
+            <a:picLocks noChangeAspect="1" noChangeArrowheads="1"/>
+          </p:cNvPicPr>
+          <p:nvPr/>
+        </p:nvPicPr>
+        <p:blipFill rotWithShape="1">
+          <a:blip r:embed="rId2">
+            <a:extLst>
+              <a:ext uri="{28A0092B-C50C-407E-A947-70E740481C1C}">
+                <a14:useLocalDpi xmlns:a14="http://schemas.microsoft.com/office/drawing/2010/main" val="0"/>
+              </a:ext>
+            </a:extLst>
+          </a:blip>
+          <a:srcRect l="94094" b="60446"/>
+          <a:stretch/>
+        </p:blipFill>
+        <p:spPr bwMode="auto">
+          <a:xfrm>
+            <a:off x="11040809" y="1246824"/>
+            <a:ext cx="669408" cy="1810476"/>
+          </a:xfrm>
+          <a:prstGeom prst="rect">
+            <a:avLst/>
+          </a:prstGeom>
+          <a:noFill/>
+          <a:extLst>
+            <a:ext uri="{909E8E84-426E-40DD-AFC4-6F175D3DCCD1}">
+              <a14:hiddenFill xmlns:a14="http://schemas.microsoft.com/office/drawing/2010/main">
+                <a:solidFill>
+                  <a:srgbClr val="FFFFFF"/>
+                </a:solidFill>
+              </a14:hiddenFill>
+            </a:ext>
+          </a:extLst>
+        </p:spPr>
+      </p:pic>
+      <p:sp>
+        <p:nvSpPr>
+          <p:cNvPr id="6" name="TextBox 5">
+            <a:extLst>
+              <a:ext uri="{FF2B5EF4-FFF2-40B4-BE49-F238E27FC236}">
+                <a16:creationId xmlns:a16="http://schemas.microsoft.com/office/drawing/2014/main" id="{0FB83EED-97DB-D409-27AF-5E3AB645CE96}"/>
+              </a:ext>
+            </a:extLst>
+          </p:cNvPr>
+          <p:cNvSpPr txBox="1"/>
+          <p:nvPr/>
+        </p:nvSpPr>
+        <p:spPr>
+          <a:xfrm>
+            <a:off x="178676" y="105103"/>
+            <a:ext cx="3520965" cy="369332"/>
+          </a:xfrm>
+          <a:prstGeom prst="rect">
+            <a:avLst/>
+          </a:prstGeom>
+          <a:noFill/>
+        </p:spPr>
+        <p:txBody>
+          <a:bodyPr wrap="square" rtlCol="0">
+            <a:spAutoFit/>
+          </a:bodyPr>
+          <a:lstStyle/>
+          <a:p>
+            <a:r>
+              <a:rPr lang="en-US" dirty="0"/>
+              <a:t>Version: 07/22, 2023</a:t>
+            </a:r>
+          </a:p>
+        </p:txBody>
+      </p:sp>
     </p:spTree>
     <p:extLst>
       <p:ext uri="{BB962C8B-B14F-4D97-AF65-F5344CB8AC3E}">
@@ -3866,12 +4126,599 @@
           <a:chExt cx="0" cy="0"/>
         </a:xfrm>
       </p:grpSpPr>
+      <p:sp>
+        <p:nvSpPr>
+          <p:cNvPr id="25" name="Rectangle 24">
+            <a:extLst>
+              <a:ext uri="{FF2B5EF4-FFF2-40B4-BE49-F238E27FC236}">
+                <a16:creationId xmlns:a16="http://schemas.microsoft.com/office/drawing/2014/main" id="{F7BA8A22-39DE-183A-D475-4C3FBE291F3F}"/>
+              </a:ext>
+            </a:extLst>
+          </p:cNvPr>
+          <p:cNvSpPr/>
+          <p:nvPr/>
+        </p:nvSpPr>
+        <p:spPr>
+          <a:xfrm>
+            <a:off x="4824249" y="1699556"/>
+            <a:ext cx="3300249" cy="3368071"/>
+          </a:xfrm>
+          <a:prstGeom prst="rect">
+            <a:avLst/>
+          </a:prstGeom>
+          <a:solidFill>
+            <a:schemeClr val="bg1"/>
+          </a:solidFill>
+          <a:ln>
+            <a:solidFill>
+              <a:schemeClr val="bg1"/>
+            </a:solidFill>
+          </a:ln>
+        </p:spPr>
+        <p:style>
+          <a:lnRef idx="2">
+            <a:schemeClr val="accent1">
+              <a:shade val="50000"/>
+            </a:schemeClr>
+          </a:lnRef>
+          <a:fillRef idx="1">
+            <a:schemeClr val="accent1"/>
+          </a:fillRef>
+          <a:effectRef idx="0">
+            <a:schemeClr val="accent1"/>
+          </a:effectRef>
+          <a:fontRef idx="minor">
+            <a:schemeClr val="lt1"/>
+          </a:fontRef>
+        </p:style>
+        <p:txBody>
+          <a:bodyPr rtlCol="0" anchor="ctr"/>
+          <a:lstStyle/>
+          <a:p>
+            <a:pPr algn="ctr"/>
+            <a:endParaRPr lang="en-US" i="1"/>
+          </a:p>
+        </p:txBody>
+      </p:sp>
+      <p:sp>
+        <p:nvSpPr>
+          <p:cNvPr id="4" name="Rectangle 3">
+            <a:extLst>
+              <a:ext uri="{FF2B5EF4-FFF2-40B4-BE49-F238E27FC236}">
+                <a16:creationId xmlns:a16="http://schemas.microsoft.com/office/drawing/2014/main" id="{25752581-9103-44DC-B932-9C33472C35ED}"/>
+              </a:ext>
+            </a:extLst>
+          </p:cNvPr>
+          <p:cNvSpPr/>
+          <p:nvPr/>
+        </p:nvSpPr>
+        <p:spPr>
+          <a:xfrm>
+            <a:off x="4374381" y="1436914"/>
+            <a:ext cx="823965" cy="231112"/>
+          </a:xfrm>
+          <a:prstGeom prst="rect">
+            <a:avLst/>
+          </a:prstGeom>
+          <a:solidFill>
+            <a:schemeClr val="bg1"/>
+          </a:solidFill>
+          <a:ln>
+            <a:solidFill>
+              <a:schemeClr val="bg1"/>
+            </a:solidFill>
+          </a:ln>
+        </p:spPr>
+        <p:style>
+          <a:lnRef idx="2">
+            <a:schemeClr val="accent1">
+              <a:shade val="50000"/>
+            </a:schemeClr>
+          </a:lnRef>
+          <a:fillRef idx="1">
+            <a:schemeClr val="accent1"/>
+          </a:fillRef>
+          <a:effectRef idx="0">
+            <a:schemeClr val="accent1"/>
+          </a:effectRef>
+          <a:fontRef idx="minor">
+            <a:schemeClr val="lt1"/>
+          </a:fontRef>
+        </p:style>
+        <p:txBody>
+          <a:bodyPr rtlCol="0" anchor="ctr"/>
+          <a:lstStyle/>
+          <a:p>
+            <a:pPr algn="ctr"/>
+            <a:endParaRPr lang="en-US" i="1"/>
+          </a:p>
+        </p:txBody>
+      </p:sp>
+      <p:pic>
+        <p:nvPicPr>
+          <p:cNvPr id="2" name="Picture 2">
+            <a:extLst>
+              <a:ext uri="{FF2B5EF4-FFF2-40B4-BE49-F238E27FC236}">
+                <a16:creationId xmlns:a16="http://schemas.microsoft.com/office/drawing/2014/main" id="{1BE69524-3C27-6183-196E-1FC52F936E25}"/>
+              </a:ext>
+            </a:extLst>
+          </p:cNvPr>
+          <p:cNvPicPr>
+            <a:picLocks noChangeAspect="1" noChangeArrowheads="1"/>
+          </p:cNvPicPr>
+          <p:nvPr/>
+        </p:nvPicPr>
+        <p:blipFill rotWithShape="1">
+          <a:blip r:embed="rId2">
+            <a:extLst>
+              <a:ext uri="{28A0092B-C50C-407E-A947-70E740481C1C}">
+                <a14:useLocalDpi xmlns:a14="http://schemas.microsoft.com/office/drawing/2010/main" val="0"/>
+              </a:ext>
+            </a:extLst>
+          </a:blip>
+          <a:srcRect b="92262"/>
+          <a:stretch/>
+        </p:blipFill>
+        <p:spPr bwMode="auto">
+          <a:xfrm>
+            <a:off x="428922" y="1305841"/>
+            <a:ext cx="11334155" cy="354203"/>
+          </a:xfrm>
+          <a:prstGeom prst="rect">
+            <a:avLst/>
+          </a:prstGeom>
+          <a:noFill/>
+          <a:extLst>
+            <a:ext uri="{909E8E84-426E-40DD-AFC4-6F175D3DCCD1}">
+              <a14:hiddenFill xmlns:a14="http://schemas.microsoft.com/office/drawing/2010/main">
+                <a:solidFill>
+                  <a:srgbClr val="FFFFFF"/>
+                </a:solidFill>
+              </a14:hiddenFill>
+            </a:ext>
+          </a:extLst>
+        </p:spPr>
+      </p:pic>
+      <p:pic>
+        <p:nvPicPr>
+          <p:cNvPr id="5" name="Picture 4" descr="A diagram of a graph&#10;&#10;Description automatically generated">
+            <a:extLst>
+              <a:ext uri="{FF2B5EF4-FFF2-40B4-BE49-F238E27FC236}">
+                <a16:creationId xmlns:a16="http://schemas.microsoft.com/office/drawing/2014/main" id="{804C3FDB-FF9F-4841-DDC8-D1434765415F}"/>
+              </a:ext>
+            </a:extLst>
+          </p:cNvPr>
+          <p:cNvPicPr>
+            <a:picLocks noChangeAspect="1"/>
+          </p:cNvPicPr>
+          <p:nvPr/>
+        </p:nvPicPr>
+        <p:blipFill rotWithShape="1">
+          <a:blip r:embed="rId3">
+            <a:extLst>
+              <a:ext uri="{28A0092B-C50C-407E-A947-70E740481C1C}">
+                <a14:useLocalDpi xmlns:a14="http://schemas.microsoft.com/office/drawing/2010/main" val="0"/>
+              </a:ext>
+            </a:extLst>
+          </a:blip>
+          <a:srcRect l="23441" t="19031" r="72890" b="12794"/>
+          <a:stretch/>
+        </p:blipFill>
+        <p:spPr>
+          <a:xfrm>
+            <a:off x="1460940" y="2152062"/>
+            <a:ext cx="184980" cy="2870897"/>
+          </a:xfrm>
+          <a:prstGeom prst="rect">
+            <a:avLst/>
+          </a:prstGeom>
+        </p:spPr>
+      </p:pic>
+      <p:sp>
+        <p:nvSpPr>
+          <p:cNvPr id="3" name="Rectangle 2">
+            <a:extLst>
+              <a:ext uri="{FF2B5EF4-FFF2-40B4-BE49-F238E27FC236}">
+                <a16:creationId xmlns:a16="http://schemas.microsoft.com/office/drawing/2014/main" id="{FBF6C540-DB79-5147-66E3-9DB20D76D2F8}"/>
+              </a:ext>
+            </a:extLst>
+          </p:cNvPr>
+          <p:cNvSpPr/>
+          <p:nvPr/>
+        </p:nvSpPr>
+        <p:spPr>
+          <a:xfrm>
+            <a:off x="1243267" y="1741070"/>
+            <a:ext cx="3300249" cy="3267731"/>
+          </a:xfrm>
+          <a:prstGeom prst="rect">
+            <a:avLst/>
+          </a:prstGeom>
+          <a:solidFill>
+            <a:schemeClr val="bg1"/>
+          </a:solidFill>
+          <a:ln>
+            <a:solidFill>
+              <a:schemeClr val="bg1"/>
+            </a:solidFill>
+          </a:ln>
+        </p:spPr>
+        <p:style>
+          <a:lnRef idx="2">
+            <a:schemeClr val="accent1">
+              <a:shade val="50000"/>
+            </a:schemeClr>
+          </a:lnRef>
+          <a:fillRef idx="1">
+            <a:schemeClr val="accent1"/>
+          </a:fillRef>
+          <a:effectRef idx="0">
+            <a:schemeClr val="accent1"/>
+          </a:effectRef>
+          <a:fontRef idx="minor">
+            <a:schemeClr val="lt1"/>
+          </a:fontRef>
+        </p:style>
+        <p:txBody>
+          <a:bodyPr rtlCol="0" anchor="ctr"/>
+          <a:lstStyle/>
+          <a:p>
+            <a:pPr algn="ctr"/>
+            <a:endParaRPr lang="en-US" i="1"/>
+          </a:p>
+        </p:txBody>
+      </p:sp>
+      <p:pic>
+        <p:nvPicPr>
+          <p:cNvPr id="31" name="Picture 2">
+            <a:extLst>
+              <a:ext uri="{FF2B5EF4-FFF2-40B4-BE49-F238E27FC236}">
+                <a16:creationId xmlns:a16="http://schemas.microsoft.com/office/drawing/2014/main" id="{A25567BB-6728-EDC2-0D02-C2A8CE63B0D8}"/>
+              </a:ext>
+            </a:extLst>
+          </p:cNvPr>
+          <p:cNvPicPr>
+            <a:picLocks noChangeAspect="1" noChangeArrowheads="1"/>
+          </p:cNvPicPr>
+          <p:nvPr/>
+        </p:nvPicPr>
+        <p:blipFill rotWithShape="1">
+          <a:blip r:embed="rId2">
+            <a:extLst>
+              <a:ext uri="{28A0092B-C50C-407E-A947-70E740481C1C}">
+                <a14:useLocalDpi xmlns:a14="http://schemas.microsoft.com/office/drawing/2010/main" val="0"/>
+              </a:ext>
+            </a:extLst>
+          </a:blip>
+          <a:srcRect l="94094" b="60446"/>
+          <a:stretch/>
+        </p:blipFill>
+        <p:spPr bwMode="auto">
+          <a:xfrm>
+            <a:off x="11040809" y="1246824"/>
+            <a:ext cx="669408" cy="1810476"/>
+          </a:xfrm>
+          <a:prstGeom prst="rect">
+            <a:avLst/>
+          </a:prstGeom>
+          <a:noFill/>
+          <a:extLst>
+            <a:ext uri="{909E8E84-426E-40DD-AFC4-6F175D3DCCD1}">
+              <a14:hiddenFill xmlns:a14="http://schemas.microsoft.com/office/drawing/2010/main">
+                <a:solidFill>
+                  <a:srgbClr val="FFFFFF"/>
+                </a:solidFill>
+              </a14:hiddenFill>
+            </a:ext>
+          </a:extLst>
+        </p:spPr>
+      </p:pic>
+      <p:pic>
+        <p:nvPicPr>
+          <p:cNvPr id="8" name="Picture 7" descr="A close-up of a graph&#10;&#10;Description automatically generated">
+            <a:extLst>
+              <a:ext uri="{FF2B5EF4-FFF2-40B4-BE49-F238E27FC236}">
+                <a16:creationId xmlns:a16="http://schemas.microsoft.com/office/drawing/2014/main" id="{4E0C5878-597D-C198-318D-7F197D89EBA2}"/>
+              </a:ext>
+            </a:extLst>
+          </p:cNvPr>
+          <p:cNvPicPr>
+            <a:picLocks noChangeAspect="1"/>
+          </p:cNvPicPr>
+          <p:nvPr/>
+        </p:nvPicPr>
+        <p:blipFill rotWithShape="1">
+          <a:blip r:embed="rId4">
+            <a:extLst>
+              <a:ext uri="{28A0092B-C50C-407E-A947-70E740481C1C}">
+                <a14:useLocalDpi xmlns:a14="http://schemas.microsoft.com/office/drawing/2010/main" val="0"/>
+              </a:ext>
+            </a:extLst>
+          </a:blip>
+          <a:srcRect l="11551" t="18180" r="8409" b="20952"/>
+          <a:stretch/>
+        </p:blipFill>
+        <p:spPr>
+          <a:xfrm>
+            <a:off x="1185670" y="1721776"/>
+            <a:ext cx="3374136" cy="3320551"/>
+          </a:xfrm>
+          <a:prstGeom prst="rect">
+            <a:avLst/>
+          </a:prstGeom>
+        </p:spPr>
+      </p:pic>
+      <p:sp>
+        <p:nvSpPr>
+          <p:cNvPr id="9" name="TextBox 8">
+            <a:extLst>
+              <a:ext uri="{FF2B5EF4-FFF2-40B4-BE49-F238E27FC236}">
+                <a16:creationId xmlns:a16="http://schemas.microsoft.com/office/drawing/2014/main" id="{5B2156C7-F97C-492D-BA90-46E8BEAF1382}"/>
+              </a:ext>
+            </a:extLst>
+          </p:cNvPr>
+          <p:cNvSpPr txBox="1"/>
+          <p:nvPr/>
+        </p:nvSpPr>
+        <p:spPr>
+          <a:xfrm>
+            <a:off x="178676" y="105103"/>
+            <a:ext cx="10355019" cy="369332"/>
+          </a:xfrm>
+          <a:prstGeom prst="rect">
+            <a:avLst/>
+          </a:prstGeom>
+          <a:noFill/>
+        </p:spPr>
+        <p:txBody>
+          <a:bodyPr wrap="square" rtlCol="0">
+            <a:spAutoFit/>
+          </a:bodyPr>
+          <a:lstStyle/>
+          <a:p>
+            <a:r>
+              <a:rPr lang="en-US" dirty="0"/>
+              <a:t>Version: 07/24, 2023 </a:t>
+            </a:r>
+            <a:r>
+              <a:rPr lang="en-US" dirty="0">
+                <a:sym typeface="Wingdings" pitchFamily="2" charset="2"/>
+              </a:rPr>
+              <a:t> 09/08, 2023  09/11, 2023</a:t>
+            </a:r>
+            <a:endParaRPr lang="en-US" dirty="0"/>
+          </a:p>
+        </p:txBody>
+      </p:sp>
+      <p:sp>
+        <p:nvSpPr>
+          <p:cNvPr id="18" name="TextBox 17">
+            <a:extLst>
+              <a:ext uri="{FF2B5EF4-FFF2-40B4-BE49-F238E27FC236}">
+                <a16:creationId xmlns:a16="http://schemas.microsoft.com/office/drawing/2014/main" id="{E314B97D-EECF-74F7-A51B-B5A6CDD35B7C}"/>
+              </a:ext>
+            </a:extLst>
+          </p:cNvPr>
+          <p:cNvSpPr txBox="1"/>
+          <p:nvPr/>
+        </p:nvSpPr>
+        <p:spPr>
+          <a:xfrm>
+            <a:off x="49069" y="1708529"/>
+            <a:ext cx="1242062" cy="3440942"/>
+          </a:xfrm>
+          <a:prstGeom prst="rect">
+            <a:avLst/>
+          </a:prstGeom>
+          <a:noFill/>
+        </p:spPr>
+        <p:txBody>
+          <a:bodyPr wrap="square" rtlCol="0">
+            <a:spAutoFit/>
+          </a:bodyPr>
+          <a:lstStyle/>
+          <a:p>
+            <a:pPr algn="r"/>
+            <a:r>
+              <a:rPr lang="en-US" sz="1270" i="1" dirty="0" err="1">
+                <a:latin typeface="Arial" panose="020B0604020202020204" pitchFamily="34" charset="0"/>
+                <a:cs typeface="Arial" panose="020B0604020202020204" pitchFamily="34" charset="0"/>
+              </a:rPr>
+              <a:t>Prox</a:t>
+            </a:r>
+            <a:endParaRPr lang="en-US" sz="1270" i="1" dirty="0">
+              <a:latin typeface="Arial" panose="020B0604020202020204" pitchFamily="34" charset="0"/>
+              <a:cs typeface="Arial" panose="020B0604020202020204" pitchFamily="34" charset="0"/>
+            </a:endParaRPr>
+          </a:p>
+          <a:p>
+            <a:pPr algn="r"/>
+            <a:r>
+              <a:rPr lang="en-US" sz="1270" i="1" dirty="0" err="1">
+                <a:latin typeface="Arial" panose="020B0604020202020204" pitchFamily="34" charset="0"/>
+                <a:cs typeface="Arial" panose="020B0604020202020204" pitchFamily="34" charset="0"/>
+              </a:rPr>
+              <a:t>Dist</a:t>
+            </a:r>
+            <a:endParaRPr lang="en-US" sz="1270" i="1" dirty="0">
+              <a:latin typeface="Arial" panose="020B0604020202020204" pitchFamily="34" charset="0"/>
+              <a:cs typeface="Arial" panose="020B0604020202020204" pitchFamily="34" charset="0"/>
+            </a:endParaRPr>
+          </a:p>
+          <a:p>
+            <a:pPr algn="r"/>
+            <a:r>
+              <a:rPr lang="en-US" sz="1270" i="1" dirty="0">
+                <a:latin typeface="Arial" panose="020B0604020202020204" pitchFamily="34" charset="0"/>
+                <a:cs typeface="Arial" panose="020B0604020202020204" pitchFamily="34" charset="0"/>
+              </a:rPr>
+              <a:t>Compart</a:t>
+            </a:r>
+          </a:p>
+          <a:p>
+            <a:pPr algn="r"/>
+            <a:r>
+              <a:rPr lang="en-US" sz="1270" i="1" dirty="0" err="1">
+                <a:latin typeface="Arial" panose="020B0604020202020204" pitchFamily="34" charset="0"/>
+                <a:cs typeface="Arial" panose="020B0604020202020204" pitchFamily="34" charset="0"/>
+              </a:rPr>
+              <a:t>ClusCoeff</a:t>
+            </a:r>
+            <a:endParaRPr lang="en-US" sz="1270" i="1" dirty="0">
+              <a:latin typeface="Arial" panose="020B0604020202020204" pitchFamily="34" charset="0"/>
+              <a:cs typeface="Arial" panose="020B0604020202020204" pitchFamily="34" charset="0"/>
+            </a:endParaRPr>
+          </a:p>
+          <a:p>
+            <a:pPr algn="r"/>
+            <a:r>
+              <a:rPr lang="en-US" sz="1270" i="1" dirty="0">
+                <a:latin typeface="Arial" panose="020B0604020202020204" pitchFamily="34" charset="0"/>
+                <a:cs typeface="Arial" panose="020B0604020202020204" pitchFamily="34" charset="0"/>
+              </a:rPr>
+              <a:t>Flux</a:t>
+            </a:r>
+          </a:p>
+          <a:p>
+            <a:pPr algn="r"/>
+            <a:r>
+              <a:rPr lang="en-US" sz="1270" i="1" dirty="0">
+                <a:latin typeface="Arial" panose="020B0604020202020204" pitchFamily="34" charset="0"/>
+                <a:cs typeface="Arial" panose="020B0604020202020204" pitchFamily="34" charset="0"/>
+              </a:rPr>
+              <a:t>Degree</a:t>
+            </a:r>
+          </a:p>
+          <a:p>
+            <a:pPr algn="r"/>
+            <a:r>
+              <a:rPr lang="en-US" sz="1270" i="1" dirty="0">
+                <a:latin typeface="Arial" panose="020B0604020202020204" pitchFamily="34" charset="0"/>
+                <a:cs typeface="Arial" panose="020B0604020202020204" pitchFamily="34" charset="0"/>
+              </a:rPr>
+              <a:t>BA</a:t>
+            </a:r>
+          </a:p>
+          <a:p>
+            <a:pPr algn="r"/>
+            <a:r>
+              <a:rPr lang="en-US" sz="1270" i="1" dirty="0">
+                <a:latin typeface="Arial" panose="020B0604020202020204" pitchFamily="34" charset="0"/>
+                <a:cs typeface="Arial" panose="020B0604020202020204" pitchFamily="34" charset="0"/>
+              </a:rPr>
+              <a:t>BC</a:t>
+            </a:r>
+          </a:p>
+          <a:p>
+            <a:pPr algn="r"/>
+            <a:r>
+              <a:rPr lang="en-US" sz="1270" i="1" dirty="0">
+                <a:latin typeface="Arial" panose="020B0604020202020204" pitchFamily="34" charset="0"/>
+                <a:cs typeface="Arial" panose="020B0604020202020204" pitchFamily="34" charset="0"/>
+              </a:rPr>
+              <a:t>Cohesion</a:t>
+            </a:r>
+          </a:p>
+          <a:p>
+            <a:pPr algn="r"/>
+            <a:r>
+              <a:rPr lang="en-US" sz="1270" i="1" dirty="0">
+                <a:latin typeface="Arial" panose="020B0604020202020204" pitchFamily="34" charset="0"/>
+                <a:cs typeface="Arial" panose="020B0604020202020204" pitchFamily="34" charset="0"/>
+              </a:rPr>
+              <a:t>Gyrate</a:t>
+            </a:r>
+          </a:p>
+          <a:p>
+            <a:pPr algn="r"/>
+            <a:r>
+              <a:rPr lang="en-US" sz="1270" i="1" dirty="0" err="1">
+                <a:latin typeface="Arial" panose="020B0604020202020204" pitchFamily="34" charset="0"/>
+                <a:cs typeface="Arial" panose="020B0604020202020204" pitchFamily="34" charset="0"/>
+              </a:rPr>
+              <a:t>AWGyrate</a:t>
+            </a:r>
+            <a:endParaRPr lang="en-US" sz="1270" i="1" dirty="0">
+              <a:latin typeface="Arial" panose="020B0604020202020204" pitchFamily="34" charset="0"/>
+              <a:cs typeface="Arial" panose="020B0604020202020204" pitchFamily="34" charset="0"/>
+            </a:endParaRPr>
+          </a:p>
+          <a:p>
+            <a:pPr algn="r"/>
+            <a:r>
+              <a:rPr lang="en-US" sz="1270" i="1" dirty="0">
+                <a:latin typeface="Arial" panose="020B0604020202020204" pitchFamily="34" charset="0"/>
+                <a:cs typeface="Arial" panose="020B0604020202020204" pitchFamily="34" charset="0"/>
+              </a:rPr>
+              <a:t>AWF</a:t>
+            </a:r>
+          </a:p>
+          <a:p>
+            <a:pPr algn="r"/>
+            <a:r>
+              <a:rPr lang="en-US" sz="1270" i="1" dirty="0">
+                <a:latin typeface="Arial" panose="020B0604020202020204" pitchFamily="34" charset="0"/>
+                <a:cs typeface="Arial" panose="020B0604020202020204" pitchFamily="34" charset="0"/>
+              </a:rPr>
+              <a:t>IIC</a:t>
+            </a:r>
+          </a:p>
+          <a:p>
+            <a:pPr algn="r"/>
+            <a:r>
+              <a:rPr lang="en-US" sz="1270" i="1" dirty="0">
+                <a:latin typeface="Arial" panose="020B0604020202020204" pitchFamily="34" charset="0"/>
+                <a:cs typeface="Arial" panose="020B0604020202020204" pitchFamily="34" charset="0"/>
+              </a:rPr>
+              <a:t>PC</a:t>
+            </a:r>
+          </a:p>
+          <a:p>
+            <a:pPr algn="r"/>
+            <a:r>
+              <a:rPr lang="en-US" sz="1270" i="1" dirty="0">
+                <a:latin typeface="Arial" panose="020B0604020202020204" pitchFamily="34" charset="0"/>
+                <a:cs typeface="Arial" panose="020B0604020202020204" pitchFamily="34" charset="0"/>
+              </a:rPr>
+              <a:t>ECA</a:t>
+            </a:r>
+          </a:p>
+          <a:p>
+            <a:pPr algn="r"/>
+            <a:r>
+              <a:rPr lang="en-US" sz="1270" i="1" dirty="0" err="1">
+                <a:latin typeface="Arial" panose="020B0604020202020204" pitchFamily="34" charset="0"/>
+                <a:cs typeface="Arial" panose="020B0604020202020204" pitchFamily="34" charset="0"/>
+              </a:rPr>
+              <a:t>ProtConn</a:t>
+            </a:r>
+            <a:endParaRPr lang="en-US" sz="1270" i="1" dirty="0">
+              <a:latin typeface="Arial" panose="020B0604020202020204" pitchFamily="34" charset="0"/>
+              <a:cs typeface="Arial" panose="020B0604020202020204" pitchFamily="34" charset="0"/>
+            </a:endParaRPr>
+          </a:p>
+          <a:p>
+            <a:pPr algn="r"/>
+            <a:r>
+              <a:rPr lang="en-US" sz="1270" i="1" dirty="0" err="1">
+                <a:latin typeface="Arial" panose="020B0604020202020204" pitchFamily="34" charset="0"/>
+                <a:cs typeface="Arial" panose="020B0604020202020204" pitchFamily="34" charset="0"/>
+              </a:rPr>
+              <a:t>PctArea</a:t>
+            </a:r>
+            <a:endParaRPr lang="en-US" sz="1270" i="1" dirty="0">
+              <a:latin typeface="Arial" panose="020B0604020202020204" pitchFamily="34" charset="0"/>
+              <a:cs typeface="Arial" panose="020B0604020202020204" pitchFamily="34" charset="0"/>
+            </a:endParaRPr>
+          </a:p>
+        </p:txBody>
+      </p:sp>
       <p:grpSp>
         <p:nvGrpSpPr>
-          <p:cNvPr id="2" name="Group 1">
-            <a:extLst>
-              <a:ext uri="{FF2B5EF4-FFF2-40B4-BE49-F238E27FC236}">
-                <a16:creationId xmlns:a16="http://schemas.microsoft.com/office/drawing/2014/main" id="{7EE33FC8-BF4D-B406-018D-02CEB35DD1EB}"/>
+          <p:cNvPr id="68" name="Group 67">
+            <a:extLst>
+              <a:ext uri="{FF2B5EF4-FFF2-40B4-BE49-F238E27FC236}">
+                <a16:creationId xmlns:a16="http://schemas.microsoft.com/office/drawing/2014/main" id="{BD280255-1971-704C-2EAE-9FDF8AF8C586}"/>
               </a:ext>
             </a:extLst>
           </p:cNvPr>
@@ -3880,100 +4727,18 @@
         </p:nvGrpSpPr>
         <p:grpSpPr>
           <a:xfrm>
-            <a:off x="26135" y="10048"/>
-            <a:ext cx="5239547" cy="6837899"/>
-            <a:chOff x="26135" y="10048"/>
-            <a:chExt cx="5239547" cy="6837899"/>
+            <a:off x="998916" y="4943026"/>
+            <a:ext cx="3383454" cy="1355585"/>
+            <a:chOff x="998916" y="4943026"/>
+            <a:chExt cx="3383454" cy="1355585"/>
           </a:xfrm>
         </p:grpSpPr>
-        <p:pic>
-          <p:nvPicPr>
-            <p:cNvPr id="5" name="Picture 4">
-              <a:extLst>
-                <a:ext uri="{FF2B5EF4-FFF2-40B4-BE49-F238E27FC236}">
-                  <a16:creationId xmlns:a16="http://schemas.microsoft.com/office/drawing/2014/main" id="{9CFB7D4F-ED6A-4A5D-A0EB-0F74BB123EBD}"/>
-                </a:ext>
-              </a:extLst>
-            </p:cNvPr>
-            <p:cNvPicPr>
-              <a:picLocks noChangeAspect="1"/>
-            </p:cNvPicPr>
-            <p:nvPr/>
-          </p:nvPicPr>
-          <p:blipFill rotWithShape="1">
-            <a:blip r:embed="rId2">
-              <a:extLst>
-                <a:ext uri="{28A0092B-C50C-407E-A947-70E740481C1C}">
-                  <a14:useLocalDpi xmlns:a14="http://schemas.microsoft.com/office/drawing/2010/main" val="0"/>
-                </a:ext>
-              </a:extLst>
-            </a:blip>
-            <a:srcRect l="361" r="768" b="293"/>
-            <a:stretch/>
-          </p:blipFill>
-          <p:spPr>
-            <a:xfrm>
-              <a:off x="26135" y="10048"/>
-              <a:ext cx="5239547" cy="6837899"/>
-            </a:xfrm>
-            <a:prstGeom prst="rect">
-              <a:avLst/>
-            </a:prstGeom>
-            <a:solidFill>
-              <a:schemeClr val="tx1"/>
-            </a:solidFill>
-            <a:ln>
-              <a:solidFill>
-                <a:schemeClr val="tx1"/>
-              </a:solidFill>
-            </a:ln>
-          </p:spPr>
-        </p:pic>
-        <p:pic>
-          <p:nvPicPr>
-            <p:cNvPr id="7" name="Picture 6">
-              <a:extLst>
-                <a:ext uri="{FF2B5EF4-FFF2-40B4-BE49-F238E27FC236}">
-                  <a16:creationId xmlns:a16="http://schemas.microsoft.com/office/drawing/2014/main" id="{14FF3B48-687A-45BB-B193-8A180C554F6C}"/>
-                </a:ext>
-              </a:extLst>
-            </p:cNvPr>
-            <p:cNvPicPr>
-              <a:picLocks noChangeAspect="1"/>
-            </p:cNvPicPr>
-            <p:nvPr/>
-          </p:nvPicPr>
-          <p:blipFill>
-            <a:blip r:embed="rId3">
-              <a:extLst>
-                <a:ext uri="{28A0092B-C50C-407E-A947-70E740481C1C}">
-                  <a14:useLocalDpi xmlns:a14="http://schemas.microsoft.com/office/drawing/2010/main" val="0"/>
-                </a:ext>
-              </a:extLst>
-            </a:blip>
-            <a:stretch>
-              <a:fillRect/>
-            </a:stretch>
-          </p:blipFill>
-          <p:spPr>
-            <a:xfrm>
-              <a:off x="297983" y="10053"/>
-              <a:ext cx="2120166" cy="1909182"/>
-            </a:xfrm>
-            <a:prstGeom prst="rect">
-              <a:avLst/>
-            </a:prstGeom>
-            <a:ln>
-              <a:noFill/>
-            </a:ln>
-          </p:spPr>
-        </p:pic>
         <p:sp>
           <p:nvSpPr>
-            <p:cNvPr id="8" name="TextBox 7">
-              <a:extLst>
-                <a:ext uri="{FF2B5EF4-FFF2-40B4-BE49-F238E27FC236}">
-                  <a16:creationId xmlns:a16="http://schemas.microsoft.com/office/drawing/2014/main" id="{24A85056-1C2D-4003-A703-097D082AC3FA}"/>
+            <p:cNvPr id="40" name="TextBox 39">
+              <a:extLst>
+                <a:ext uri="{FF2B5EF4-FFF2-40B4-BE49-F238E27FC236}">
+                  <a16:creationId xmlns:a16="http://schemas.microsoft.com/office/drawing/2014/main" id="{0A2B9336-2B20-CE13-1514-BE2E62D03D76}"/>
                 </a:ext>
               </a:extLst>
             </p:cNvPr>
@@ -3981,9 +4746,9 @@
             <p:nvPr/>
           </p:nvSpPr>
           <p:spPr>
-            <a:xfrm>
-              <a:off x="775759" y="1919235"/>
-              <a:ext cx="1164614" cy="276999"/>
+            <a:xfrm rot="18000000">
+              <a:off x="1709675" y="5211154"/>
+              <a:ext cx="792326" cy="287771"/>
             </a:xfrm>
             <a:prstGeom prst="rect">
               <a:avLst/>
@@ -3991,59 +4756,28 @@
             <a:noFill/>
           </p:spPr>
           <p:txBody>
-            <a:bodyPr wrap="none" rtlCol="0">
+            <a:bodyPr wrap="square">
               <a:spAutoFit/>
             </a:bodyPr>
             <a:lstStyle/>
             <a:p>
-              <a:r>
-                <a:rPr lang="en-US" sz="1200" dirty="0">
-                  <a:solidFill>
-                    <a:schemeClr val="tx1">
-                      <a:lumMod val="75000"/>
-                      <a:lumOff val="25000"/>
-                    </a:schemeClr>
-                  </a:solidFill>
-                  <a:latin typeface="Arial" panose="020B0604020202020204" pitchFamily="34" charset="0"/>
-                  <a:cs typeface="Arial" panose="020B0604020202020204" pitchFamily="34" charset="0"/>
-                </a:rPr>
-                <a:t>PA Area (km</a:t>
-              </a:r>
-              <a:r>
-                <a:rPr lang="en-US" sz="1200" baseline="30000" dirty="0">
-                  <a:solidFill>
-                    <a:schemeClr val="tx1">
-                      <a:lumMod val="75000"/>
-                      <a:lumOff val="25000"/>
-                    </a:schemeClr>
-                  </a:solidFill>
-                  <a:latin typeface="Arial" panose="020B0604020202020204" pitchFamily="34" charset="0"/>
-                  <a:cs typeface="Arial" panose="020B0604020202020204" pitchFamily="34" charset="0"/>
-                </a:rPr>
-                <a:t>2</a:t>
-              </a:r>
-              <a:r>
-                <a:rPr lang="en-US" sz="1200" dirty="0">
-                  <a:solidFill>
-                    <a:schemeClr val="tx1">
-                      <a:lumMod val="75000"/>
-                      <a:lumOff val="25000"/>
-                    </a:schemeClr>
-                  </a:solidFill>
-                  <a:latin typeface="Arial" panose="020B0604020202020204" pitchFamily="34" charset="0"/>
-                  <a:cs typeface="Arial" panose="020B0604020202020204" pitchFamily="34" charset="0"/>
-                </a:rPr>
-                <a:t>)</a:t>
+              <a:pPr algn="r"/>
+              <a:r>
+                <a:rPr lang="en-US" sz="1270" i="1" dirty="0">
+                  <a:latin typeface="Arial" panose="020B0604020202020204" pitchFamily="34" charset="0"/>
+                  <a:cs typeface="Arial" panose="020B0604020202020204" pitchFamily="34" charset="0"/>
+                </a:rPr>
+                <a:t>Degree</a:t>
               </a:r>
             </a:p>
           </p:txBody>
         </p:sp>
         <p:sp>
           <p:nvSpPr>
-            <p:cNvPr id="9" name="TextBox 8">
-              <a:extLst>
-                <a:ext uri="{FF2B5EF4-FFF2-40B4-BE49-F238E27FC236}">
-                  <a16:creationId xmlns:a16="http://schemas.microsoft.com/office/drawing/2014/main" id="{621D5A67-E09D-4985-8CEB-EB58DFFDE1E3}"/>
+            <p:cNvPr id="50" name="TextBox 49">
+              <a:extLst>
+                <a:ext uri="{FF2B5EF4-FFF2-40B4-BE49-F238E27FC236}">
+                  <a16:creationId xmlns:a16="http://schemas.microsoft.com/office/drawing/2014/main" id="{902F2249-53FB-EEDC-5445-C4339D4EED5E}"/>
                 </a:ext>
               </a:extLst>
             </p:cNvPr>
@@ -4051,9 +4785,9 @@
             <p:nvPr/>
           </p:nvSpPr>
           <p:spPr>
-            <a:xfrm rot="16200000">
-              <a:off x="-132080" y="873204"/>
-              <a:ext cx="593432" cy="276999"/>
+            <a:xfrm rot="18000000">
+              <a:off x="2545547" y="5289215"/>
+              <a:ext cx="973399" cy="287771"/>
             </a:xfrm>
             <a:prstGeom prst="rect">
               <a:avLst/>
@@ -4061,32 +4795,2122 @@
             <a:noFill/>
           </p:spPr>
           <p:txBody>
-            <a:bodyPr wrap="none" rtlCol="0">
+            <a:bodyPr wrap="square">
               <a:spAutoFit/>
             </a:bodyPr>
             <a:lstStyle/>
             <a:p>
-              <a:r>
-                <a:rPr lang="en-US" sz="1200" dirty="0">
-                  <a:solidFill>
-                    <a:schemeClr val="tx1">
-                      <a:lumMod val="75000"/>
-                      <a:lumOff val="25000"/>
-                    </a:schemeClr>
-                  </a:solidFill>
-                  <a:latin typeface="Arial" panose="020B0604020202020204" pitchFamily="34" charset="0"/>
-                  <a:cs typeface="Arial" panose="020B0604020202020204" pitchFamily="34" charset="0"/>
-                </a:rPr>
-                <a:t>Count</a:t>
+              <a:pPr algn="r"/>
+              <a:r>
+                <a:rPr lang="en-US" sz="1270" i="1" dirty="0" err="1">
+                  <a:latin typeface="Arial" panose="020B0604020202020204" pitchFamily="34" charset="0"/>
+                  <a:cs typeface="Arial" panose="020B0604020202020204" pitchFamily="34" charset="0"/>
+                </a:rPr>
+                <a:t>AWGyrate</a:t>
+              </a:r>
+              <a:endParaRPr lang="en-US" sz="1270" i="1" dirty="0">
+                <a:latin typeface="Arial" panose="020B0604020202020204" pitchFamily="34" charset="0"/>
+                <a:cs typeface="Arial" panose="020B0604020202020204" pitchFamily="34" charset="0"/>
+              </a:endParaRPr>
+            </a:p>
+          </p:txBody>
+        </p:sp>
+        <p:sp>
+          <p:nvSpPr>
+            <p:cNvPr id="19" name="TextBox 18">
+              <a:extLst>
+                <a:ext uri="{FF2B5EF4-FFF2-40B4-BE49-F238E27FC236}">
+                  <a16:creationId xmlns:a16="http://schemas.microsoft.com/office/drawing/2014/main" id="{0B462838-56AF-B589-F4FF-66DBBFF05655}"/>
+                </a:ext>
+              </a:extLst>
+            </p:cNvPr>
+            <p:cNvSpPr txBox="1"/>
+            <p:nvPr/>
+          </p:nvSpPr>
+          <p:spPr>
+            <a:xfrm rot="18000000">
+              <a:off x="676777" y="5303920"/>
+              <a:ext cx="932050" cy="287771"/>
+            </a:xfrm>
+            <a:prstGeom prst="rect">
+              <a:avLst/>
+            </a:prstGeom>
+            <a:noFill/>
+          </p:spPr>
+          <p:txBody>
+            <a:bodyPr vert="horz" wrap="square" rtlCol="0">
+              <a:spAutoFit/>
+            </a:bodyPr>
+            <a:lstStyle/>
+            <a:p>
+              <a:pPr algn="r"/>
+              <a:r>
+                <a:rPr lang="en-US" sz="1270" i="1" dirty="0" err="1">
+                  <a:latin typeface="Arial" panose="020B0604020202020204" pitchFamily="34" charset="0"/>
+                  <a:cs typeface="Arial" panose="020B0604020202020204" pitchFamily="34" charset="0"/>
+                </a:rPr>
+                <a:t>Prox</a:t>
+              </a:r>
+              <a:endParaRPr lang="en-US" sz="1270" i="1" dirty="0">
+                <a:latin typeface="Arial" panose="020B0604020202020204" pitchFamily="34" charset="0"/>
+                <a:cs typeface="Arial" panose="020B0604020202020204" pitchFamily="34" charset="0"/>
+              </a:endParaRPr>
+            </a:p>
+          </p:txBody>
+        </p:sp>
+        <p:sp>
+          <p:nvSpPr>
+            <p:cNvPr id="29" name="TextBox 28">
+              <a:extLst>
+                <a:ext uri="{FF2B5EF4-FFF2-40B4-BE49-F238E27FC236}">
+                  <a16:creationId xmlns:a16="http://schemas.microsoft.com/office/drawing/2014/main" id="{F00C97A6-77D9-9EE9-386D-C293F572A0CF}"/>
+                </a:ext>
+              </a:extLst>
+            </p:cNvPr>
+            <p:cNvSpPr txBox="1"/>
+            <p:nvPr/>
+          </p:nvSpPr>
+          <p:spPr>
+            <a:xfrm rot="18000000">
+              <a:off x="713311" y="5389314"/>
+              <a:ext cx="1156740" cy="287771"/>
+            </a:xfrm>
+            <a:prstGeom prst="rect">
+              <a:avLst/>
+            </a:prstGeom>
+            <a:noFill/>
+          </p:spPr>
+          <p:txBody>
+            <a:bodyPr wrap="square">
+              <a:spAutoFit/>
+            </a:bodyPr>
+            <a:lstStyle/>
+            <a:p>
+              <a:pPr algn="r"/>
+              <a:r>
+                <a:rPr lang="en-US" sz="1270" i="1" dirty="0" err="1">
+                  <a:latin typeface="Arial" panose="020B0604020202020204" pitchFamily="34" charset="0"/>
+                  <a:cs typeface="Arial" panose="020B0604020202020204" pitchFamily="34" charset="0"/>
+                </a:rPr>
+                <a:t>Dist</a:t>
+              </a:r>
+              <a:endParaRPr lang="en-US" sz="1270" i="1" dirty="0">
+                <a:latin typeface="Arial" panose="020B0604020202020204" pitchFamily="34" charset="0"/>
+                <a:cs typeface="Arial" panose="020B0604020202020204" pitchFamily="34" charset="0"/>
+              </a:endParaRPr>
+            </a:p>
+          </p:txBody>
+        </p:sp>
+        <p:sp>
+          <p:nvSpPr>
+            <p:cNvPr id="32" name="TextBox 31">
+              <a:extLst>
+                <a:ext uri="{FF2B5EF4-FFF2-40B4-BE49-F238E27FC236}">
+                  <a16:creationId xmlns:a16="http://schemas.microsoft.com/office/drawing/2014/main" id="{C74D4E43-F5CB-5C50-70FB-E070C36B812F}"/>
+                </a:ext>
+              </a:extLst>
+            </p:cNvPr>
+            <p:cNvSpPr txBox="1"/>
+            <p:nvPr/>
+          </p:nvSpPr>
+          <p:spPr>
+            <a:xfrm rot="18000000">
+              <a:off x="855003" y="5412116"/>
+              <a:ext cx="1216053" cy="287771"/>
+            </a:xfrm>
+            <a:prstGeom prst="rect">
+              <a:avLst/>
+            </a:prstGeom>
+            <a:noFill/>
+          </p:spPr>
+          <p:txBody>
+            <a:bodyPr wrap="square">
+              <a:spAutoFit/>
+            </a:bodyPr>
+            <a:lstStyle/>
+            <a:p>
+              <a:pPr algn="r"/>
+              <a:r>
+                <a:rPr lang="en-US" sz="1270" i="1" dirty="0">
+                  <a:latin typeface="Arial" panose="020B0604020202020204" pitchFamily="34" charset="0"/>
+                  <a:cs typeface="Arial" panose="020B0604020202020204" pitchFamily="34" charset="0"/>
+                </a:rPr>
+                <a:t>Compart</a:t>
+              </a:r>
+            </a:p>
+          </p:txBody>
+        </p:sp>
+        <p:sp>
+          <p:nvSpPr>
+            <p:cNvPr id="34" name="TextBox 33">
+              <a:extLst>
+                <a:ext uri="{FF2B5EF4-FFF2-40B4-BE49-F238E27FC236}">
+                  <a16:creationId xmlns:a16="http://schemas.microsoft.com/office/drawing/2014/main" id="{26CCAC93-6E6A-C5CE-A825-B956E194AAAC}"/>
+                </a:ext>
+              </a:extLst>
+            </p:cNvPr>
+            <p:cNvSpPr txBox="1"/>
+            <p:nvPr/>
+          </p:nvSpPr>
+          <p:spPr>
+            <a:xfrm rot="18000000">
+              <a:off x="1008904" y="5423434"/>
+              <a:ext cx="1240050" cy="287771"/>
+            </a:xfrm>
+            <a:prstGeom prst="rect">
+              <a:avLst/>
+            </a:prstGeom>
+            <a:noFill/>
+          </p:spPr>
+          <p:txBody>
+            <a:bodyPr wrap="square">
+              <a:spAutoFit/>
+            </a:bodyPr>
+            <a:lstStyle/>
+            <a:p>
+              <a:pPr algn="r"/>
+              <a:r>
+                <a:rPr lang="en-US" sz="1270" i="1" dirty="0" err="1">
+                  <a:latin typeface="Arial" panose="020B0604020202020204" pitchFamily="34" charset="0"/>
+                  <a:cs typeface="Arial" panose="020B0604020202020204" pitchFamily="34" charset="0"/>
+                </a:rPr>
+                <a:t>ClusCoeff</a:t>
+              </a:r>
+              <a:endParaRPr lang="en-US" sz="1270" i="1" dirty="0">
+                <a:latin typeface="Arial" panose="020B0604020202020204" pitchFamily="34" charset="0"/>
+                <a:cs typeface="Arial" panose="020B0604020202020204" pitchFamily="34" charset="0"/>
+              </a:endParaRPr>
+            </a:p>
+          </p:txBody>
+        </p:sp>
+        <p:sp>
+          <p:nvSpPr>
+            <p:cNvPr id="36" name="TextBox 35">
+              <a:extLst>
+                <a:ext uri="{FF2B5EF4-FFF2-40B4-BE49-F238E27FC236}">
+                  <a16:creationId xmlns:a16="http://schemas.microsoft.com/office/drawing/2014/main" id="{972CDF38-1F58-6E06-B6DA-70128EED5FBE}"/>
+                </a:ext>
+              </a:extLst>
+            </p:cNvPr>
+            <p:cNvSpPr txBox="1"/>
+            <p:nvPr/>
+          </p:nvSpPr>
+          <p:spPr>
+            <a:xfrm rot="18000000">
+              <a:off x="1745089" y="5127698"/>
+              <a:ext cx="531098" cy="287771"/>
+            </a:xfrm>
+            <a:prstGeom prst="rect">
+              <a:avLst/>
+            </a:prstGeom>
+            <a:noFill/>
+          </p:spPr>
+          <p:txBody>
+            <a:bodyPr wrap="square">
+              <a:spAutoFit/>
+            </a:bodyPr>
+            <a:lstStyle/>
+            <a:p>
+              <a:pPr algn="r"/>
+              <a:r>
+                <a:rPr lang="en-US" sz="1270" i="1" dirty="0">
+                  <a:latin typeface="Arial" panose="020B0604020202020204" pitchFamily="34" charset="0"/>
+                  <a:cs typeface="Arial" panose="020B0604020202020204" pitchFamily="34" charset="0"/>
+                </a:rPr>
+                <a:t>Flux</a:t>
+              </a:r>
+            </a:p>
+          </p:txBody>
+        </p:sp>
+        <p:sp>
+          <p:nvSpPr>
+            <p:cNvPr id="44" name="TextBox 43">
+              <a:extLst>
+                <a:ext uri="{FF2B5EF4-FFF2-40B4-BE49-F238E27FC236}">
+                  <a16:creationId xmlns:a16="http://schemas.microsoft.com/office/drawing/2014/main" id="{BE54F843-D64B-FF37-2696-2D40709EBFA4}"/>
+                </a:ext>
+              </a:extLst>
+            </p:cNvPr>
+            <p:cNvSpPr txBox="1"/>
+            <p:nvPr/>
+          </p:nvSpPr>
+          <p:spPr>
+            <a:xfrm rot="18000000">
+              <a:off x="1967062" y="5308483"/>
+              <a:ext cx="977692" cy="287771"/>
+            </a:xfrm>
+            <a:prstGeom prst="rect">
+              <a:avLst/>
+            </a:prstGeom>
+            <a:noFill/>
+          </p:spPr>
+          <p:txBody>
+            <a:bodyPr wrap="square">
+              <a:spAutoFit/>
+            </a:bodyPr>
+            <a:lstStyle/>
+            <a:p>
+              <a:pPr algn="r"/>
+              <a:r>
+                <a:rPr lang="en-US" sz="1270" i="1" dirty="0">
+                  <a:latin typeface="Arial" panose="020B0604020202020204" pitchFamily="34" charset="0"/>
+                  <a:cs typeface="Arial" panose="020B0604020202020204" pitchFamily="34" charset="0"/>
+                </a:rPr>
+                <a:t>BC</a:t>
+              </a:r>
+            </a:p>
+          </p:txBody>
+        </p:sp>
+        <p:sp>
+          <p:nvSpPr>
+            <p:cNvPr id="48" name="TextBox 47">
+              <a:extLst>
+                <a:ext uri="{FF2B5EF4-FFF2-40B4-BE49-F238E27FC236}">
+                  <a16:creationId xmlns:a16="http://schemas.microsoft.com/office/drawing/2014/main" id="{F7476959-2C27-81EE-ADDC-5AB40F6CEC37}"/>
+                </a:ext>
+              </a:extLst>
+            </p:cNvPr>
+            <p:cNvSpPr txBox="1"/>
+            <p:nvPr/>
+          </p:nvSpPr>
+          <p:spPr>
+            <a:xfrm rot="18000000">
+              <a:off x="2195801" y="5394891"/>
+              <a:ext cx="1172309" cy="287771"/>
+            </a:xfrm>
+            <a:prstGeom prst="rect">
+              <a:avLst/>
+            </a:prstGeom>
+            <a:noFill/>
+          </p:spPr>
+          <p:txBody>
+            <a:bodyPr wrap="square">
+              <a:spAutoFit/>
+            </a:bodyPr>
+            <a:lstStyle/>
+            <a:p>
+              <a:pPr algn="r"/>
+              <a:r>
+                <a:rPr lang="en-US" sz="1270" i="1" dirty="0">
+                  <a:latin typeface="Arial" panose="020B0604020202020204" pitchFamily="34" charset="0"/>
+                  <a:cs typeface="Arial" panose="020B0604020202020204" pitchFamily="34" charset="0"/>
+                </a:rPr>
+                <a:t>Gyrate</a:t>
+              </a:r>
+            </a:p>
+          </p:txBody>
+        </p:sp>
+        <p:sp>
+          <p:nvSpPr>
+            <p:cNvPr id="54" name="TextBox 53">
+              <a:extLst>
+                <a:ext uri="{FF2B5EF4-FFF2-40B4-BE49-F238E27FC236}">
+                  <a16:creationId xmlns:a16="http://schemas.microsoft.com/office/drawing/2014/main" id="{4DBF63A8-9335-2E0F-F829-18FDAA5C024B}"/>
+                </a:ext>
+              </a:extLst>
+            </p:cNvPr>
+            <p:cNvSpPr txBox="1"/>
+            <p:nvPr/>
+          </p:nvSpPr>
+          <p:spPr>
+            <a:xfrm rot="18000000">
+              <a:off x="2760626" y="5390963"/>
+              <a:ext cx="1182011" cy="287771"/>
+            </a:xfrm>
+            <a:prstGeom prst="rect">
+              <a:avLst/>
+            </a:prstGeom>
+            <a:noFill/>
+          </p:spPr>
+          <p:txBody>
+            <a:bodyPr wrap="square">
+              <a:spAutoFit/>
+            </a:bodyPr>
+            <a:lstStyle/>
+            <a:p>
+              <a:pPr algn="r"/>
+              <a:r>
+                <a:rPr lang="en-US" sz="1270" i="1" dirty="0">
+                  <a:latin typeface="Arial" panose="020B0604020202020204" pitchFamily="34" charset="0"/>
+                  <a:cs typeface="Arial" panose="020B0604020202020204" pitchFamily="34" charset="0"/>
+                </a:rPr>
+                <a:t>IIC</a:t>
+              </a:r>
+            </a:p>
+          </p:txBody>
+        </p:sp>
+        <p:sp>
+          <p:nvSpPr>
+            <p:cNvPr id="58" name="TextBox 57">
+              <a:extLst>
+                <a:ext uri="{FF2B5EF4-FFF2-40B4-BE49-F238E27FC236}">
+                  <a16:creationId xmlns:a16="http://schemas.microsoft.com/office/drawing/2014/main" id="{2303B496-5D49-8E9F-8FBC-53C0FFA08D04}"/>
+                </a:ext>
+              </a:extLst>
+            </p:cNvPr>
+            <p:cNvSpPr txBox="1"/>
+            <p:nvPr/>
+          </p:nvSpPr>
+          <p:spPr>
+            <a:xfrm rot="18000000">
+              <a:off x="3464504" y="5206770"/>
+              <a:ext cx="756934" cy="287771"/>
+            </a:xfrm>
+            <a:prstGeom prst="rect">
+              <a:avLst/>
+            </a:prstGeom>
+            <a:noFill/>
+          </p:spPr>
+          <p:txBody>
+            <a:bodyPr wrap="square">
+              <a:spAutoFit/>
+            </a:bodyPr>
+            <a:lstStyle/>
+            <a:p>
+              <a:pPr algn="r"/>
+              <a:r>
+                <a:rPr lang="en-US" sz="1270" i="1" dirty="0">
+                  <a:latin typeface="Arial" panose="020B0604020202020204" pitchFamily="34" charset="0"/>
+                  <a:cs typeface="Arial" panose="020B0604020202020204" pitchFamily="34" charset="0"/>
+                </a:rPr>
+                <a:t>ECA</a:t>
+              </a:r>
+            </a:p>
+          </p:txBody>
+        </p:sp>
+        <p:sp>
+          <p:nvSpPr>
+            <p:cNvPr id="60" name="TextBox 59">
+              <a:extLst>
+                <a:ext uri="{FF2B5EF4-FFF2-40B4-BE49-F238E27FC236}">
+                  <a16:creationId xmlns:a16="http://schemas.microsoft.com/office/drawing/2014/main" id="{7804D59B-FC75-3E03-11A9-58004DE9393A}"/>
+                </a:ext>
+              </a:extLst>
+            </p:cNvPr>
+            <p:cNvSpPr txBox="1"/>
+            <p:nvPr/>
+          </p:nvSpPr>
+          <p:spPr>
+            <a:xfrm rot="18000000">
+              <a:off x="3215192" y="5476933"/>
+              <a:ext cx="1355585" cy="287771"/>
+            </a:xfrm>
+            <a:prstGeom prst="rect">
+              <a:avLst/>
+            </a:prstGeom>
+            <a:noFill/>
+          </p:spPr>
+          <p:txBody>
+            <a:bodyPr wrap="square">
+              <a:spAutoFit/>
+            </a:bodyPr>
+            <a:lstStyle/>
+            <a:p>
+              <a:pPr algn="r"/>
+              <a:r>
+                <a:rPr lang="en-US" sz="1270" i="1" dirty="0" err="1">
+                  <a:latin typeface="Arial" panose="020B0604020202020204" pitchFamily="34" charset="0"/>
+                  <a:cs typeface="Arial" panose="020B0604020202020204" pitchFamily="34" charset="0"/>
+                </a:rPr>
+                <a:t>ProtConn</a:t>
+              </a:r>
+              <a:endParaRPr lang="en-US" sz="1270" i="1" dirty="0">
+                <a:latin typeface="Arial" panose="020B0604020202020204" pitchFamily="34" charset="0"/>
+                <a:cs typeface="Arial" panose="020B0604020202020204" pitchFamily="34" charset="0"/>
+              </a:endParaRPr>
+            </a:p>
+          </p:txBody>
+        </p:sp>
+        <p:sp>
+          <p:nvSpPr>
+            <p:cNvPr id="62" name="TextBox 61">
+              <a:extLst>
+                <a:ext uri="{FF2B5EF4-FFF2-40B4-BE49-F238E27FC236}">
+                  <a16:creationId xmlns:a16="http://schemas.microsoft.com/office/drawing/2014/main" id="{9C0AC2D1-1EA4-EC3C-1E5E-06460FBFEF64}"/>
+                </a:ext>
+              </a:extLst>
+            </p:cNvPr>
+            <p:cNvSpPr txBox="1"/>
+            <p:nvPr/>
+          </p:nvSpPr>
+          <p:spPr>
+            <a:xfrm rot="18000000">
+              <a:off x="3783677" y="5301814"/>
+              <a:ext cx="909616" cy="287771"/>
+            </a:xfrm>
+            <a:prstGeom prst="rect">
+              <a:avLst/>
+            </a:prstGeom>
+            <a:noFill/>
+          </p:spPr>
+          <p:txBody>
+            <a:bodyPr wrap="square">
+              <a:spAutoFit/>
+            </a:bodyPr>
+            <a:lstStyle/>
+            <a:p>
+              <a:pPr algn="r"/>
+              <a:r>
+                <a:rPr lang="en-US" sz="1270" i="1" dirty="0" err="1">
+                  <a:latin typeface="Arial" panose="020B0604020202020204" pitchFamily="34" charset="0"/>
+                  <a:cs typeface="Arial" panose="020B0604020202020204" pitchFamily="34" charset="0"/>
+                </a:rPr>
+                <a:t>PctArea</a:t>
+              </a:r>
+              <a:endParaRPr lang="en-US" sz="1270" i="1" dirty="0">
+                <a:latin typeface="Arial" panose="020B0604020202020204" pitchFamily="34" charset="0"/>
+                <a:cs typeface="Arial" panose="020B0604020202020204" pitchFamily="34" charset="0"/>
+              </a:endParaRPr>
+            </a:p>
+          </p:txBody>
+        </p:sp>
+        <p:sp>
+          <p:nvSpPr>
+            <p:cNvPr id="64" name="TextBox 63">
+              <a:extLst>
+                <a:ext uri="{FF2B5EF4-FFF2-40B4-BE49-F238E27FC236}">
+                  <a16:creationId xmlns:a16="http://schemas.microsoft.com/office/drawing/2014/main" id="{D4D191AB-6BB9-2B61-34E5-EFBA36103B0A}"/>
+                </a:ext>
+              </a:extLst>
+            </p:cNvPr>
+            <p:cNvSpPr txBox="1"/>
+            <p:nvPr/>
+          </p:nvSpPr>
+          <p:spPr>
+            <a:xfrm rot="18000000">
+              <a:off x="1627655" y="5395699"/>
+              <a:ext cx="1191717" cy="287771"/>
+            </a:xfrm>
+            <a:prstGeom prst="rect">
+              <a:avLst/>
+            </a:prstGeom>
+            <a:noFill/>
+          </p:spPr>
+          <p:txBody>
+            <a:bodyPr wrap="square">
+              <a:spAutoFit/>
+            </a:bodyPr>
+            <a:lstStyle/>
+            <a:p>
+              <a:pPr algn="r"/>
+              <a:r>
+                <a:rPr lang="en-US" sz="1270" i="1" dirty="0">
+                  <a:latin typeface="Arial" panose="020B0604020202020204" pitchFamily="34" charset="0"/>
+                  <a:cs typeface="Arial" panose="020B0604020202020204" pitchFamily="34" charset="0"/>
+                </a:rPr>
+                <a:t>BA</a:t>
+              </a:r>
+            </a:p>
+          </p:txBody>
+        </p:sp>
+        <p:sp>
+          <p:nvSpPr>
+            <p:cNvPr id="65" name="TextBox 64">
+              <a:extLst>
+                <a:ext uri="{FF2B5EF4-FFF2-40B4-BE49-F238E27FC236}">
+                  <a16:creationId xmlns:a16="http://schemas.microsoft.com/office/drawing/2014/main" id="{11E028E7-D06D-6141-EB21-9A75B9637951}"/>
+                </a:ext>
+              </a:extLst>
+            </p:cNvPr>
+            <p:cNvSpPr txBox="1"/>
+            <p:nvPr/>
+          </p:nvSpPr>
+          <p:spPr>
+            <a:xfrm rot="18000000">
+              <a:off x="2740531" y="5304658"/>
+              <a:ext cx="965072" cy="287771"/>
+            </a:xfrm>
+            <a:prstGeom prst="rect">
+              <a:avLst/>
+            </a:prstGeom>
+            <a:noFill/>
+          </p:spPr>
+          <p:txBody>
+            <a:bodyPr wrap="square">
+              <a:spAutoFit/>
+            </a:bodyPr>
+            <a:lstStyle/>
+            <a:p>
+              <a:pPr algn="r"/>
+              <a:r>
+                <a:rPr lang="en-US" sz="1270" i="1" dirty="0">
+                  <a:latin typeface="Arial" panose="020B0604020202020204" pitchFamily="34" charset="0"/>
+                  <a:cs typeface="Arial" panose="020B0604020202020204" pitchFamily="34" charset="0"/>
+                </a:rPr>
+                <a:t>AWF</a:t>
+              </a:r>
+            </a:p>
+          </p:txBody>
+        </p:sp>
+        <p:sp>
+          <p:nvSpPr>
+            <p:cNvPr id="66" name="TextBox 65">
+              <a:extLst>
+                <a:ext uri="{FF2B5EF4-FFF2-40B4-BE49-F238E27FC236}">
+                  <a16:creationId xmlns:a16="http://schemas.microsoft.com/office/drawing/2014/main" id="{9E828C0B-4EAA-C405-3570-884FE530D92B}"/>
+                </a:ext>
+              </a:extLst>
+            </p:cNvPr>
+            <p:cNvSpPr txBox="1"/>
+            <p:nvPr/>
+          </p:nvSpPr>
+          <p:spPr>
+            <a:xfrm rot="18000000">
+              <a:off x="3241287" y="5214060"/>
+              <a:ext cx="783691" cy="287771"/>
+            </a:xfrm>
+            <a:prstGeom prst="rect">
+              <a:avLst/>
+            </a:prstGeom>
+            <a:noFill/>
+          </p:spPr>
+          <p:txBody>
+            <a:bodyPr wrap="square">
+              <a:spAutoFit/>
+            </a:bodyPr>
+            <a:lstStyle/>
+            <a:p>
+              <a:pPr algn="r"/>
+              <a:r>
+                <a:rPr lang="en-US" sz="1270" i="1" dirty="0">
+                  <a:latin typeface="Arial" panose="020B0604020202020204" pitchFamily="34" charset="0"/>
+                  <a:cs typeface="Arial" panose="020B0604020202020204" pitchFamily="34" charset="0"/>
+                </a:rPr>
+                <a:t>PC</a:t>
+              </a:r>
+            </a:p>
+          </p:txBody>
+        </p:sp>
+        <p:sp>
+          <p:nvSpPr>
+            <p:cNvPr id="67" name="TextBox 66">
+              <a:extLst>
+                <a:ext uri="{FF2B5EF4-FFF2-40B4-BE49-F238E27FC236}">
+                  <a16:creationId xmlns:a16="http://schemas.microsoft.com/office/drawing/2014/main" id="{FEDAE78D-E226-6958-B8F9-1EA4F7C94A10}"/>
+                </a:ext>
+              </a:extLst>
+            </p:cNvPr>
+            <p:cNvSpPr txBox="1"/>
+            <p:nvPr/>
+          </p:nvSpPr>
+          <p:spPr>
+            <a:xfrm rot="18000000">
+              <a:off x="2162971" y="5296621"/>
+              <a:ext cx="971524" cy="287771"/>
+            </a:xfrm>
+            <a:prstGeom prst="rect">
+              <a:avLst/>
+            </a:prstGeom>
+            <a:noFill/>
+          </p:spPr>
+          <p:txBody>
+            <a:bodyPr wrap="square">
+              <a:spAutoFit/>
+            </a:bodyPr>
+            <a:lstStyle/>
+            <a:p>
+              <a:pPr algn="r"/>
+              <a:r>
+                <a:rPr lang="en-US" sz="1270" i="1" dirty="0">
+                  <a:latin typeface="Arial" panose="020B0604020202020204" pitchFamily="34" charset="0"/>
+                  <a:cs typeface="Arial" panose="020B0604020202020204" pitchFamily="34" charset="0"/>
+                </a:rPr>
+                <a:t>Cohesion</a:t>
               </a:r>
             </a:p>
           </p:txBody>
         </p:sp>
       </p:grpSp>
+      <p:grpSp>
+        <p:nvGrpSpPr>
+          <p:cNvPr id="69" name="Group 68">
+            <a:extLst>
+              <a:ext uri="{FF2B5EF4-FFF2-40B4-BE49-F238E27FC236}">
+                <a16:creationId xmlns:a16="http://schemas.microsoft.com/office/drawing/2014/main" id="{DD8CEFE6-517C-44BD-0270-55F3EF06BE2E}"/>
+              </a:ext>
+            </a:extLst>
+          </p:cNvPr>
+          <p:cNvGrpSpPr/>
+          <p:nvPr/>
+        </p:nvGrpSpPr>
+        <p:grpSpPr>
+          <a:xfrm>
+            <a:off x="4614157" y="4936475"/>
+            <a:ext cx="3383454" cy="1355585"/>
+            <a:chOff x="998916" y="4943026"/>
+            <a:chExt cx="3383454" cy="1355585"/>
+          </a:xfrm>
+        </p:grpSpPr>
+        <p:sp>
+          <p:nvSpPr>
+            <p:cNvPr id="70" name="TextBox 69">
+              <a:extLst>
+                <a:ext uri="{FF2B5EF4-FFF2-40B4-BE49-F238E27FC236}">
+                  <a16:creationId xmlns:a16="http://schemas.microsoft.com/office/drawing/2014/main" id="{90FA1FE5-4160-62EB-4425-E27B45CD6F01}"/>
+                </a:ext>
+              </a:extLst>
+            </p:cNvPr>
+            <p:cNvSpPr txBox="1"/>
+            <p:nvPr/>
+          </p:nvSpPr>
+          <p:spPr>
+            <a:xfrm rot="18000000">
+              <a:off x="1709675" y="5211154"/>
+              <a:ext cx="792326" cy="287771"/>
+            </a:xfrm>
+            <a:prstGeom prst="rect">
+              <a:avLst/>
+            </a:prstGeom>
+            <a:noFill/>
+          </p:spPr>
+          <p:txBody>
+            <a:bodyPr wrap="square">
+              <a:spAutoFit/>
+            </a:bodyPr>
+            <a:lstStyle/>
+            <a:p>
+              <a:pPr algn="r"/>
+              <a:r>
+                <a:rPr lang="en-US" sz="1270" i="1" dirty="0">
+                  <a:latin typeface="Arial" panose="020B0604020202020204" pitchFamily="34" charset="0"/>
+                  <a:cs typeface="Arial" panose="020B0604020202020204" pitchFamily="34" charset="0"/>
+                </a:rPr>
+                <a:t>Degree</a:t>
+              </a:r>
+            </a:p>
+          </p:txBody>
+        </p:sp>
+        <p:sp>
+          <p:nvSpPr>
+            <p:cNvPr id="71" name="TextBox 70">
+              <a:extLst>
+                <a:ext uri="{FF2B5EF4-FFF2-40B4-BE49-F238E27FC236}">
+                  <a16:creationId xmlns:a16="http://schemas.microsoft.com/office/drawing/2014/main" id="{2BC7E938-A570-2D05-7F10-15D8103E5256}"/>
+                </a:ext>
+              </a:extLst>
+            </p:cNvPr>
+            <p:cNvSpPr txBox="1"/>
+            <p:nvPr/>
+          </p:nvSpPr>
+          <p:spPr>
+            <a:xfrm rot="18000000">
+              <a:off x="2545547" y="5289215"/>
+              <a:ext cx="973399" cy="287771"/>
+            </a:xfrm>
+            <a:prstGeom prst="rect">
+              <a:avLst/>
+            </a:prstGeom>
+            <a:noFill/>
+          </p:spPr>
+          <p:txBody>
+            <a:bodyPr wrap="square">
+              <a:spAutoFit/>
+            </a:bodyPr>
+            <a:lstStyle/>
+            <a:p>
+              <a:pPr algn="r"/>
+              <a:r>
+                <a:rPr lang="en-US" sz="1270" i="1" dirty="0" err="1">
+                  <a:latin typeface="Arial" panose="020B0604020202020204" pitchFamily="34" charset="0"/>
+                  <a:cs typeface="Arial" panose="020B0604020202020204" pitchFamily="34" charset="0"/>
+                </a:rPr>
+                <a:t>AWGyrate</a:t>
+              </a:r>
+              <a:endParaRPr lang="en-US" sz="1270" i="1" dirty="0">
+                <a:latin typeface="Arial" panose="020B0604020202020204" pitchFamily="34" charset="0"/>
+                <a:cs typeface="Arial" panose="020B0604020202020204" pitchFamily="34" charset="0"/>
+              </a:endParaRPr>
+            </a:p>
+          </p:txBody>
+        </p:sp>
+        <p:sp>
+          <p:nvSpPr>
+            <p:cNvPr id="72" name="TextBox 71">
+              <a:extLst>
+                <a:ext uri="{FF2B5EF4-FFF2-40B4-BE49-F238E27FC236}">
+                  <a16:creationId xmlns:a16="http://schemas.microsoft.com/office/drawing/2014/main" id="{5E91812F-03D9-5CDA-E6E9-69888A861C9F}"/>
+                </a:ext>
+              </a:extLst>
+            </p:cNvPr>
+            <p:cNvSpPr txBox="1"/>
+            <p:nvPr/>
+          </p:nvSpPr>
+          <p:spPr>
+            <a:xfrm rot="18000000">
+              <a:off x="676777" y="5303920"/>
+              <a:ext cx="932050" cy="287771"/>
+            </a:xfrm>
+            <a:prstGeom prst="rect">
+              <a:avLst/>
+            </a:prstGeom>
+            <a:noFill/>
+          </p:spPr>
+          <p:txBody>
+            <a:bodyPr vert="horz" wrap="square" rtlCol="0">
+              <a:spAutoFit/>
+            </a:bodyPr>
+            <a:lstStyle/>
+            <a:p>
+              <a:pPr algn="r"/>
+              <a:r>
+                <a:rPr lang="en-US" sz="1270" i="1" dirty="0" err="1">
+                  <a:latin typeface="Arial" panose="020B0604020202020204" pitchFamily="34" charset="0"/>
+                  <a:cs typeface="Arial" panose="020B0604020202020204" pitchFamily="34" charset="0"/>
+                </a:rPr>
+                <a:t>Prox</a:t>
+              </a:r>
+              <a:endParaRPr lang="en-US" sz="1270" i="1" dirty="0">
+                <a:latin typeface="Arial" panose="020B0604020202020204" pitchFamily="34" charset="0"/>
+                <a:cs typeface="Arial" panose="020B0604020202020204" pitchFamily="34" charset="0"/>
+              </a:endParaRPr>
+            </a:p>
+          </p:txBody>
+        </p:sp>
+        <p:sp>
+          <p:nvSpPr>
+            <p:cNvPr id="73" name="TextBox 72">
+              <a:extLst>
+                <a:ext uri="{FF2B5EF4-FFF2-40B4-BE49-F238E27FC236}">
+                  <a16:creationId xmlns:a16="http://schemas.microsoft.com/office/drawing/2014/main" id="{3C8039A8-B4E4-9D26-9C15-6E0DBC199220}"/>
+                </a:ext>
+              </a:extLst>
+            </p:cNvPr>
+            <p:cNvSpPr txBox="1"/>
+            <p:nvPr/>
+          </p:nvSpPr>
+          <p:spPr>
+            <a:xfrm rot="18000000">
+              <a:off x="713311" y="5389314"/>
+              <a:ext cx="1156740" cy="287771"/>
+            </a:xfrm>
+            <a:prstGeom prst="rect">
+              <a:avLst/>
+            </a:prstGeom>
+            <a:noFill/>
+          </p:spPr>
+          <p:txBody>
+            <a:bodyPr wrap="square">
+              <a:spAutoFit/>
+            </a:bodyPr>
+            <a:lstStyle/>
+            <a:p>
+              <a:pPr algn="r"/>
+              <a:r>
+                <a:rPr lang="en-US" sz="1270" i="1" dirty="0" err="1">
+                  <a:latin typeface="Arial" panose="020B0604020202020204" pitchFamily="34" charset="0"/>
+                  <a:cs typeface="Arial" panose="020B0604020202020204" pitchFamily="34" charset="0"/>
+                </a:rPr>
+                <a:t>Dist</a:t>
+              </a:r>
+              <a:endParaRPr lang="en-US" sz="1270" i="1" dirty="0">
+                <a:latin typeface="Arial" panose="020B0604020202020204" pitchFamily="34" charset="0"/>
+                <a:cs typeface="Arial" panose="020B0604020202020204" pitchFamily="34" charset="0"/>
+              </a:endParaRPr>
+            </a:p>
+          </p:txBody>
+        </p:sp>
+        <p:sp>
+          <p:nvSpPr>
+            <p:cNvPr id="74" name="TextBox 73">
+              <a:extLst>
+                <a:ext uri="{FF2B5EF4-FFF2-40B4-BE49-F238E27FC236}">
+                  <a16:creationId xmlns:a16="http://schemas.microsoft.com/office/drawing/2014/main" id="{443B36CC-A153-D2E9-8573-E90472801C27}"/>
+                </a:ext>
+              </a:extLst>
+            </p:cNvPr>
+            <p:cNvSpPr txBox="1"/>
+            <p:nvPr/>
+          </p:nvSpPr>
+          <p:spPr>
+            <a:xfrm rot="18000000">
+              <a:off x="855003" y="5412116"/>
+              <a:ext cx="1216053" cy="287771"/>
+            </a:xfrm>
+            <a:prstGeom prst="rect">
+              <a:avLst/>
+            </a:prstGeom>
+            <a:noFill/>
+          </p:spPr>
+          <p:txBody>
+            <a:bodyPr wrap="square">
+              <a:spAutoFit/>
+            </a:bodyPr>
+            <a:lstStyle/>
+            <a:p>
+              <a:pPr algn="r"/>
+              <a:r>
+                <a:rPr lang="en-US" sz="1270" i="1" dirty="0">
+                  <a:latin typeface="Arial" panose="020B0604020202020204" pitchFamily="34" charset="0"/>
+                  <a:cs typeface="Arial" panose="020B0604020202020204" pitchFamily="34" charset="0"/>
+                </a:rPr>
+                <a:t>Compart</a:t>
+              </a:r>
+            </a:p>
+          </p:txBody>
+        </p:sp>
+        <p:sp>
+          <p:nvSpPr>
+            <p:cNvPr id="75" name="TextBox 74">
+              <a:extLst>
+                <a:ext uri="{FF2B5EF4-FFF2-40B4-BE49-F238E27FC236}">
+                  <a16:creationId xmlns:a16="http://schemas.microsoft.com/office/drawing/2014/main" id="{19BF1B19-CDDC-C17D-B624-7AB2C76B2E34}"/>
+                </a:ext>
+              </a:extLst>
+            </p:cNvPr>
+            <p:cNvSpPr txBox="1"/>
+            <p:nvPr/>
+          </p:nvSpPr>
+          <p:spPr>
+            <a:xfrm rot="18000000">
+              <a:off x="1008904" y="5423434"/>
+              <a:ext cx="1240050" cy="287771"/>
+            </a:xfrm>
+            <a:prstGeom prst="rect">
+              <a:avLst/>
+            </a:prstGeom>
+            <a:noFill/>
+          </p:spPr>
+          <p:txBody>
+            <a:bodyPr wrap="square">
+              <a:spAutoFit/>
+            </a:bodyPr>
+            <a:lstStyle/>
+            <a:p>
+              <a:pPr algn="r"/>
+              <a:r>
+                <a:rPr lang="en-US" sz="1270" i="1" dirty="0" err="1">
+                  <a:latin typeface="Arial" panose="020B0604020202020204" pitchFamily="34" charset="0"/>
+                  <a:cs typeface="Arial" panose="020B0604020202020204" pitchFamily="34" charset="0"/>
+                </a:rPr>
+                <a:t>ClusCoeff</a:t>
+              </a:r>
+              <a:endParaRPr lang="en-US" sz="1270" i="1" dirty="0">
+                <a:latin typeface="Arial" panose="020B0604020202020204" pitchFamily="34" charset="0"/>
+                <a:cs typeface="Arial" panose="020B0604020202020204" pitchFamily="34" charset="0"/>
+              </a:endParaRPr>
+            </a:p>
+          </p:txBody>
+        </p:sp>
+        <p:sp>
+          <p:nvSpPr>
+            <p:cNvPr id="76" name="TextBox 75">
+              <a:extLst>
+                <a:ext uri="{FF2B5EF4-FFF2-40B4-BE49-F238E27FC236}">
+                  <a16:creationId xmlns:a16="http://schemas.microsoft.com/office/drawing/2014/main" id="{2CDCA353-6C38-AF97-4200-DCBB29031145}"/>
+                </a:ext>
+              </a:extLst>
+            </p:cNvPr>
+            <p:cNvSpPr txBox="1"/>
+            <p:nvPr/>
+          </p:nvSpPr>
+          <p:spPr>
+            <a:xfrm rot="18000000">
+              <a:off x="1745089" y="5127698"/>
+              <a:ext cx="531098" cy="287771"/>
+            </a:xfrm>
+            <a:prstGeom prst="rect">
+              <a:avLst/>
+            </a:prstGeom>
+            <a:noFill/>
+          </p:spPr>
+          <p:txBody>
+            <a:bodyPr wrap="square">
+              <a:spAutoFit/>
+            </a:bodyPr>
+            <a:lstStyle/>
+            <a:p>
+              <a:pPr algn="r"/>
+              <a:r>
+                <a:rPr lang="en-US" sz="1270" i="1" dirty="0">
+                  <a:latin typeface="Arial" panose="020B0604020202020204" pitchFamily="34" charset="0"/>
+                  <a:cs typeface="Arial" panose="020B0604020202020204" pitchFamily="34" charset="0"/>
+                </a:rPr>
+                <a:t>Flux</a:t>
+              </a:r>
+            </a:p>
+          </p:txBody>
+        </p:sp>
+        <p:sp>
+          <p:nvSpPr>
+            <p:cNvPr id="77" name="TextBox 76">
+              <a:extLst>
+                <a:ext uri="{FF2B5EF4-FFF2-40B4-BE49-F238E27FC236}">
+                  <a16:creationId xmlns:a16="http://schemas.microsoft.com/office/drawing/2014/main" id="{34416973-44FF-59E3-BBE2-CF4F794870F8}"/>
+                </a:ext>
+              </a:extLst>
+            </p:cNvPr>
+            <p:cNvSpPr txBox="1"/>
+            <p:nvPr/>
+          </p:nvSpPr>
+          <p:spPr>
+            <a:xfrm rot="18000000">
+              <a:off x="1967062" y="5308483"/>
+              <a:ext cx="977692" cy="287771"/>
+            </a:xfrm>
+            <a:prstGeom prst="rect">
+              <a:avLst/>
+            </a:prstGeom>
+            <a:noFill/>
+          </p:spPr>
+          <p:txBody>
+            <a:bodyPr wrap="square">
+              <a:spAutoFit/>
+            </a:bodyPr>
+            <a:lstStyle/>
+            <a:p>
+              <a:pPr algn="r"/>
+              <a:r>
+                <a:rPr lang="en-US" sz="1270" i="1" dirty="0">
+                  <a:latin typeface="Arial" panose="020B0604020202020204" pitchFamily="34" charset="0"/>
+                  <a:cs typeface="Arial" panose="020B0604020202020204" pitchFamily="34" charset="0"/>
+                </a:rPr>
+                <a:t>BC</a:t>
+              </a:r>
+            </a:p>
+          </p:txBody>
+        </p:sp>
+        <p:sp>
+          <p:nvSpPr>
+            <p:cNvPr id="78" name="TextBox 77">
+              <a:extLst>
+                <a:ext uri="{FF2B5EF4-FFF2-40B4-BE49-F238E27FC236}">
+                  <a16:creationId xmlns:a16="http://schemas.microsoft.com/office/drawing/2014/main" id="{0358152F-28DB-8E92-D6C2-26543C1086A7}"/>
+                </a:ext>
+              </a:extLst>
+            </p:cNvPr>
+            <p:cNvSpPr txBox="1"/>
+            <p:nvPr/>
+          </p:nvSpPr>
+          <p:spPr>
+            <a:xfrm rot="18000000">
+              <a:off x="2195801" y="5394891"/>
+              <a:ext cx="1172309" cy="287771"/>
+            </a:xfrm>
+            <a:prstGeom prst="rect">
+              <a:avLst/>
+            </a:prstGeom>
+            <a:noFill/>
+          </p:spPr>
+          <p:txBody>
+            <a:bodyPr wrap="square">
+              <a:spAutoFit/>
+            </a:bodyPr>
+            <a:lstStyle/>
+            <a:p>
+              <a:pPr algn="r"/>
+              <a:r>
+                <a:rPr lang="en-US" sz="1270" i="1" dirty="0">
+                  <a:latin typeface="Arial" panose="020B0604020202020204" pitchFamily="34" charset="0"/>
+                  <a:cs typeface="Arial" panose="020B0604020202020204" pitchFamily="34" charset="0"/>
+                </a:rPr>
+                <a:t>Gyrate</a:t>
+              </a:r>
+            </a:p>
+          </p:txBody>
+        </p:sp>
+        <p:sp>
+          <p:nvSpPr>
+            <p:cNvPr id="79" name="TextBox 78">
+              <a:extLst>
+                <a:ext uri="{FF2B5EF4-FFF2-40B4-BE49-F238E27FC236}">
+                  <a16:creationId xmlns:a16="http://schemas.microsoft.com/office/drawing/2014/main" id="{F987B89B-942E-AF95-6490-C2981DC93F5F}"/>
+                </a:ext>
+              </a:extLst>
+            </p:cNvPr>
+            <p:cNvSpPr txBox="1"/>
+            <p:nvPr/>
+          </p:nvSpPr>
+          <p:spPr>
+            <a:xfrm rot="18000000">
+              <a:off x="2760626" y="5390963"/>
+              <a:ext cx="1182011" cy="287771"/>
+            </a:xfrm>
+            <a:prstGeom prst="rect">
+              <a:avLst/>
+            </a:prstGeom>
+            <a:noFill/>
+          </p:spPr>
+          <p:txBody>
+            <a:bodyPr wrap="square">
+              <a:spAutoFit/>
+            </a:bodyPr>
+            <a:lstStyle/>
+            <a:p>
+              <a:pPr algn="r"/>
+              <a:r>
+                <a:rPr lang="en-US" sz="1270" i="1" dirty="0">
+                  <a:latin typeface="Arial" panose="020B0604020202020204" pitchFamily="34" charset="0"/>
+                  <a:cs typeface="Arial" panose="020B0604020202020204" pitchFamily="34" charset="0"/>
+                </a:rPr>
+                <a:t>IIC</a:t>
+              </a:r>
+            </a:p>
+          </p:txBody>
+        </p:sp>
+        <p:sp>
+          <p:nvSpPr>
+            <p:cNvPr id="80" name="TextBox 79">
+              <a:extLst>
+                <a:ext uri="{FF2B5EF4-FFF2-40B4-BE49-F238E27FC236}">
+                  <a16:creationId xmlns:a16="http://schemas.microsoft.com/office/drawing/2014/main" id="{DB427BCF-274F-F0E7-0FDC-ED1D95027DE5}"/>
+                </a:ext>
+              </a:extLst>
+            </p:cNvPr>
+            <p:cNvSpPr txBox="1"/>
+            <p:nvPr/>
+          </p:nvSpPr>
+          <p:spPr>
+            <a:xfrm rot="18000000">
+              <a:off x="3464504" y="5206770"/>
+              <a:ext cx="756934" cy="287771"/>
+            </a:xfrm>
+            <a:prstGeom prst="rect">
+              <a:avLst/>
+            </a:prstGeom>
+            <a:noFill/>
+          </p:spPr>
+          <p:txBody>
+            <a:bodyPr wrap="square">
+              <a:spAutoFit/>
+            </a:bodyPr>
+            <a:lstStyle/>
+            <a:p>
+              <a:pPr algn="r"/>
+              <a:r>
+                <a:rPr lang="en-US" sz="1270" i="1" dirty="0">
+                  <a:latin typeface="Arial" panose="020B0604020202020204" pitchFamily="34" charset="0"/>
+                  <a:cs typeface="Arial" panose="020B0604020202020204" pitchFamily="34" charset="0"/>
+                </a:rPr>
+                <a:t>ECA</a:t>
+              </a:r>
+            </a:p>
+          </p:txBody>
+        </p:sp>
+        <p:sp>
+          <p:nvSpPr>
+            <p:cNvPr id="81" name="TextBox 80">
+              <a:extLst>
+                <a:ext uri="{FF2B5EF4-FFF2-40B4-BE49-F238E27FC236}">
+                  <a16:creationId xmlns:a16="http://schemas.microsoft.com/office/drawing/2014/main" id="{9477B9DB-45DE-E8F5-F8A1-D32D175D8F3A}"/>
+                </a:ext>
+              </a:extLst>
+            </p:cNvPr>
+            <p:cNvSpPr txBox="1"/>
+            <p:nvPr/>
+          </p:nvSpPr>
+          <p:spPr>
+            <a:xfrm rot="18000000">
+              <a:off x="3215192" y="5476933"/>
+              <a:ext cx="1355585" cy="287771"/>
+            </a:xfrm>
+            <a:prstGeom prst="rect">
+              <a:avLst/>
+            </a:prstGeom>
+            <a:noFill/>
+          </p:spPr>
+          <p:txBody>
+            <a:bodyPr wrap="square">
+              <a:spAutoFit/>
+            </a:bodyPr>
+            <a:lstStyle/>
+            <a:p>
+              <a:pPr algn="r"/>
+              <a:r>
+                <a:rPr lang="en-US" sz="1270" i="1" dirty="0" err="1">
+                  <a:latin typeface="Arial" panose="020B0604020202020204" pitchFamily="34" charset="0"/>
+                  <a:cs typeface="Arial" panose="020B0604020202020204" pitchFamily="34" charset="0"/>
+                </a:rPr>
+                <a:t>ProtConn</a:t>
+              </a:r>
+              <a:endParaRPr lang="en-US" sz="1270" i="1" dirty="0">
+                <a:latin typeface="Arial" panose="020B0604020202020204" pitchFamily="34" charset="0"/>
+                <a:cs typeface="Arial" panose="020B0604020202020204" pitchFamily="34" charset="0"/>
+              </a:endParaRPr>
+            </a:p>
+          </p:txBody>
+        </p:sp>
+        <p:sp>
+          <p:nvSpPr>
+            <p:cNvPr id="82" name="TextBox 81">
+              <a:extLst>
+                <a:ext uri="{FF2B5EF4-FFF2-40B4-BE49-F238E27FC236}">
+                  <a16:creationId xmlns:a16="http://schemas.microsoft.com/office/drawing/2014/main" id="{349F47A6-BA43-A427-AC68-311B862265C4}"/>
+                </a:ext>
+              </a:extLst>
+            </p:cNvPr>
+            <p:cNvSpPr txBox="1"/>
+            <p:nvPr/>
+          </p:nvSpPr>
+          <p:spPr>
+            <a:xfrm rot="18000000">
+              <a:off x="3783677" y="5301814"/>
+              <a:ext cx="909616" cy="287771"/>
+            </a:xfrm>
+            <a:prstGeom prst="rect">
+              <a:avLst/>
+            </a:prstGeom>
+            <a:noFill/>
+          </p:spPr>
+          <p:txBody>
+            <a:bodyPr wrap="square">
+              <a:spAutoFit/>
+            </a:bodyPr>
+            <a:lstStyle/>
+            <a:p>
+              <a:pPr algn="r"/>
+              <a:r>
+                <a:rPr lang="en-US" sz="1270" i="1" dirty="0" err="1">
+                  <a:latin typeface="Arial" panose="020B0604020202020204" pitchFamily="34" charset="0"/>
+                  <a:cs typeface="Arial" panose="020B0604020202020204" pitchFamily="34" charset="0"/>
+                </a:rPr>
+                <a:t>PctArea</a:t>
+              </a:r>
+              <a:endParaRPr lang="en-US" sz="1270" i="1" dirty="0">
+                <a:latin typeface="Arial" panose="020B0604020202020204" pitchFamily="34" charset="0"/>
+                <a:cs typeface="Arial" panose="020B0604020202020204" pitchFamily="34" charset="0"/>
+              </a:endParaRPr>
+            </a:p>
+          </p:txBody>
+        </p:sp>
+        <p:sp>
+          <p:nvSpPr>
+            <p:cNvPr id="83" name="TextBox 82">
+              <a:extLst>
+                <a:ext uri="{FF2B5EF4-FFF2-40B4-BE49-F238E27FC236}">
+                  <a16:creationId xmlns:a16="http://schemas.microsoft.com/office/drawing/2014/main" id="{DF75321F-EF58-2FFC-FB7F-C74D941E7ACD}"/>
+                </a:ext>
+              </a:extLst>
+            </p:cNvPr>
+            <p:cNvSpPr txBox="1"/>
+            <p:nvPr/>
+          </p:nvSpPr>
+          <p:spPr>
+            <a:xfrm rot="18000000">
+              <a:off x="1627655" y="5395699"/>
+              <a:ext cx="1191717" cy="287771"/>
+            </a:xfrm>
+            <a:prstGeom prst="rect">
+              <a:avLst/>
+            </a:prstGeom>
+            <a:noFill/>
+          </p:spPr>
+          <p:txBody>
+            <a:bodyPr wrap="square">
+              <a:spAutoFit/>
+            </a:bodyPr>
+            <a:lstStyle/>
+            <a:p>
+              <a:pPr algn="r"/>
+              <a:r>
+                <a:rPr lang="en-US" sz="1270" i="1" dirty="0">
+                  <a:latin typeface="Arial" panose="020B0604020202020204" pitchFamily="34" charset="0"/>
+                  <a:cs typeface="Arial" panose="020B0604020202020204" pitchFamily="34" charset="0"/>
+                </a:rPr>
+                <a:t>BA</a:t>
+              </a:r>
+            </a:p>
+          </p:txBody>
+        </p:sp>
+        <p:sp>
+          <p:nvSpPr>
+            <p:cNvPr id="84" name="TextBox 83">
+              <a:extLst>
+                <a:ext uri="{FF2B5EF4-FFF2-40B4-BE49-F238E27FC236}">
+                  <a16:creationId xmlns:a16="http://schemas.microsoft.com/office/drawing/2014/main" id="{3C6FF07A-1227-B0F0-B08D-44F4867D6796}"/>
+                </a:ext>
+              </a:extLst>
+            </p:cNvPr>
+            <p:cNvSpPr txBox="1"/>
+            <p:nvPr/>
+          </p:nvSpPr>
+          <p:spPr>
+            <a:xfrm rot="18000000">
+              <a:off x="2740531" y="5304658"/>
+              <a:ext cx="965072" cy="287771"/>
+            </a:xfrm>
+            <a:prstGeom prst="rect">
+              <a:avLst/>
+            </a:prstGeom>
+            <a:noFill/>
+          </p:spPr>
+          <p:txBody>
+            <a:bodyPr wrap="square">
+              <a:spAutoFit/>
+            </a:bodyPr>
+            <a:lstStyle/>
+            <a:p>
+              <a:pPr algn="r"/>
+              <a:r>
+                <a:rPr lang="en-US" sz="1270" i="1" dirty="0">
+                  <a:latin typeface="Arial" panose="020B0604020202020204" pitchFamily="34" charset="0"/>
+                  <a:cs typeface="Arial" panose="020B0604020202020204" pitchFamily="34" charset="0"/>
+                </a:rPr>
+                <a:t>AWF</a:t>
+              </a:r>
+            </a:p>
+          </p:txBody>
+        </p:sp>
+        <p:sp>
+          <p:nvSpPr>
+            <p:cNvPr id="85" name="TextBox 84">
+              <a:extLst>
+                <a:ext uri="{FF2B5EF4-FFF2-40B4-BE49-F238E27FC236}">
+                  <a16:creationId xmlns:a16="http://schemas.microsoft.com/office/drawing/2014/main" id="{5BF31B93-CE3C-FF52-E052-E8B31AD26FC8}"/>
+                </a:ext>
+              </a:extLst>
+            </p:cNvPr>
+            <p:cNvSpPr txBox="1"/>
+            <p:nvPr/>
+          </p:nvSpPr>
+          <p:spPr>
+            <a:xfrm rot="18000000">
+              <a:off x="3241287" y="5214060"/>
+              <a:ext cx="783691" cy="287771"/>
+            </a:xfrm>
+            <a:prstGeom prst="rect">
+              <a:avLst/>
+            </a:prstGeom>
+            <a:noFill/>
+          </p:spPr>
+          <p:txBody>
+            <a:bodyPr wrap="square">
+              <a:spAutoFit/>
+            </a:bodyPr>
+            <a:lstStyle/>
+            <a:p>
+              <a:pPr algn="r"/>
+              <a:r>
+                <a:rPr lang="en-US" sz="1270" i="1" dirty="0">
+                  <a:latin typeface="Arial" panose="020B0604020202020204" pitchFamily="34" charset="0"/>
+                  <a:cs typeface="Arial" panose="020B0604020202020204" pitchFamily="34" charset="0"/>
+                </a:rPr>
+                <a:t>PC</a:t>
+              </a:r>
+            </a:p>
+          </p:txBody>
+        </p:sp>
+        <p:sp>
+          <p:nvSpPr>
+            <p:cNvPr id="86" name="TextBox 85">
+              <a:extLst>
+                <a:ext uri="{FF2B5EF4-FFF2-40B4-BE49-F238E27FC236}">
+                  <a16:creationId xmlns:a16="http://schemas.microsoft.com/office/drawing/2014/main" id="{5DA1C0C7-49D9-5A32-C8CE-490F7BC78B50}"/>
+                </a:ext>
+              </a:extLst>
+            </p:cNvPr>
+            <p:cNvSpPr txBox="1"/>
+            <p:nvPr/>
+          </p:nvSpPr>
+          <p:spPr>
+            <a:xfrm rot="18000000">
+              <a:off x="2162971" y="5296621"/>
+              <a:ext cx="971524" cy="287771"/>
+            </a:xfrm>
+            <a:prstGeom prst="rect">
+              <a:avLst/>
+            </a:prstGeom>
+            <a:noFill/>
+          </p:spPr>
+          <p:txBody>
+            <a:bodyPr wrap="square">
+              <a:spAutoFit/>
+            </a:bodyPr>
+            <a:lstStyle/>
+            <a:p>
+              <a:pPr algn="r"/>
+              <a:r>
+                <a:rPr lang="en-US" sz="1270" i="1" dirty="0">
+                  <a:latin typeface="Arial" panose="020B0604020202020204" pitchFamily="34" charset="0"/>
+                  <a:cs typeface="Arial" panose="020B0604020202020204" pitchFamily="34" charset="0"/>
+                </a:rPr>
+                <a:t>Cohesion</a:t>
+              </a:r>
+            </a:p>
+          </p:txBody>
+        </p:sp>
+      </p:grpSp>
+      <p:grpSp>
+        <p:nvGrpSpPr>
+          <p:cNvPr id="87" name="Group 86">
+            <a:extLst>
+              <a:ext uri="{FF2B5EF4-FFF2-40B4-BE49-F238E27FC236}">
+                <a16:creationId xmlns:a16="http://schemas.microsoft.com/office/drawing/2014/main" id="{23B6BB6A-CF24-3D17-64DB-95F44B5D0359}"/>
+              </a:ext>
+            </a:extLst>
+          </p:cNvPr>
+          <p:cNvGrpSpPr/>
+          <p:nvPr/>
+        </p:nvGrpSpPr>
+        <p:grpSpPr>
+          <a:xfrm>
+            <a:off x="8220010" y="4936474"/>
+            <a:ext cx="3383454" cy="1355585"/>
+            <a:chOff x="998916" y="4943026"/>
+            <a:chExt cx="3383454" cy="1355585"/>
+          </a:xfrm>
+        </p:grpSpPr>
+        <p:sp>
+          <p:nvSpPr>
+            <p:cNvPr id="88" name="TextBox 87">
+              <a:extLst>
+                <a:ext uri="{FF2B5EF4-FFF2-40B4-BE49-F238E27FC236}">
+                  <a16:creationId xmlns:a16="http://schemas.microsoft.com/office/drawing/2014/main" id="{CBF638A3-0A41-59F9-F404-F01A8DF1FBC7}"/>
+                </a:ext>
+              </a:extLst>
+            </p:cNvPr>
+            <p:cNvSpPr txBox="1"/>
+            <p:nvPr/>
+          </p:nvSpPr>
+          <p:spPr>
+            <a:xfrm rot="18000000">
+              <a:off x="1709675" y="5211154"/>
+              <a:ext cx="792326" cy="287771"/>
+            </a:xfrm>
+            <a:prstGeom prst="rect">
+              <a:avLst/>
+            </a:prstGeom>
+            <a:noFill/>
+          </p:spPr>
+          <p:txBody>
+            <a:bodyPr wrap="square">
+              <a:spAutoFit/>
+            </a:bodyPr>
+            <a:lstStyle/>
+            <a:p>
+              <a:pPr algn="r"/>
+              <a:r>
+                <a:rPr lang="en-US" sz="1270" i="1" dirty="0">
+                  <a:latin typeface="Arial" panose="020B0604020202020204" pitchFamily="34" charset="0"/>
+                  <a:cs typeface="Arial" panose="020B0604020202020204" pitchFamily="34" charset="0"/>
+                </a:rPr>
+                <a:t>Degree</a:t>
+              </a:r>
+            </a:p>
+          </p:txBody>
+        </p:sp>
+        <p:sp>
+          <p:nvSpPr>
+            <p:cNvPr id="89" name="TextBox 88">
+              <a:extLst>
+                <a:ext uri="{FF2B5EF4-FFF2-40B4-BE49-F238E27FC236}">
+                  <a16:creationId xmlns:a16="http://schemas.microsoft.com/office/drawing/2014/main" id="{D239EC17-D7E5-FD5D-2CF5-097C8D2155B0}"/>
+                </a:ext>
+              </a:extLst>
+            </p:cNvPr>
+            <p:cNvSpPr txBox="1"/>
+            <p:nvPr/>
+          </p:nvSpPr>
+          <p:spPr>
+            <a:xfrm rot="18000000">
+              <a:off x="2545547" y="5289215"/>
+              <a:ext cx="973399" cy="287771"/>
+            </a:xfrm>
+            <a:prstGeom prst="rect">
+              <a:avLst/>
+            </a:prstGeom>
+            <a:noFill/>
+          </p:spPr>
+          <p:txBody>
+            <a:bodyPr wrap="square">
+              <a:spAutoFit/>
+            </a:bodyPr>
+            <a:lstStyle/>
+            <a:p>
+              <a:pPr algn="r"/>
+              <a:r>
+                <a:rPr lang="en-US" sz="1270" i="1" dirty="0" err="1">
+                  <a:latin typeface="Arial" panose="020B0604020202020204" pitchFamily="34" charset="0"/>
+                  <a:cs typeface="Arial" panose="020B0604020202020204" pitchFamily="34" charset="0"/>
+                </a:rPr>
+                <a:t>AWGyrate</a:t>
+              </a:r>
+              <a:endParaRPr lang="en-US" sz="1270" i="1" dirty="0">
+                <a:latin typeface="Arial" panose="020B0604020202020204" pitchFamily="34" charset="0"/>
+                <a:cs typeface="Arial" panose="020B0604020202020204" pitchFamily="34" charset="0"/>
+              </a:endParaRPr>
+            </a:p>
+          </p:txBody>
+        </p:sp>
+        <p:sp>
+          <p:nvSpPr>
+            <p:cNvPr id="90" name="TextBox 89">
+              <a:extLst>
+                <a:ext uri="{FF2B5EF4-FFF2-40B4-BE49-F238E27FC236}">
+                  <a16:creationId xmlns:a16="http://schemas.microsoft.com/office/drawing/2014/main" id="{39E7E928-F8F6-E080-9F53-C8189E24A53C}"/>
+                </a:ext>
+              </a:extLst>
+            </p:cNvPr>
+            <p:cNvSpPr txBox="1"/>
+            <p:nvPr/>
+          </p:nvSpPr>
+          <p:spPr>
+            <a:xfrm rot="18000000">
+              <a:off x="676777" y="5303920"/>
+              <a:ext cx="932050" cy="287771"/>
+            </a:xfrm>
+            <a:prstGeom prst="rect">
+              <a:avLst/>
+            </a:prstGeom>
+            <a:noFill/>
+          </p:spPr>
+          <p:txBody>
+            <a:bodyPr vert="horz" wrap="square" rtlCol="0">
+              <a:spAutoFit/>
+            </a:bodyPr>
+            <a:lstStyle/>
+            <a:p>
+              <a:pPr algn="r"/>
+              <a:r>
+                <a:rPr lang="en-US" sz="1270" i="1" dirty="0" err="1">
+                  <a:latin typeface="Arial" panose="020B0604020202020204" pitchFamily="34" charset="0"/>
+                  <a:cs typeface="Arial" panose="020B0604020202020204" pitchFamily="34" charset="0"/>
+                </a:rPr>
+                <a:t>Prox</a:t>
+              </a:r>
+              <a:endParaRPr lang="en-US" sz="1270" i="1" dirty="0">
+                <a:latin typeface="Arial" panose="020B0604020202020204" pitchFamily="34" charset="0"/>
+                <a:cs typeface="Arial" panose="020B0604020202020204" pitchFamily="34" charset="0"/>
+              </a:endParaRPr>
+            </a:p>
+          </p:txBody>
+        </p:sp>
+        <p:sp>
+          <p:nvSpPr>
+            <p:cNvPr id="91" name="TextBox 90">
+              <a:extLst>
+                <a:ext uri="{FF2B5EF4-FFF2-40B4-BE49-F238E27FC236}">
+                  <a16:creationId xmlns:a16="http://schemas.microsoft.com/office/drawing/2014/main" id="{59DCB27A-0F59-F311-0A06-4F05194DC264}"/>
+                </a:ext>
+              </a:extLst>
+            </p:cNvPr>
+            <p:cNvSpPr txBox="1"/>
+            <p:nvPr/>
+          </p:nvSpPr>
+          <p:spPr>
+            <a:xfrm rot="18000000">
+              <a:off x="713311" y="5389314"/>
+              <a:ext cx="1156740" cy="287771"/>
+            </a:xfrm>
+            <a:prstGeom prst="rect">
+              <a:avLst/>
+            </a:prstGeom>
+            <a:noFill/>
+          </p:spPr>
+          <p:txBody>
+            <a:bodyPr wrap="square">
+              <a:spAutoFit/>
+            </a:bodyPr>
+            <a:lstStyle/>
+            <a:p>
+              <a:pPr algn="r"/>
+              <a:r>
+                <a:rPr lang="en-US" sz="1270" i="1" dirty="0" err="1">
+                  <a:latin typeface="Arial" panose="020B0604020202020204" pitchFamily="34" charset="0"/>
+                  <a:cs typeface="Arial" panose="020B0604020202020204" pitchFamily="34" charset="0"/>
+                </a:rPr>
+                <a:t>Dist</a:t>
+              </a:r>
+              <a:endParaRPr lang="en-US" sz="1270" i="1" dirty="0">
+                <a:latin typeface="Arial" panose="020B0604020202020204" pitchFamily="34" charset="0"/>
+                <a:cs typeface="Arial" panose="020B0604020202020204" pitchFamily="34" charset="0"/>
+              </a:endParaRPr>
+            </a:p>
+          </p:txBody>
+        </p:sp>
+        <p:sp>
+          <p:nvSpPr>
+            <p:cNvPr id="92" name="TextBox 91">
+              <a:extLst>
+                <a:ext uri="{FF2B5EF4-FFF2-40B4-BE49-F238E27FC236}">
+                  <a16:creationId xmlns:a16="http://schemas.microsoft.com/office/drawing/2014/main" id="{0FFB8500-F39C-4F07-9719-3F4F1187638A}"/>
+                </a:ext>
+              </a:extLst>
+            </p:cNvPr>
+            <p:cNvSpPr txBox="1"/>
+            <p:nvPr/>
+          </p:nvSpPr>
+          <p:spPr>
+            <a:xfrm rot="18000000">
+              <a:off x="855003" y="5412116"/>
+              <a:ext cx="1216053" cy="287771"/>
+            </a:xfrm>
+            <a:prstGeom prst="rect">
+              <a:avLst/>
+            </a:prstGeom>
+            <a:noFill/>
+          </p:spPr>
+          <p:txBody>
+            <a:bodyPr wrap="square">
+              <a:spAutoFit/>
+            </a:bodyPr>
+            <a:lstStyle/>
+            <a:p>
+              <a:pPr algn="r"/>
+              <a:r>
+                <a:rPr lang="en-US" sz="1270" i="1" dirty="0">
+                  <a:latin typeface="Arial" panose="020B0604020202020204" pitchFamily="34" charset="0"/>
+                  <a:cs typeface="Arial" panose="020B0604020202020204" pitchFamily="34" charset="0"/>
+                </a:rPr>
+                <a:t>Compart</a:t>
+              </a:r>
+            </a:p>
+          </p:txBody>
+        </p:sp>
+        <p:sp>
+          <p:nvSpPr>
+            <p:cNvPr id="93" name="TextBox 92">
+              <a:extLst>
+                <a:ext uri="{FF2B5EF4-FFF2-40B4-BE49-F238E27FC236}">
+                  <a16:creationId xmlns:a16="http://schemas.microsoft.com/office/drawing/2014/main" id="{9EB74C65-5393-A31F-B0C8-4745223EC711}"/>
+                </a:ext>
+              </a:extLst>
+            </p:cNvPr>
+            <p:cNvSpPr txBox="1"/>
+            <p:nvPr/>
+          </p:nvSpPr>
+          <p:spPr>
+            <a:xfrm rot="18000000">
+              <a:off x="1008904" y="5423434"/>
+              <a:ext cx="1240050" cy="287771"/>
+            </a:xfrm>
+            <a:prstGeom prst="rect">
+              <a:avLst/>
+            </a:prstGeom>
+            <a:noFill/>
+          </p:spPr>
+          <p:txBody>
+            <a:bodyPr wrap="square">
+              <a:spAutoFit/>
+            </a:bodyPr>
+            <a:lstStyle/>
+            <a:p>
+              <a:pPr algn="r"/>
+              <a:r>
+                <a:rPr lang="en-US" sz="1270" i="1" dirty="0" err="1">
+                  <a:latin typeface="Arial" panose="020B0604020202020204" pitchFamily="34" charset="0"/>
+                  <a:cs typeface="Arial" panose="020B0604020202020204" pitchFamily="34" charset="0"/>
+                </a:rPr>
+                <a:t>ClusCoeff</a:t>
+              </a:r>
+              <a:endParaRPr lang="en-US" sz="1270" i="1" dirty="0">
+                <a:latin typeface="Arial" panose="020B0604020202020204" pitchFamily="34" charset="0"/>
+                <a:cs typeface="Arial" panose="020B0604020202020204" pitchFamily="34" charset="0"/>
+              </a:endParaRPr>
+            </a:p>
+          </p:txBody>
+        </p:sp>
+        <p:sp>
+          <p:nvSpPr>
+            <p:cNvPr id="94" name="TextBox 93">
+              <a:extLst>
+                <a:ext uri="{FF2B5EF4-FFF2-40B4-BE49-F238E27FC236}">
+                  <a16:creationId xmlns:a16="http://schemas.microsoft.com/office/drawing/2014/main" id="{9C8C74DB-1264-9B29-8DEB-00477C6B8D47}"/>
+                </a:ext>
+              </a:extLst>
+            </p:cNvPr>
+            <p:cNvSpPr txBox="1"/>
+            <p:nvPr/>
+          </p:nvSpPr>
+          <p:spPr>
+            <a:xfrm rot="18000000">
+              <a:off x="1745089" y="5127698"/>
+              <a:ext cx="531098" cy="287771"/>
+            </a:xfrm>
+            <a:prstGeom prst="rect">
+              <a:avLst/>
+            </a:prstGeom>
+            <a:noFill/>
+          </p:spPr>
+          <p:txBody>
+            <a:bodyPr wrap="square">
+              <a:spAutoFit/>
+            </a:bodyPr>
+            <a:lstStyle/>
+            <a:p>
+              <a:pPr algn="r"/>
+              <a:r>
+                <a:rPr lang="en-US" sz="1270" i="1" dirty="0">
+                  <a:latin typeface="Arial" panose="020B0604020202020204" pitchFamily="34" charset="0"/>
+                  <a:cs typeface="Arial" panose="020B0604020202020204" pitchFamily="34" charset="0"/>
+                </a:rPr>
+                <a:t>Flux</a:t>
+              </a:r>
+            </a:p>
+          </p:txBody>
+        </p:sp>
+        <p:sp>
+          <p:nvSpPr>
+            <p:cNvPr id="95" name="TextBox 94">
+              <a:extLst>
+                <a:ext uri="{FF2B5EF4-FFF2-40B4-BE49-F238E27FC236}">
+                  <a16:creationId xmlns:a16="http://schemas.microsoft.com/office/drawing/2014/main" id="{C69D2223-4674-7CBD-057A-23CDDD96AEDD}"/>
+                </a:ext>
+              </a:extLst>
+            </p:cNvPr>
+            <p:cNvSpPr txBox="1"/>
+            <p:nvPr/>
+          </p:nvSpPr>
+          <p:spPr>
+            <a:xfrm rot="18000000">
+              <a:off x="1967062" y="5308483"/>
+              <a:ext cx="977692" cy="287771"/>
+            </a:xfrm>
+            <a:prstGeom prst="rect">
+              <a:avLst/>
+            </a:prstGeom>
+            <a:noFill/>
+          </p:spPr>
+          <p:txBody>
+            <a:bodyPr wrap="square">
+              <a:spAutoFit/>
+            </a:bodyPr>
+            <a:lstStyle/>
+            <a:p>
+              <a:pPr algn="r"/>
+              <a:r>
+                <a:rPr lang="en-US" sz="1270" i="1" dirty="0">
+                  <a:latin typeface="Arial" panose="020B0604020202020204" pitchFamily="34" charset="0"/>
+                  <a:cs typeface="Arial" panose="020B0604020202020204" pitchFamily="34" charset="0"/>
+                </a:rPr>
+                <a:t>BC</a:t>
+              </a:r>
+            </a:p>
+          </p:txBody>
+        </p:sp>
+        <p:sp>
+          <p:nvSpPr>
+            <p:cNvPr id="96" name="TextBox 95">
+              <a:extLst>
+                <a:ext uri="{FF2B5EF4-FFF2-40B4-BE49-F238E27FC236}">
+                  <a16:creationId xmlns:a16="http://schemas.microsoft.com/office/drawing/2014/main" id="{A612CB3D-0C8A-5D05-AF32-8D8EA533DDE4}"/>
+                </a:ext>
+              </a:extLst>
+            </p:cNvPr>
+            <p:cNvSpPr txBox="1"/>
+            <p:nvPr/>
+          </p:nvSpPr>
+          <p:spPr>
+            <a:xfrm rot="18000000">
+              <a:off x="2195801" y="5394891"/>
+              <a:ext cx="1172309" cy="287771"/>
+            </a:xfrm>
+            <a:prstGeom prst="rect">
+              <a:avLst/>
+            </a:prstGeom>
+            <a:noFill/>
+          </p:spPr>
+          <p:txBody>
+            <a:bodyPr wrap="square">
+              <a:spAutoFit/>
+            </a:bodyPr>
+            <a:lstStyle/>
+            <a:p>
+              <a:pPr algn="r"/>
+              <a:r>
+                <a:rPr lang="en-US" sz="1270" i="1" dirty="0">
+                  <a:latin typeface="Arial" panose="020B0604020202020204" pitchFamily="34" charset="0"/>
+                  <a:cs typeface="Arial" panose="020B0604020202020204" pitchFamily="34" charset="0"/>
+                </a:rPr>
+                <a:t>Gyrate</a:t>
+              </a:r>
+            </a:p>
+          </p:txBody>
+        </p:sp>
+        <p:sp>
+          <p:nvSpPr>
+            <p:cNvPr id="97" name="TextBox 96">
+              <a:extLst>
+                <a:ext uri="{FF2B5EF4-FFF2-40B4-BE49-F238E27FC236}">
+                  <a16:creationId xmlns:a16="http://schemas.microsoft.com/office/drawing/2014/main" id="{A416DCED-09BE-2BE7-2F06-C69633841743}"/>
+                </a:ext>
+              </a:extLst>
+            </p:cNvPr>
+            <p:cNvSpPr txBox="1"/>
+            <p:nvPr/>
+          </p:nvSpPr>
+          <p:spPr>
+            <a:xfrm rot="18000000">
+              <a:off x="2760626" y="5390963"/>
+              <a:ext cx="1182011" cy="287771"/>
+            </a:xfrm>
+            <a:prstGeom prst="rect">
+              <a:avLst/>
+            </a:prstGeom>
+            <a:noFill/>
+          </p:spPr>
+          <p:txBody>
+            <a:bodyPr wrap="square">
+              <a:spAutoFit/>
+            </a:bodyPr>
+            <a:lstStyle/>
+            <a:p>
+              <a:pPr algn="r"/>
+              <a:r>
+                <a:rPr lang="en-US" sz="1270" i="1" dirty="0">
+                  <a:latin typeface="Arial" panose="020B0604020202020204" pitchFamily="34" charset="0"/>
+                  <a:cs typeface="Arial" panose="020B0604020202020204" pitchFamily="34" charset="0"/>
+                </a:rPr>
+                <a:t>IIC</a:t>
+              </a:r>
+            </a:p>
+          </p:txBody>
+        </p:sp>
+        <p:sp>
+          <p:nvSpPr>
+            <p:cNvPr id="98" name="TextBox 97">
+              <a:extLst>
+                <a:ext uri="{FF2B5EF4-FFF2-40B4-BE49-F238E27FC236}">
+                  <a16:creationId xmlns:a16="http://schemas.microsoft.com/office/drawing/2014/main" id="{A93C9958-A8A9-EEB5-0C21-22652DDD2F50}"/>
+                </a:ext>
+              </a:extLst>
+            </p:cNvPr>
+            <p:cNvSpPr txBox="1"/>
+            <p:nvPr/>
+          </p:nvSpPr>
+          <p:spPr>
+            <a:xfrm rot="18000000">
+              <a:off x="3464504" y="5206770"/>
+              <a:ext cx="756934" cy="287771"/>
+            </a:xfrm>
+            <a:prstGeom prst="rect">
+              <a:avLst/>
+            </a:prstGeom>
+            <a:noFill/>
+          </p:spPr>
+          <p:txBody>
+            <a:bodyPr wrap="square">
+              <a:spAutoFit/>
+            </a:bodyPr>
+            <a:lstStyle/>
+            <a:p>
+              <a:pPr algn="r"/>
+              <a:r>
+                <a:rPr lang="en-US" sz="1270" i="1" dirty="0">
+                  <a:latin typeface="Arial" panose="020B0604020202020204" pitchFamily="34" charset="0"/>
+                  <a:cs typeface="Arial" panose="020B0604020202020204" pitchFamily="34" charset="0"/>
+                </a:rPr>
+                <a:t>ECA</a:t>
+              </a:r>
+            </a:p>
+          </p:txBody>
+        </p:sp>
+        <p:sp>
+          <p:nvSpPr>
+            <p:cNvPr id="99" name="TextBox 98">
+              <a:extLst>
+                <a:ext uri="{FF2B5EF4-FFF2-40B4-BE49-F238E27FC236}">
+                  <a16:creationId xmlns:a16="http://schemas.microsoft.com/office/drawing/2014/main" id="{F9C9BA4A-4D3A-EFE5-7983-3AEA84684966}"/>
+                </a:ext>
+              </a:extLst>
+            </p:cNvPr>
+            <p:cNvSpPr txBox="1"/>
+            <p:nvPr/>
+          </p:nvSpPr>
+          <p:spPr>
+            <a:xfrm rot="18000000">
+              <a:off x="3215192" y="5476933"/>
+              <a:ext cx="1355585" cy="287771"/>
+            </a:xfrm>
+            <a:prstGeom prst="rect">
+              <a:avLst/>
+            </a:prstGeom>
+            <a:noFill/>
+          </p:spPr>
+          <p:txBody>
+            <a:bodyPr wrap="square">
+              <a:spAutoFit/>
+            </a:bodyPr>
+            <a:lstStyle/>
+            <a:p>
+              <a:pPr algn="r"/>
+              <a:r>
+                <a:rPr lang="en-US" sz="1270" i="1" dirty="0" err="1">
+                  <a:latin typeface="Arial" panose="020B0604020202020204" pitchFamily="34" charset="0"/>
+                  <a:cs typeface="Arial" panose="020B0604020202020204" pitchFamily="34" charset="0"/>
+                </a:rPr>
+                <a:t>ProtConn</a:t>
+              </a:r>
+              <a:endParaRPr lang="en-US" sz="1270" i="1" dirty="0">
+                <a:latin typeface="Arial" panose="020B0604020202020204" pitchFamily="34" charset="0"/>
+                <a:cs typeface="Arial" panose="020B0604020202020204" pitchFamily="34" charset="0"/>
+              </a:endParaRPr>
+            </a:p>
+          </p:txBody>
+        </p:sp>
+        <p:sp>
+          <p:nvSpPr>
+            <p:cNvPr id="100" name="TextBox 99">
+              <a:extLst>
+                <a:ext uri="{FF2B5EF4-FFF2-40B4-BE49-F238E27FC236}">
+                  <a16:creationId xmlns:a16="http://schemas.microsoft.com/office/drawing/2014/main" id="{FA9CBAA3-A88B-FA9D-82A4-A3FDA31FC24B}"/>
+                </a:ext>
+              </a:extLst>
+            </p:cNvPr>
+            <p:cNvSpPr txBox="1"/>
+            <p:nvPr/>
+          </p:nvSpPr>
+          <p:spPr>
+            <a:xfrm rot="18000000">
+              <a:off x="3783677" y="5301814"/>
+              <a:ext cx="909616" cy="287771"/>
+            </a:xfrm>
+            <a:prstGeom prst="rect">
+              <a:avLst/>
+            </a:prstGeom>
+            <a:noFill/>
+          </p:spPr>
+          <p:txBody>
+            <a:bodyPr wrap="square">
+              <a:spAutoFit/>
+            </a:bodyPr>
+            <a:lstStyle/>
+            <a:p>
+              <a:pPr algn="r"/>
+              <a:r>
+                <a:rPr lang="en-US" sz="1270" i="1" dirty="0" err="1">
+                  <a:latin typeface="Arial" panose="020B0604020202020204" pitchFamily="34" charset="0"/>
+                  <a:cs typeface="Arial" panose="020B0604020202020204" pitchFamily="34" charset="0"/>
+                </a:rPr>
+                <a:t>PctArea</a:t>
+              </a:r>
+              <a:endParaRPr lang="en-US" sz="1270" i="1" dirty="0">
+                <a:latin typeface="Arial" panose="020B0604020202020204" pitchFamily="34" charset="0"/>
+                <a:cs typeface="Arial" panose="020B0604020202020204" pitchFamily="34" charset="0"/>
+              </a:endParaRPr>
+            </a:p>
+          </p:txBody>
+        </p:sp>
+        <p:sp>
+          <p:nvSpPr>
+            <p:cNvPr id="101" name="TextBox 100">
+              <a:extLst>
+                <a:ext uri="{FF2B5EF4-FFF2-40B4-BE49-F238E27FC236}">
+                  <a16:creationId xmlns:a16="http://schemas.microsoft.com/office/drawing/2014/main" id="{E6E8E12F-D17A-1721-4240-AF98D1FB0707}"/>
+                </a:ext>
+              </a:extLst>
+            </p:cNvPr>
+            <p:cNvSpPr txBox="1"/>
+            <p:nvPr/>
+          </p:nvSpPr>
+          <p:spPr>
+            <a:xfrm rot="18000000">
+              <a:off x="1627655" y="5395699"/>
+              <a:ext cx="1191717" cy="287771"/>
+            </a:xfrm>
+            <a:prstGeom prst="rect">
+              <a:avLst/>
+            </a:prstGeom>
+            <a:noFill/>
+          </p:spPr>
+          <p:txBody>
+            <a:bodyPr wrap="square">
+              <a:spAutoFit/>
+            </a:bodyPr>
+            <a:lstStyle/>
+            <a:p>
+              <a:pPr algn="r"/>
+              <a:r>
+                <a:rPr lang="en-US" sz="1270" i="1" dirty="0">
+                  <a:latin typeface="Arial" panose="020B0604020202020204" pitchFamily="34" charset="0"/>
+                  <a:cs typeface="Arial" panose="020B0604020202020204" pitchFamily="34" charset="0"/>
+                </a:rPr>
+                <a:t>BA</a:t>
+              </a:r>
+            </a:p>
+          </p:txBody>
+        </p:sp>
+        <p:sp>
+          <p:nvSpPr>
+            <p:cNvPr id="102" name="TextBox 101">
+              <a:extLst>
+                <a:ext uri="{FF2B5EF4-FFF2-40B4-BE49-F238E27FC236}">
+                  <a16:creationId xmlns:a16="http://schemas.microsoft.com/office/drawing/2014/main" id="{EEBE7EA0-A2D2-C82C-2464-2F95E419C667}"/>
+                </a:ext>
+              </a:extLst>
+            </p:cNvPr>
+            <p:cNvSpPr txBox="1"/>
+            <p:nvPr/>
+          </p:nvSpPr>
+          <p:spPr>
+            <a:xfrm rot="18000000">
+              <a:off x="2740531" y="5304658"/>
+              <a:ext cx="965072" cy="287771"/>
+            </a:xfrm>
+            <a:prstGeom prst="rect">
+              <a:avLst/>
+            </a:prstGeom>
+            <a:noFill/>
+          </p:spPr>
+          <p:txBody>
+            <a:bodyPr wrap="square">
+              <a:spAutoFit/>
+            </a:bodyPr>
+            <a:lstStyle/>
+            <a:p>
+              <a:pPr algn="r"/>
+              <a:r>
+                <a:rPr lang="en-US" sz="1270" i="1" dirty="0">
+                  <a:latin typeface="Arial" panose="020B0604020202020204" pitchFamily="34" charset="0"/>
+                  <a:cs typeface="Arial" panose="020B0604020202020204" pitchFamily="34" charset="0"/>
+                </a:rPr>
+                <a:t>AWF</a:t>
+              </a:r>
+            </a:p>
+          </p:txBody>
+        </p:sp>
+        <p:sp>
+          <p:nvSpPr>
+            <p:cNvPr id="103" name="TextBox 102">
+              <a:extLst>
+                <a:ext uri="{FF2B5EF4-FFF2-40B4-BE49-F238E27FC236}">
+                  <a16:creationId xmlns:a16="http://schemas.microsoft.com/office/drawing/2014/main" id="{94C617AC-8A06-84ED-6EE7-E73C1DCF83E1}"/>
+                </a:ext>
+              </a:extLst>
+            </p:cNvPr>
+            <p:cNvSpPr txBox="1"/>
+            <p:nvPr/>
+          </p:nvSpPr>
+          <p:spPr>
+            <a:xfrm rot="18000000">
+              <a:off x="3241287" y="5214060"/>
+              <a:ext cx="783691" cy="287771"/>
+            </a:xfrm>
+            <a:prstGeom prst="rect">
+              <a:avLst/>
+            </a:prstGeom>
+            <a:noFill/>
+          </p:spPr>
+          <p:txBody>
+            <a:bodyPr wrap="square">
+              <a:spAutoFit/>
+            </a:bodyPr>
+            <a:lstStyle/>
+            <a:p>
+              <a:pPr algn="r"/>
+              <a:r>
+                <a:rPr lang="en-US" sz="1270" i="1" dirty="0">
+                  <a:latin typeface="Arial" panose="020B0604020202020204" pitchFamily="34" charset="0"/>
+                  <a:cs typeface="Arial" panose="020B0604020202020204" pitchFamily="34" charset="0"/>
+                </a:rPr>
+                <a:t>PC</a:t>
+              </a:r>
+            </a:p>
+          </p:txBody>
+        </p:sp>
+        <p:sp>
+          <p:nvSpPr>
+            <p:cNvPr id="104" name="TextBox 103">
+              <a:extLst>
+                <a:ext uri="{FF2B5EF4-FFF2-40B4-BE49-F238E27FC236}">
+                  <a16:creationId xmlns:a16="http://schemas.microsoft.com/office/drawing/2014/main" id="{61A8D0C8-0091-23F1-56C3-80345E2B8469}"/>
+                </a:ext>
+              </a:extLst>
+            </p:cNvPr>
+            <p:cNvSpPr txBox="1"/>
+            <p:nvPr/>
+          </p:nvSpPr>
+          <p:spPr>
+            <a:xfrm rot="18000000">
+              <a:off x="2162971" y="5296621"/>
+              <a:ext cx="971524" cy="287771"/>
+            </a:xfrm>
+            <a:prstGeom prst="rect">
+              <a:avLst/>
+            </a:prstGeom>
+            <a:noFill/>
+          </p:spPr>
+          <p:txBody>
+            <a:bodyPr wrap="square">
+              <a:spAutoFit/>
+            </a:bodyPr>
+            <a:lstStyle/>
+            <a:p>
+              <a:pPr algn="r"/>
+              <a:r>
+                <a:rPr lang="en-US" sz="1270" i="1" dirty="0">
+                  <a:latin typeface="Arial" panose="020B0604020202020204" pitchFamily="34" charset="0"/>
+                  <a:cs typeface="Arial" panose="020B0604020202020204" pitchFamily="34" charset="0"/>
+                </a:rPr>
+                <a:t>Cohesion</a:t>
+              </a:r>
+            </a:p>
+          </p:txBody>
+        </p:sp>
+      </p:grpSp>
+      <p:pic>
+        <p:nvPicPr>
+          <p:cNvPr id="106" name="Picture 105" descr="A diagram of a graph&#10;&#10;Description automatically generated">
+            <a:extLst>
+              <a:ext uri="{FF2B5EF4-FFF2-40B4-BE49-F238E27FC236}">
+                <a16:creationId xmlns:a16="http://schemas.microsoft.com/office/drawing/2014/main" id="{3048DB08-EC6D-D72D-F6ED-65D6B68F7E73}"/>
+              </a:ext>
+            </a:extLst>
+          </p:cNvPr>
+          <p:cNvPicPr>
+            <a:picLocks noChangeAspect="1"/>
+          </p:cNvPicPr>
+          <p:nvPr/>
+        </p:nvPicPr>
+        <p:blipFill rotWithShape="1">
+          <a:blip r:embed="rId5">
+            <a:extLst>
+              <a:ext uri="{28A0092B-C50C-407E-A947-70E740481C1C}">
+                <a14:useLocalDpi xmlns:a14="http://schemas.microsoft.com/office/drawing/2010/main" val="0"/>
+              </a:ext>
+            </a:extLst>
+          </a:blip>
+          <a:srcRect l="12088" t="18180" r="8101" b="20952"/>
+          <a:stretch/>
+        </p:blipFill>
+        <p:spPr>
+          <a:xfrm>
+            <a:off x="8414848" y="1731643"/>
+            <a:ext cx="3382428" cy="3338285"/>
+          </a:xfrm>
+          <a:prstGeom prst="rect">
+            <a:avLst/>
+          </a:prstGeom>
+        </p:spPr>
+      </p:pic>
+      <p:pic>
+        <p:nvPicPr>
+          <p:cNvPr id="12" name="Picture 11" descr="A white and blue dotted triangle&#10;&#10;Description automatically generated">
+            <a:extLst>
+              <a:ext uri="{FF2B5EF4-FFF2-40B4-BE49-F238E27FC236}">
+                <a16:creationId xmlns:a16="http://schemas.microsoft.com/office/drawing/2014/main" id="{FACE12F1-555B-0A3C-F906-A1D67D6A32C1}"/>
+              </a:ext>
+            </a:extLst>
+          </p:cNvPr>
+          <p:cNvPicPr>
+            <a:picLocks noChangeAspect="1"/>
+          </p:cNvPicPr>
+          <p:nvPr/>
+        </p:nvPicPr>
+        <p:blipFill rotWithShape="1">
+          <a:blip r:embed="rId6">
+            <a:extLst>
+              <a:ext uri="{28A0092B-C50C-407E-A947-70E740481C1C}">
+                <a14:useLocalDpi xmlns:a14="http://schemas.microsoft.com/office/drawing/2010/main" val="0"/>
+              </a:ext>
+            </a:extLst>
+          </a:blip>
+          <a:srcRect t="17032" b="20315"/>
+          <a:stretch/>
+        </p:blipFill>
+        <p:spPr>
+          <a:xfrm>
+            <a:off x="4279612" y="1666849"/>
+            <a:ext cx="4218739" cy="3420561"/>
+          </a:xfrm>
+          <a:prstGeom prst="rect">
+            <a:avLst/>
+          </a:prstGeom>
+        </p:spPr>
+      </p:pic>
     </p:spTree>
     <p:extLst>
       <p:ext uri="{BB962C8B-B14F-4D97-AF65-F5344CB8AC3E}">
-        <p14:creationId xmlns:p14="http://schemas.microsoft.com/office/powerpoint/2010/main" val="308617292"/>
+        <p14:creationId xmlns:p14="http://schemas.microsoft.com/office/powerpoint/2010/main" val="1268254511"/>
       </p:ext>
     </p:extLst>
   </p:cSld>
@@ -4113,12 +6937,557 @@
           <a:chExt cx="0" cy="0"/>
         </a:xfrm>
       </p:grpSpPr>
+      <p:sp>
+        <p:nvSpPr>
+          <p:cNvPr id="25" name="Rectangle 24">
+            <a:extLst>
+              <a:ext uri="{FF2B5EF4-FFF2-40B4-BE49-F238E27FC236}">
+                <a16:creationId xmlns:a16="http://schemas.microsoft.com/office/drawing/2014/main" id="{F7BA8A22-39DE-183A-D475-4C3FBE291F3F}"/>
+              </a:ext>
+            </a:extLst>
+          </p:cNvPr>
+          <p:cNvSpPr/>
+          <p:nvPr/>
+        </p:nvSpPr>
+        <p:spPr>
+          <a:xfrm>
+            <a:off x="4824249" y="1699556"/>
+            <a:ext cx="3300249" cy="3368071"/>
+          </a:xfrm>
+          <a:prstGeom prst="rect">
+            <a:avLst/>
+          </a:prstGeom>
+          <a:solidFill>
+            <a:schemeClr val="bg1"/>
+          </a:solidFill>
+          <a:ln>
+            <a:solidFill>
+              <a:schemeClr val="bg1"/>
+            </a:solidFill>
+          </a:ln>
+        </p:spPr>
+        <p:style>
+          <a:lnRef idx="2">
+            <a:schemeClr val="accent1">
+              <a:shade val="50000"/>
+            </a:schemeClr>
+          </a:lnRef>
+          <a:fillRef idx="1">
+            <a:schemeClr val="accent1"/>
+          </a:fillRef>
+          <a:effectRef idx="0">
+            <a:schemeClr val="accent1"/>
+          </a:effectRef>
+          <a:fontRef idx="minor">
+            <a:schemeClr val="lt1"/>
+          </a:fontRef>
+        </p:style>
+        <p:txBody>
+          <a:bodyPr rtlCol="0" anchor="ctr"/>
+          <a:lstStyle/>
+          <a:p>
+            <a:pPr algn="ctr"/>
+            <a:endParaRPr lang="en-US" i="1"/>
+          </a:p>
+        </p:txBody>
+      </p:sp>
+      <p:sp>
+        <p:nvSpPr>
+          <p:cNvPr id="4" name="Rectangle 3">
+            <a:extLst>
+              <a:ext uri="{FF2B5EF4-FFF2-40B4-BE49-F238E27FC236}">
+                <a16:creationId xmlns:a16="http://schemas.microsoft.com/office/drawing/2014/main" id="{25752581-9103-44DC-B932-9C33472C35ED}"/>
+              </a:ext>
+            </a:extLst>
+          </p:cNvPr>
+          <p:cNvSpPr/>
+          <p:nvPr/>
+        </p:nvSpPr>
+        <p:spPr>
+          <a:xfrm>
+            <a:off x="4374381" y="1436914"/>
+            <a:ext cx="823965" cy="231112"/>
+          </a:xfrm>
+          <a:prstGeom prst="rect">
+            <a:avLst/>
+          </a:prstGeom>
+          <a:solidFill>
+            <a:schemeClr val="bg1"/>
+          </a:solidFill>
+          <a:ln>
+            <a:solidFill>
+              <a:schemeClr val="bg1"/>
+            </a:solidFill>
+          </a:ln>
+        </p:spPr>
+        <p:style>
+          <a:lnRef idx="2">
+            <a:schemeClr val="accent1">
+              <a:shade val="50000"/>
+            </a:schemeClr>
+          </a:lnRef>
+          <a:fillRef idx="1">
+            <a:schemeClr val="accent1"/>
+          </a:fillRef>
+          <a:effectRef idx="0">
+            <a:schemeClr val="accent1"/>
+          </a:effectRef>
+          <a:fontRef idx="minor">
+            <a:schemeClr val="lt1"/>
+          </a:fontRef>
+        </p:style>
+        <p:txBody>
+          <a:bodyPr rtlCol="0" anchor="ctr"/>
+          <a:lstStyle/>
+          <a:p>
+            <a:pPr algn="ctr"/>
+            <a:endParaRPr lang="en-US" i="1"/>
+          </a:p>
+        </p:txBody>
+      </p:sp>
+      <p:pic>
+        <p:nvPicPr>
+          <p:cNvPr id="2" name="Picture 2">
+            <a:extLst>
+              <a:ext uri="{FF2B5EF4-FFF2-40B4-BE49-F238E27FC236}">
+                <a16:creationId xmlns:a16="http://schemas.microsoft.com/office/drawing/2014/main" id="{1BE69524-3C27-6183-196E-1FC52F936E25}"/>
+              </a:ext>
+            </a:extLst>
+          </p:cNvPr>
+          <p:cNvPicPr>
+            <a:picLocks noChangeAspect="1" noChangeArrowheads="1"/>
+          </p:cNvPicPr>
+          <p:nvPr/>
+        </p:nvPicPr>
+        <p:blipFill rotWithShape="1">
+          <a:blip r:embed="rId2">
+            <a:extLst>
+              <a:ext uri="{28A0092B-C50C-407E-A947-70E740481C1C}">
+                <a14:useLocalDpi xmlns:a14="http://schemas.microsoft.com/office/drawing/2010/main" val="0"/>
+              </a:ext>
+            </a:extLst>
+          </a:blip>
+          <a:srcRect b="92262"/>
+          <a:stretch/>
+        </p:blipFill>
+        <p:spPr bwMode="auto">
+          <a:xfrm>
+            <a:off x="428922" y="1433437"/>
+            <a:ext cx="11334155" cy="354203"/>
+          </a:xfrm>
+          <a:prstGeom prst="rect">
+            <a:avLst/>
+          </a:prstGeom>
+          <a:noFill/>
+          <a:extLst>
+            <a:ext uri="{909E8E84-426E-40DD-AFC4-6F175D3DCCD1}">
+              <a14:hiddenFill xmlns:a14="http://schemas.microsoft.com/office/drawing/2010/main">
+                <a:solidFill>
+                  <a:srgbClr val="FFFFFF"/>
+                </a:solidFill>
+              </a14:hiddenFill>
+            </a:ext>
+          </a:extLst>
+        </p:spPr>
+      </p:pic>
+      <p:pic>
+        <p:nvPicPr>
+          <p:cNvPr id="5" name="Picture 4" descr="A diagram of a graph&#10;&#10;Description automatically generated">
+            <a:extLst>
+              <a:ext uri="{FF2B5EF4-FFF2-40B4-BE49-F238E27FC236}">
+                <a16:creationId xmlns:a16="http://schemas.microsoft.com/office/drawing/2014/main" id="{804C3FDB-FF9F-4841-DDC8-D1434765415F}"/>
+              </a:ext>
+            </a:extLst>
+          </p:cNvPr>
+          <p:cNvPicPr>
+            <a:picLocks noChangeAspect="1"/>
+          </p:cNvPicPr>
+          <p:nvPr/>
+        </p:nvPicPr>
+        <p:blipFill rotWithShape="1">
+          <a:blip r:embed="rId3">
+            <a:extLst>
+              <a:ext uri="{28A0092B-C50C-407E-A947-70E740481C1C}">
+                <a14:useLocalDpi xmlns:a14="http://schemas.microsoft.com/office/drawing/2010/main" val="0"/>
+              </a:ext>
+            </a:extLst>
+          </a:blip>
+          <a:srcRect l="23441" t="19031" r="72890" b="12794"/>
+          <a:stretch/>
+        </p:blipFill>
+        <p:spPr>
+          <a:xfrm>
+            <a:off x="1460940" y="2152062"/>
+            <a:ext cx="184980" cy="2870897"/>
+          </a:xfrm>
+          <a:prstGeom prst="rect">
+            <a:avLst/>
+          </a:prstGeom>
+        </p:spPr>
+      </p:pic>
+      <p:sp>
+        <p:nvSpPr>
+          <p:cNvPr id="3" name="Rectangle 2">
+            <a:extLst>
+              <a:ext uri="{FF2B5EF4-FFF2-40B4-BE49-F238E27FC236}">
+                <a16:creationId xmlns:a16="http://schemas.microsoft.com/office/drawing/2014/main" id="{FBF6C540-DB79-5147-66E3-9DB20D76D2F8}"/>
+              </a:ext>
+            </a:extLst>
+          </p:cNvPr>
+          <p:cNvSpPr/>
+          <p:nvPr/>
+        </p:nvSpPr>
+        <p:spPr>
+          <a:xfrm>
+            <a:off x="1243267" y="1741070"/>
+            <a:ext cx="3300249" cy="3267731"/>
+          </a:xfrm>
+          <a:prstGeom prst="rect">
+            <a:avLst/>
+          </a:prstGeom>
+          <a:solidFill>
+            <a:schemeClr val="bg1"/>
+          </a:solidFill>
+          <a:ln>
+            <a:solidFill>
+              <a:schemeClr val="bg1"/>
+            </a:solidFill>
+          </a:ln>
+        </p:spPr>
+        <p:style>
+          <a:lnRef idx="2">
+            <a:schemeClr val="accent1">
+              <a:shade val="50000"/>
+            </a:schemeClr>
+          </a:lnRef>
+          <a:fillRef idx="1">
+            <a:schemeClr val="accent1"/>
+          </a:fillRef>
+          <a:effectRef idx="0">
+            <a:schemeClr val="accent1"/>
+          </a:effectRef>
+          <a:fontRef idx="minor">
+            <a:schemeClr val="lt1"/>
+          </a:fontRef>
+        </p:style>
+        <p:txBody>
+          <a:bodyPr rtlCol="0" anchor="ctr"/>
+          <a:lstStyle/>
+          <a:p>
+            <a:pPr algn="ctr"/>
+            <a:endParaRPr lang="en-US" i="1"/>
+          </a:p>
+        </p:txBody>
+      </p:sp>
+      <p:pic>
+        <p:nvPicPr>
+          <p:cNvPr id="31" name="Picture 2">
+            <a:extLst>
+              <a:ext uri="{FF2B5EF4-FFF2-40B4-BE49-F238E27FC236}">
+                <a16:creationId xmlns:a16="http://schemas.microsoft.com/office/drawing/2014/main" id="{A25567BB-6728-EDC2-0D02-C2A8CE63B0D8}"/>
+              </a:ext>
+            </a:extLst>
+          </p:cNvPr>
+          <p:cNvPicPr>
+            <a:picLocks noChangeAspect="1" noChangeArrowheads="1"/>
+          </p:cNvPicPr>
+          <p:nvPr/>
+        </p:nvPicPr>
+        <p:blipFill rotWithShape="1">
+          <a:blip r:embed="rId2">
+            <a:extLst>
+              <a:ext uri="{28A0092B-C50C-407E-A947-70E740481C1C}">
+                <a14:useLocalDpi xmlns:a14="http://schemas.microsoft.com/office/drawing/2010/main" val="0"/>
+              </a:ext>
+            </a:extLst>
+          </a:blip>
+          <a:srcRect l="94094" b="60446"/>
+          <a:stretch/>
+        </p:blipFill>
+        <p:spPr bwMode="auto">
+          <a:xfrm>
+            <a:off x="11040809" y="1374420"/>
+            <a:ext cx="669408" cy="1810476"/>
+          </a:xfrm>
+          <a:prstGeom prst="rect">
+            <a:avLst/>
+          </a:prstGeom>
+          <a:noFill/>
+          <a:extLst>
+            <a:ext uri="{909E8E84-426E-40DD-AFC4-6F175D3DCCD1}">
+              <a14:hiddenFill xmlns:a14="http://schemas.microsoft.com/office/drawing/2010/main">
+                <a:solidFill>
+                  <a:srgbClr val="FFFFFF"/>
+                </a:solidFill>
+              </a14:hiddenFill>
+            </a:ext>
+          </a:extLst>
+        </p:spPr>
+      </p:pic>
+      <p:sp>
+        <p:nvSpPr>
+          <p:cNvPr id="9" name="TextBox 8">
+            <a:extLst>
+              <a:ext uri="{FF2B5EF4-FFF2-40B4-BE49-F238E27FC236}">
+                <a16:creationId xmlns:a16="http://schemas.microsoft.com/office/drawing/2014/main" id="{5B2156C7-F97C-492D-BA90-46E8BEAF1382}"/>
+              </a:ext>
+            </a:extLst>
+          </p:cNvPr>
+          <p:cNvSpPr txBox="1"/>
+          <p:nvPr/>
+        </p:nvSpPr>
+        <p:spPr>
+          <a:xfrm>
+            <a:off x="178676" y="105103"/>
+            <a:ext cx="10355019" cy="369332"/>
+          </a:xfrm>
+          <a:prstGeom prst="rect">
+            <a:avLst/>
+          </a:prstGeom>
+          <a:noFill/>
+        </p:spPr>
+        <p:txBody>
+          <a:bodyPr wrap="square" rtlCol="0">
+            <a:spAutoFit/>
+          </a:bodyPr>
+          <a:lstStyle/>
+          <a:p>
+            <a:r>
+              <a:rPr lang="en-US" dirty="0"/>
+              <a:t>Version: 11/07</a:t>
+            </a:r>
+            <a:r>
+              <a:rPr lang="en-US" dirty="0">
+                <a:sym typeface="Wingdings" pitchFamily="2" charset="2"/>
+              </a:rPr>
+              <a:t>, 2023</a:t>
+            </a:r>
+            <a:endParaRPr lang="en-US" dirty="0"/>
+          </a:p>
+        </p:txBody>
+      </p:sp>
+      <p:sp>
+        <p:nvSpPr>
+          <p:cNvPr id="18" name="TextBox 17">
+            <a:extLst>
+              <a:ext uri="{FF2B5EF4-FFF2-40B4-BE49-F238E27FC236}">
+                <a16:creationId xmlns:a16="http://schemas.microsoft.com/office/drawing/2014/main" id="{E314B97D-EECF-74F7-A51B-B5A6CDD35B7C}"/>
+              </a:ext>
+            </a:extLst>
+          </p:cNvPr>
+          <p:cNvSpPr txBox="1"/>
+          <p:nvPr/>
+        </p:nvSpPr>
+        <p:spPr>
+          <a:xfrm>
+            <a:off x="49069" y="1708529"/>
+            <a:ext cx="1242062" cy="3440942"/>
+          </a:xfrm>
+          <a:prstGeom prst="rect">
+            <a:avLst/>
+          </a:prstGeom>
+          <a:noFill/>
+        </p:spPr>
+        <p:txBody>
+          <a:bodyPr wrap="square" rtlCol="0">
+            <a:spAutoFit/>
+          </a:bodyPr>
+          <a:lstStyle/>
+          <a:p>
+            <a:pPr algn="r"/>
+            <a:endParaRPr lang="en-US" sz="1270" i="1" dirty="0">
+              <a:latin typeface="Arial" panose="020B0604020202020204" pitchFamily="34" charset="0"/>
+              <a:cs typeface="Arial" panose="020B0604020202020204" pitchFamily="34" charset="0"/>
+            </a:endParaRPr>
+          </a:p>
+          <a:p>
+            <a:pPr algn="r"/>
+            <a:r>
+              <a:rPr lang="en-US" sz="1270" i="1" dirty="0" err="1">
+                <a:latin typeface="Arial" panose="020B0604020202020204" pitchFamily="34" charset="0"/>
+                <a:cs typeface="Arial" panose="020B0604020202020204" pitchFamily="34" charset="0"/>
+              </a:rPr>
+              <a:t>Dist</a:t>
+            </a:r>
+            <a:endParaRPr lang="en-US" sz="1270" i="1" dirty="0">
+              <a:latin typeface="Arial" panose="020B0604020202020204" pitchFamily="34" charset="0"/>
+              <a:cs typeface="Arial" panose="020B0604020202020204" pitchFamily="34" charset="0"/>
+            </a:endParaRPr>
+          </a:p>
+          <a:p>
+            <a:pPr algn="r"/>
+            <a:r>
+              <a:rPr lang="en-US" sz="1270" i="1" dirty="0">
+                <a:latin typeface="Arial" panose="020B0604020202020204" pitchFamily="34" charset="0"/>
+                <a:cs typeface="Arial" panose="020B0604020202020204" pitchFamily="34" charset="0"/>
+              </a:rPr>
+              <a:t>Compart</a:t>
+            </a:r>
+          </a:p>
+          <a:p>
+            <a:pPr algn="r"/>
+            <a:r>
+              <a:rPr lang="en-US" sz="1270" i="1" dirty="0" err="1">
+                <a:latin typeface="Arial" panose="020B0604020202020204" pitchFamily="34" charset="0"/>
+                <a:cs typeface="Arial" panose="020B0604020202020204" pitchFamily="34" charset="0"/>
+              </a:rPr>
+              <a:t>ClusCoeff</a:t>
+            </a:r>
+            <a:endParaRPr lang="en-US" sz="1270" i="1" dirty="0">
+              <a:latin typeface="Arial" panose="020B0604020202020204" pitchFamily="34" charset="0"/>
+              <a:cs typeface="Arial" panose="020B0604020202020204" pitchFamily="34" charset="0"/>
+            </a:endParaRPr>
+          </a:p>
+          <a:p>
+            <a:pPr algn="r"/>
+            <a:r>
+              <a:rPr lang="en-US" sz="1270" i="1" dirty="0">
+                <a:latin typeface="Arial" panose="020B0604020202020204" pitchFamily="34" charset="0"/>
+                <a:cs typeface="Arial" panose="020B0604020202020204" pitchFamily="34" charset="0"/>
+              </a:rPr>
+              <a:t>Flux</a:t>
+            </a:r>
+          </a:p>
+          <a:p>
+            <a:pPr algn="r"/>
+            <a:r>
+              <a:rPr lang="en-US" sz="1270" i="1" dirty="0">
+                <a:latin typeface="Arial" panose="020B0604020202020204" pitchFamily="34" charset="0"/>
+                <a:cs typeface="Arial" panose="020B0604020202020204" pitchFamily="34" charset="0"/>
+              </a:rPr>
+              <a:t>Degree</a:t>
+            </a:r>
+          </a:p>
+          <a:p>
+            <a:pPr algn="r"/>
+            <a:r>
+              <a:rPr lang="en-US" sz="1270" i="1" dirty="0">
+                <a:latin typeface="Arial" panose="020B0604020202020204" pitchFamily="34" charset="0"/>
+                <a:cs typeface="Arial" panose="020B0604020202020204" pitchFamily="34" charset="0"/>
+              </a:rPr>
+              <a:t>BA</a:t>
+            </a:r>
+          </a:p>
+          <a:p>
+            <a:pPr algn="r"/>
+            <a:r>
+              <a:rPr lang="en-US" sz="1270" i="1" dirty="0">
+                <a:latin typeface="Arial" panose="020B0604020202020204" pitchFamily="34" charset="0"/>
+                <a:cs typeface="Arial" panose="020B0604020202020204" pitchFamily="34" charset="0"/>
+              </a:rPr>
+              <a:t>BC</a:t>
+            </a:r>
+          </a:p>
+          <a:p>
+            <a:pPr algn="r"/>
+            <a:r>
+              <a:rPr lang="en-US" sz="1270" i="1" dirty="0">
+                <a:latin typeface="Arial" panose="020B0604020202020204" pitchFamily="34" charset="0"/>
+                <a:cs typeface="Arial" panose="020B0604020202020204" pitchFamily="34" charset="0"/>
+              </a:rPr>
+              <a:t>Cohesion</a:t>
+            </a:r>
+          </a:p>
+          <a:p>
+            <a:pPr algn="r"/>
+            <a:r>
+              <a:rPr lang="en-US" sz="1270" i="1" dirty="0">
+                <a:latin typeface="Arial" panose="020B0604020202020204" pitchFamily="34" charset="0"/>
+                <a:cs typeface="Arial" panose="020B0604020202020204" pitchFamily="34" charset="0"/>
+              </a:rPr>
+              <a:t>Gyrate</a:t>
+            </a:r>
+          </a:p>
+          <a:p>
+            <a:pPr algn="r"/>
+            <a:r>
+              <a:rPr lang="en-US" sz="1270" i="1" dirty="0" err="1">
+                <a:latin typeface="Arial" panose="020B0604020202020204" pitchFamily="34" charset="0"/>
+                <a:cs typeface="Arial" panose="020B0604020202020204" pitchFamily="34" charset="0"/>
+              </a:rPr>
+              <a:t>AWGyrate</a:t>
+            </a:r>
+            <a:endParaRPr lang="en-US" sz="1270" i="1" dirty="0">
+              <a:latin typeface="Arial" panose="020B0604020202020204" pitchFamily="34" charset="0"/>
+              <a:cs typeface="Arial" panose="020B0604020202020204" pitchFamily="34" charset="0"/>
+            </a:endParaRPr>
+          </a:p>
+          <a:p>
+            <a:pPr algn="r"/>
+            <a:r>
+              <a:rPr lang="en-US" sz="1270" i="1" dirty="0">
+                <a:latin typeface="Arial" panose="020B0604020202020204" pitchFamily="34" charset="0"/>
+                <a:cs typeface="Arial" panose="020B0604020202020204" pitchFamily="34" charset="0"/>
+              </a:rPr>
+              <a:t>AWF</a:t>
+            </a:r>
+          </a:p>
+          <a:p>
+            <a:pPr algn="r"/>
+            <a:r>
+              <a:rPr lang="en-US" sz="1270" i="1" dirty="0">
+                <a:latin typeface="Arial" panose="020B0604020202020204" pitchFamily="34" charset="0"/>
+                <a:cs typeface="Arial" panose="020B0604020202020204" pitchFamily="34" charset="0"/>
+              </a:rPr>
+              <a:t>IIC</a:t>
+            </a:r>
+          </a:p>
+          <a:p>
+            <a:pPr algn="r"/>
+            <a:r>
+              <a:rPr lang="en-US" sz="1270" i="1" dirty="0">
+                <a:latin typeface="Arial" panose="020B0604020202020204" pitchFamily="34" charset="0"/>
+                <a:cs typeface="Arial" panose="020B0604020202020204" pitchFamily="34" charset="0"/>
+              </a:rPr>
+              <a:t>PC</a:t>
+            </a:r>
+          </a:p>
+          <a:p>
+            <a:pPr algn="r"/>
+            <a:r>
+              <a:rPr lang="en-US" sz="1270" i="1" dirty="0">
+                <a:latin typeface="Arial" panose="020B0604020202020204" pitchFamily="34" charset="0"/>
+                <a:cs typeface="Arial" panose="020B0604020202020204" pitchFamily="34" charset="0"/>
+              </a:rPr>
+              <a:t>ECA</a:t>
+            </a:r>
+          </a:p>
+          <a:p>
+            <a:pPr algn="r"/>
+            <a:r>
+              <a:rPr lang="en-US" sz="1270" i="1" dirty="0" err="1">
+                <a:latin typeface="Arial" panose="020B0604020202020204" pitchFamily="34" charset="0"/>
+                <a:cs typeface="Arial" panose="020B0604020202020204" pitchFamily="34" charset="0"/>
+              </a:rPr>
+              <a:t>ProtConn</a:t>
+            </a:r>
+            <a:endParaRPr lang="en-US" sz="1270" i="1" dirty="0">
+              <a:latin typeface="Arial" panose="020B0604020202020204" pitchFamily="34" charset="0"/>
+              <a:cs typeface="Arial" panose="020B0604020202020204" pitchFamily="34" charset="0"/>
+            </a:endParaRPr>
+          </a:p>
+          <a:p>
+            <a:pPr algn="r"/>
+            <a:r>
+              <a:rPr lang="en-US" sz="1270" i="1" dirty="0" err="1">
+                <a:latin typeface="Arial" panose="020B0604020202020204" pitchFamily="34" charset="0"/>
+                <a:cs typeface="Arial" panose="020B0604020202020204" pitchFamily="34" charset="0"/>
+              </a:rPr>
+              <a:t>PctArea</a:t>
+            </a:r>
+            <a:endParaRPr lang="en-US" sz="1270" i="1" dirty="0">
+              <a:latin typeface="Arial" panose="020B0604020202020204" pitchFamily="34" charset="0"/>
+              <a:cs typeface="Arial" panose="020B0604020202020204" pitchFamily="34" charset="0"/>
+            </a:endParaRPr>
+          </a:p>
+        </p:txBody>
+      </p:sp>
       <p:grpSp>
         <p:nvGrpSpPr>
-          <p:cNvPr id="3" name="Group 2">
-            <a:extLst>
-              <a:ext uri="{FF2B5EF4-FFF2-40B4-BE49-F238E27FC236}">
-                <a16:creationId xmlns:a16="http://schemas.microsoft.com/office/drawing/2014/main" id="{E9CDBA77-54A7-5261-995B-91BD254DF0EF}"/>
+          <p:cNvPr id="68" name="Group 67">
+            <a:extLst>
+              <a:ext uri="{FF2B5EF4-FFF2-40B4-BE49-F238E27FC236}">
+                <a16:creationId xmlns:a16="http://schemas.microsoft.com/office/drawing/2014/main" id="{BD280255-1971-704C-2EAE-9FDF8AF8C586}"/>
               </a:ext>
             </a:extLst>
           </p:cNvPr>
@@ -4127,58 +7496,18 @@
         </p:nvGrpSpPr>
         <p:grpSpPr>
           <a:xfrm>
-            <a:off x="0" y="0"/>
-            <a:ext cx="5299363" cy="6857999"/>
-            <a:chOff x="0" y="0"/>
-            <a:chExt cx="5299363" cy="6857999"/>
+            <a:off x="998916" y="4943026"/>
+            <a:ext cx="3037954" cy="1355585"/>
+            <a:chOff x="998916" y="4943026"/>
+            <a:chExt cx="3037954" cy="1355585"/>
           </a:xfrm>
         </p:grpSpPr>
-        <p:pic>
-          <p:nvPicPr>
-            <p:cNvPr id="7" name="Picture 6">
-              <a:extLst>
-                <a:ext uri="{FF2B5EF4-FFF2-40B4-BE49-F238E27FC236}">
-                  <a16:creationId xmlns:a16="http://schemas.microsoft.com/office/drawing/2014/main" id="{C357D420-B4E4-43E7-9240-0587186BFE19}"/>
-                </a:ext>
-              </a:extLst>
-            </p:cNvPr>
-            <p:cNvPicPr>
-              <a:picLocks noChangeAspect="1"/>
-            </p:cNvPicPr>
-            <p:nvPr/>
-          </p:nvPicPr>
-          <p:blipFill>
-            <a:blip r:embed="rId2">
-              <a:extLst>
-                <a:ext uri="{28A0092B-C50C-407E-A947-70E740481C1C}">
-                  <a14:useLocalDpi xmlns:a14="http://schemas.microsoft.com/office/drawing/2010/main" val="0"/>
-                </a:ext>
-              </a:extLst>
-            </a:blip>
-            <a:srcRect/>
-            <a:stretch/>
-          </p:blipFill>
-          <p:spPr>
-            <a:xfrm>
-              <a:off x="0" y="0"/>
-              <a:ext cx="5299363" cy="6857999"/>
-            </a:xfrm>
-            <a:prstGeom prst="rect">
-              <a:avLst/>
-            </a:prstGeom>
-            <a:ln>
-              <a:solidFill>
-                <a:schemeClr val="tx1"/>
-              </a:solidFill>
-            </a:ln>
-          </p:spPr>
-        </p:pic>
         <p:sp>
           <p:nvSpPr>
-            <p:cNvPr id="9" name="TextBox 8">
-              <a:extLst>
-                <a:ext uri="{FF2B5EF4-FFF2-40B4-BE49-F238E27FC236}">
-                  <a16:creationId xmlns:a16="http://schemas.microsoft.com/office/drawing/2014/main" id="{5FD5AAF8-D2FE-4C08-8A76-901FC572E4B8}"/>
+            <p:cNvPr id="40" name="TextBox 39">
+              <a:extLst>
+                <a:ext uri="{FF2B5EF4-FFF2-40B4-BE49-F238E27FC236}">
+                  <a16:creationId xmlns:a16="http://schemas.microsoft.com/office/drawing/2014/main" id="{0A2B9336-2B20-CE13-1514-BE2E62D03D76}"/>
                 </a:ext>
               </a:extLst>
             </p:cNvPr>
@@ -4186,9 +7515,9 @@
             <p:nvPr/>
           </p:nvSpPr>
           <p:spPr>
-            <a:xfrm rot="16200000">
-              <a:off x="-132080" y="873204"/>
-              <a:ext cx="593432" cy="276999"/>
+            <a:xfrm rot="18000000">
+              <a:off x="1709675" y="5211154"/>
+              <a:ext cx="792326" cy="287771"/>
             </a:xfrm>
             <a:prstGeom prst="rect">
               <a:avLst/>
@@ -4196,72 +7525,28 @@
             <a:noFill/>
           </p:spPr>
           <p:txBody>
-            <a:bodyPr wrap="none" rtlCol="0">
+            <a:bodyPr wrap="square">
               <a:spAutoFit/>
             </a:bodyPr>
             <a:lstStyle/>
             <a:p>
-              <a:r>
-                <a:rPr lang="en-US" sz="1200" dirty="0">
-                  <a:solidFill>
-                    <a:schemeClr val="tx1">
-                      <a:lumMod val="75000"/>
-                      <a:lumOff val="25000"/>
-                    </a:schemeClr>
-                  </a:solidFill>
-                  <a:latin typeface="Arial" panose="020B0604020202020204" pitchFamily="34" charset="0"/>
-                  <a:cs typeface="Arial" panose="020B0604020202020204" pitchFamily="34" charset="0"/>
-                </a:rPr>
-                <a:t>Count</a:t>
+              <a:pPr algn="r"/>
+              <a:r>
+                <a:rPr lang="en-US" sz="1270" i="1" dirty="0">
+                  <a:latin typeface="Arial" panose="020B0604020202020204" pitchFamily="34" charset="0"/>
+                  <a:cs typeface="Arial" panose="020B0604020202020204" pitchFamily="34" charset="0"/>
+                </a:rPr>
+                <a:t>Degree</a:t>
               </a:r>
             </a:p>
           </p:txBody>
         </p:sp>
-        <p:pic>
-          <p:nvPicPr>
-            <p:cNvPr id="10" name="Picture 9">
-              <a:extLst>
-                <a:ext uri="{FF2B5EF4-FFF2-40B4-BE49-F238E27FC236}">
-                  <a16:creationId xmlns:a16="http://schemas.microsoft.com/office/drawing/2014/main" id="{FAF19FC0-7665-487F-9088-A998F6BF40BB}"/>
-                </a:ext>
-              </a:extLst>
-            </p:cNvPr>
-            <p:cNvPicPr>
-              <a:picLocks noChangeAspect="1"/>
-            </p:cNvPicPr>
-            <p:nvPr/>
-          </p:nvPicPr>
-          <p:blipFill>
-            <a:blip r:embed="rId3">
-              <a:extLst>
-                <a:ext uri="{28A0092B-C50C-407E-A947-70E740481C1C}">
-                  <a14:useLocalDpi xmlns:a14="http://schemas.microsoft.com/office/drawing/2010/main" val="0"/>
-                </a:ext>
-              </a:extLst>
-            </a:blip>
-            <a:stretch>
-              <a:fillRect/>
-            </a:stretch>
-          </p:blipFill>
-          <p:spPr>
-            <a:xfrm>
-              <a:off x="297983" y="10053"/>
-              <a:ext cx="2120166" cy="1909181"/>
-            </a:xfrm>
-            <a:prstGeom prst="rect">
-              <a:avLst/>
-            </a:prstGeom>
-            <a:ln>
-              <a:noFill/>
-            </a:ln>
-          </p:spPr>
-        </p:pic>
         <p:sp>
           <p:nvSpPr>
-            <p:cNvPr id="2" name="TextBox 1">
-              <a:extLst>
-                <a:ext uri="{FF2B5EF4-FFF2-40B4-BE49-F238E27FC236}">
-                  <a16:creationId xmlns:a16="http://schemas.microsoft.com/office/drawing/2014/main" id="{D6BB99AE-6973-F7EC-C264-5EAB3201594F}"/>
+            <p:cNvPr id="50" name="TextBox 49">
+              <a:extLst>
+                <a:ext uri="{FF2B5EF4-FFF2-40B4-BE49-F238E27FC236}">
+                  <a16:creationId xmlns:a16="http://schemas.microsoft.com/office/drawing/2014/main" id="{902F2249-53FB-EEDC-5445-C4339D4EED5E}"/>
                 </a:ext>
               </a:extLst>
             </p:cNvPr>
@@ -4269,9 +7554,9 @@
             <p:nvPr/>
           </p:nvSpPr>
           <p:spPr>
-            <a:xfrm>
-              <a:off x="775759" y="1919235"/>
-              <a:ext cx="1164614" cy="276999"/>
+            <a:xfrm rot="18000000">
+              <a:off x="2545547" y="5289215"/>
+              <a:ext cx="973399" cy="287771"/>
             </a:xfrm>
             <a:prstGeom prst="rect">
               <a:avLst/>
@@ -4279,58 +7564,2029 @@
             <a:noFill/>
           </p:spPr>
           <p:txBody>
-            <a:bodyPr wrap="none" rtlCol="0">
+            <a:bodyPr wrap="square">
               <a:spAutoFit/>
             </a:bodyPr>
             <a:lstStyle/>
             <a:p>
-              <a:r>
-                <a:rPr lang="en-US" sz="1200" dirty="0">
-                  <a:solidFill>
-                    <a:schemeClr val="tx1">
-                      <a:lumMod val="75000"/>
-                      <a:lumOff val="25000"/>
-                    </a:schemeClr>
-                  </a:solidFill>
-                  <a:latin typeface="Arial" panose="020B0604020202020204" pitchFamily="34" charset="0"/>
-                  <a:cs typeface="Arial" panose="020B0604020202020204" pitchFamily="34" charset="0"/>
-                </a:rPr>
-                <a:t>PA Area (km</a:t>
-              </a:r>
-              <a:r>
-                <a:rPr lang="en-US" sz="1200" baseline="30000" dirty="0">
-                  <a:solidFill>
-                    <a:schemeClr val="tx1">
-                      <a:lumMod val="75000"/>
-                      <a:lumOff val="25000"/>
-                    </a:schemeClr>
-                  </a:solidFill>
-                  <a:latin typeface="Arial" panose="020B0604020202020204" pitchFamily="34" charset="0"/>
-                  <a:cs typeface="Arial" panose="020B0604020202020204" pitchFamily="34" charset="0"/>
-                </a:rPr>
-                <a:t>2</a:t>
-              </a:r>
-              <a:r>
-                <a:rPr lang="en-US" sz="1200" dirty="0">
-                  <a:solidFill>
-                    <a:schemeClr val="tx1">
-                      <a:lumMod val="75000"/>
-                      <a:lumOff val="25000"/>
-                    </a:schemeClr>
-                  </a:solidFill>
-                  <a:latin typeface="Arial" panose="020B0604020202020204" pitchFamily="34" charset="0"/>
-                  <a:cs typeface="Arial" panose="020B0604020202020204" pitchFamily="34" charset="0"/>
-                </a:rPr>
-                <a:t>)</a:t>
+              <a:pPr algn="r"/>
+              <a:r>
+                <a:rPr lang="en-US" sz="1270" i="1" dirty="0" err="1">
+                  <a:latin typeface="Arial" panose="020B0604020202020204" pitchFamily="34" charset="0"/>
+                  <a:cs typeface="Arial" panose="020B0604020202020204" pitchFamily="34" charset="0"/>
+                </a:rPr>
+                <a:t>AWGyrate</a:t>
+              </a:r>
+              <a:endParaRPr lang="en-US" sz="1270" i="1" dirty="0">
+                <a:latin typeface="Arial" panose="020B0604020202020204" pitchFamily="34" charset="0"/>
+                <a:cs typeface="Arial" panose="020B0604020202020204" pitchFamily="34" charset="0"/>
+              </a:endParaRPr>
+            </a:p>
+          </p:txBody>
+        </p:sp>
+        <p:sp>
+          <p:nvSpPr>
+            <p:cNvPr id="19" name="TextBox 18">
+              <a:extLst>
+                <a:ext uri="{FF2B5EF4-FFF2-40B4-BE49-F238E27FC236}">
+                  <a16:creationId xmlns:a16="http://schemas.microsoft.com/office/drawing/2014/main" id="{0B462838-56AF-B589-F4FF-66DBBFF05655}"/>
+                </a:ext>
+              </a:extLst>
+            </p:cNvPr>
+            <p:cNvSpPr txBox="1"/>
+            <p:nvPr/>
+          </p:nvSpPr>
+          <p:spPr>
+            <a:xfrm rot="18000000">
+              <a:off x="676777" y="5303920"/>
+              <a:ext cx="932050" cy="287771"/>
+            </a:xfrm>
+            <a:prstGeom prst="rect">
+              <a:avLst/>
+            </a:prstGeom>
+            <a:noFill/>
+          </p:spPr>
+          <p:txBody>
+            <a:bodyPr vert="horz" wrap="square" rtlCol="0">
+              <a:spAutoFit/>
+            </a:bodyPr>
+            <a:lstStyle/>
+            <a:p>
+              <a:pPr algn="r"/>
+              <a:r>
+                <a:rPr lang="en-US" sz="1270" i="1" dirty="0" err="1">
+                  <a:latin typeface="Arial" panose="020B0604020202020204" pitchFamily="34" charset="0"/>
+                  <a:cs typeface="Arial" panose="020B0604020202020204" pitchFamily="34" charset="0"/>
+                </a:rPr>
+                <a:t>Prox</a:t>
+              </a:r>
+              <a:endParaRPr lang="en-US" sz="1270" i="1" dirty="0">
+                <a:latin typeface="Arial" panose="020B0604020202020204" pitchFamily="34" charset="0"/>
+                <a:cs typeface="Arial" panose="020B0604020202020204" pitchFamily="34" charset="0"/>
+              </a:endParaRPr>
+            </a:p>
+          </p:txBody>
+        </p:sp>
+        <p:sp>
+          <p:nvSpPr>
+            <p:cNvPr id="29" name="TextBox 28">
+              <a:extLst>
+                <a:ext uri="{FF2B5EF4-FFF2-40B4-BE49-F238E27FC236}">
+                  <a16:creationId xmlns:a16="http://schemas.microsoft.com/office/drawing/2014/main" id="{F00C97A6-77D9-9EE9-386D-C293F572A0CF}"/>
+                </a:ext>
+              </a:extLst>
+            </p:cNvPr>
+            <p:cNvSpPr txBox="1"/>
+            <p:nvPr/>
+          </p:nvSpPr>
+          <p:spPr>
+            <a:xfrm rot="18000000">
+              <a:off x="713311" y="5389314"/>
+              <a:ext cx="1156740" cy="287771"/>
+            </a:xfrm>
+            <a:prstGeom prst="rect">
+              <a:avLst/>
+            </a:prstGeom>
+            <a:noFill/>
+          </p:spPr>
+          <p:txBody>
+            <a:bodyPr wrap="square">
+              <a:spAutoFit/>
+            </a:bodyPr>
+            <a:lstStyle/>
+            <a:p>
+              <a:pPr algn="r"/>
+              <a:r>
+                <a:rPr lang="en-US" sz="1270" i="1" dirty="0" err="1">
+                  <a:latin typeface="Arial" panose="020B0604020202020204" pitchFamily="34" charset="0"/>
+                  <a:cs typeface="Arial" panose="020B0604020202020204" pitchFamily="34" charset="0"/>
+                </a:rPr>
+                <a:t>Dist</a:t>
+              </a:r>
+              <a:endParaRPr lang="en-US" sz="1270" i="1" dirty="0">
+                <a:latin typeface="Arial" panose="020B0604020202020204" pitchFamily="34" charset="0"/>
+                <a:cs typeface="Arial" panose="020B0604020202020204" pitchFamily="34" charset="0"/>
+              </a:endParaRPr>
+            </a:p>
+          </p:txBody>
+        </p:sp>
+        <p:sp>
+          <p:nvSpPr>
+            <p:cNvPr id="32" name="TextBox 31">
+              <a:extLst>
+                <a:ext uri="{FF2B5EF4-FFF2-40B4-BE49-F238E27FC236}">
+                  <a16:creationId xmlns:a16="http://schemas.microsoft.com/office/drawing/2014/main" id="{C74D4E43-F5CB-5C50-70FB-E070C36B812F}"/>
+                </a:ext>
+              </a:extLst>
+            </p:cNvPr>
+            <p:cNvSpPr txBox="1"/>
+            <p:nvPr/>
+          </p:nvSpPr>
+          <p:spPr>
+            <a:xfrm rot="18000000">
+              <a:off x="855003" y="5412116"/>
+              <a:ext cx="1216053" cy="287771"/>
+            </a:xfrm>
+            <a:prstGeom prst="rect">
+              <a:avLst/>
+            </a:prstGeom>
+            <a:noFill/>
+          </p:spPr>
+          <p:txBody>
+            <a:bodyPr wrap="square">
+              <a:spAutoFit/>
+            </a:bodyPr>
+            <a:lstStyle/>
+            <a:p>
+              <a:pPr algn="r"/>
+              <a:r>
+                <a:rPr lang="en-US" sz="1270" i="1" dirty="0">
+                  <a:latin typeface="Arial" panose="020B0604020202020204" pitchFamily="34" charset="0"/>
+                  <a:cs typeface="Arial" panose="020B0604020202020204" pitchFamily="34" charset="0"/>
+                </a:rPr>
+                <a:t>Compart</a:t>
+              </a:r>
+            </a:p>
+          </p:txBody>
+        </p:sp>
+        <p:sp>
+          <p:nvSpPr>
+            <p:cNvPr id="34" name="TextBox 33">
+              <a:extLst>
+                <a:ext uri="{FF2B5EF4-FFF2-40B4-BE49-F238E27FC236}">
+                  <a16:creationId xmlns:a16="http://schemas.microsoft.com/office/drawing/2014/main" id="{26CCAC93-6E6A-C5CE-A825-B956E194AAAC}"/>
+                </a:ext>
+              </a:extLst>
+            </p:cNvPr>
+            <p:cNvSpPr txBox="1"/>
+            <p:nvPr/>
+          </p:nvSpPr>
+          <p:spPr>
+            <a:xfrm rot="18000000">
+              <a:off x="1008904" y="5423434"/>
+              <a:ext cx="1240050" cy="287771"/>
+            </a:xfrm>
+            <a:prstGeom prst="rect">
+              <a:avLst/>
+            </a:prstGeom>
+            <a:noFill/>
+          </p:spPr>
+          <p:txBody>
+            <a:bodyPr wrap="square">
+              <a:spAutoFit/>
+            </a:bodyPr>
+            <a:lstStyle/>
+            <a:p>
+              <a:pPr algn="r"/>
+              <a:r>
+                <a:rPr lang="en-US" sz="1270" i="1" dirty="0" err="1">
+                  <a:latin typeface="Arial" panose="020B0604020202020204" pitchFamily="34" charset="0"/>
+                  <a:cs typeface="Arial" panose="020B0604020202020204" pitchFamily="34" charset="0"/>
+                </a:rPr>
+                <a:t>ClusCoeff</a:t>
+              </a:r>
+              <a:endParaRPr lang="en-US" sz="1270" i="1" dirty="0">
+                <a:latin typeface="Arial" panose="020B0604020202020204" pitchFamily="34" charset="0"/>
+                <a:cs typeface="Arial" panose="020B0604020202020204" pitchFamily="34" charset="0"/>
+              </a:endParaRPr>
+            </a:p>
+          </p:txBody>
+        </p:sp>
+        <p:sp>
+          <p:nvSpPr>
+            <p:cNvPr id="36" name="TextBox 35">
+              <a:extLst>
+                <a:ext uri="{FF2B5EF4-FFF2-40B4-BE49-F238E27FC236}">
+                  <a16:creationId xmlns:a16="http://schemas.microsoft.com/office/drawing/2014/main" id="{972CDF38-1F58-6E06-B6DA-70128EED5FBE}"/>
+                </a:ext>
+              </a:extLst>
+            </p:cNvPr>
+            <p:cNvSpPr txBox="1"/>
+            <p:nvPr/>
+          </p:nvSpPr>
+          <p:spPr>
+            <a:xfrm rot="18000000">
+              <a:off x="1745089" y="5127698"/>
+              <a:ext cx="531098" cy="287771"/>
+            </a:xfrm>
+            <a:prstGeom prst="rect">
+              <a:avLst/>
+            </a:prstGeom>
+            <a:noFill/>
+          </p:spPr>
+          <p:txBody>
+            <a:bodyPr wrap="square">
+              <a:spAutoFit/>
+            </a:bodyPr>
+            <a:lstStyle/>
+            <a:p>
+              <a:pPr algn="r"/>
+              <a:r>
+                <a:rPr lang="en-US" sz="1270" i="1" dirty="0">
+                  <a:latin typeface="Arial" panose="020B0604020202020204" pitchFamily="34" charset="0"/>
+                  <a:cs typeface="Arial" panose="020B0604020202020204" pitchFamily="34" charset="0"/>
+                </a:rPr>
+                <a:t>Flux</a:t>
+              </a:r>
+            </a:p>
+          </p:txBody>
+        </p:sp>
+        <p:sp>
+          <p:nvSpPr>
+            <p:cNvPr id="44" name="TextBox 43">
+              <a:extLst>
+                <a:ext uri="{FF2B5EF4-FFF2-40B4-BE49-F238E27FC236}">
+                  <a16:creationId xmlns:a16="http://schemas.microsoft.com/office/drawing/2014/main" id="{BE54F843-D64B-FF37-2696-2D40709EBFA4}"/>
+                </a:ext>
+              </a:extLst>
+            </p:cNvPr>
+            <p:cNvSpPr txBox="1"/>
+            <p:nvPr/>
+          </p:nvSpPr>
+          <p:spPr>
+            <a:xfrm rot="18000000">
+              <a:off x="1967062" y="5308483"/>
+              <a:ext cx="977692" cy="287771"/>
+            </a:xfrm>
+            <a:prstGeom prst="rect">
+              <a:avLst/>
+            </a:prstGeom>
+            <a:noFill/>
+          </p:spPr>
+          <p:txBody>
+            <a:bodyPr wrap="square">
+              <a:spAutoFit/>
+            </a:bodyPr>
+            <a:lstStyle/>
+            <a:p>
+              <a:pPr algn="r"/>
+              <a:r>
+                <a:rPr lang="en-US" sz="1270" i="1" dirty="0">
+                  <a:latin typeface="Arial" panose="020B0604020202020204" pitchFamily="34" charset="0"/>
+                  <a:cs typeface="Arial" panose="020B0604020202020204" pitchFamily="34" charset="0"/>
+                </a:rPr>
+                <a:t>BC</a:t>
+              </a:r>
+            </a:p>
+          </p:txBody>
+        </p:sp>
+        <p:sp>
+          <p:nvSpPr>
+            <p:cNvPr id="48" name="TextBox 47">
+              <a:extLst>
+                <a:ext uri="{FF2B5EF4-FFF2-40B4-BE49-F238E27FC236}">
+                  <a16:creationId xmlns:a16="http://schemas.microsoft.com/office/drawing/2014/main" id="{F7476959-2C27-81EE-ADDC-5AB40F6CEC37}"/>
+                </a:ext>
+              </a:extLst>
+            </p:cNvPr>
+            <p:cNvSpPr txBox="1"/>
+            <p:nvPr/>
+          </p:nvSpPr>
+          <p:spPr>
+            <a:xfrm rot="18000000">
+              <a:off x="2195801" y="5394891"/>
+              <a:ext cx="1172309" cy="287771"/>
+            </a:xfrm>
+            <a:prstGeom prst="rect">
+              <a:avLst/>
+            </a:prstGeom>
+            <a:noFill/>
+          </p:spPr>
+          <p:txBody>
+            <a:bodyPr wrap="square">
+              <a:spAutoFit/>
+            </a:bodyPr>
+            <a:lstStyle/>
+            <a:p>
+              <a:pPr algn="r"/>
+              <a:r>
+                <a:rPr lang="en-US" sz="1270" i="1" dirty="0">
+                  <a:latin typeface="Arial" panose="020B0604020202020204" pitchFamily="34" charset="0"/>
+                  <a:cs typeface="Arial" panose="020B0604020202020204" pitchFamily="34" charset="0"/>
+                </a:rPr>
+                <a:t>Gyrate</a:t>
+              </a:r>
+            </a:p>
+          </p:txBody>
+        </p:sp>
+        <p:sp>
+          <p:nvSpPr>
+            <p:cNvPr id="54" name="TextBox 53">
+              <a:extLst>
+                <a:ext uri="{FF2B5EF4-FFF2-40B4-BE49-F238E27FC236}">
+                  <a16:creationId xmlns:a16="http://schemas.microsoft.com/office/drawing/2014/main" id="{4DBF63A8-9335-2E0F-F829-18FDAA5C024B}"/>
+                </a:ext>
+              </a:extLst>
+            </p:cNvPr>
+            <p:cNvSpPr txBox="1"/>
+            <p:nvPr/>
+          </p:nvSpPr>
+          <p:spPr>
+            <a:xfrm rot="18000000">
+              <a:off x="2760626" y="5390963"/>
+              <a:ext cx="1182011" cy="287771"/>
+            </a:xfrm>
+            <a:prstGeom prst="rect">
+              <a:avLst/>
+            </a:prstGeom>
+            <a:noFill/>
+          </p:spPr>
+          <p:txBody>
+            <a:bodyPr wrap="square">
+              <a:spAutoFit/>
+            </a:bodyPr>
+            <a:lstStyle/>
+            <a:p>
+              <a:pPr algn="r"/>
+              <a:r>
+                <a:rPr lang="en-US" sz="1270" i="1" dirty="0">
+                  <a:latin typeface="Arial" panose="020B0604020202020204" pitchFamily="34" charset="0"/>
+                  <a:cs typeface="Arial" panose="020B0604020202020204" pitchFamily="34" charset="0"/>
+                </a:rPr>
+                <a:t>IIC</a:t>
+              </a:r>
+            </a:p>
+          </p:txBody>
+        </p:sp>
+        <p:sp>
+          <p:nvSpPr>
+            <p:cNvPr id="58" name="TextBox 57">
+              <a:extLst>
+                <a:ext uri="{FF2B5EF4-FFF2-40B4-BE49-F238E27FC236}">
+                  <a16:creationId xmlns:a16="http://schemas.microsoft.com/office/drawing/2014/main" id="{2303B496-5D49-8E9F-8FBC-53C0FFA08D04}"/>
+                </a:ext>
+              </a:extLst>
+            </p:cNvPr>
+            <p:cNvSpPr txBox="1"/>
+            <p:nvPr/>
+          </p:nvSpPr>
+          <p:spPr>
+            <a:xfrm rot="18000000">
+              <a:off x="3464504" y="5206770"/>
+              <a:ext cx="756934" cy="287771"/>
+            </a:xfrm>
+            <a:prstGeom prst="rect">
+              <a:avLst/>
+            </a:prstGeom>
+            <a:noFill/>
+          </p:spPr>
+          <p:txBody>
+            <a:bodyPr wrap="square">
+              <a:spAutoFit/>
+            </a:bodyPr>
+            <a:lstStyle/>
+            <a:p>
+              <a:pPr algn="r"/>
+              <a:r>
+                <a:rPr lang="en-US" sz="1270" i="1" dirty="0">
+                  <a:latin typeface="Arial" panose="020B0604020202020204" pitchFamily="34" charset="0"/>
+                  <a:cs typeface="Arial" panose="020B0604020202020204" pitchFamily="34" charset="0"/>
+                </a:rPr>
+                <a:t>ECA</a:t>
+              </a:r>
+            </a:p>
+          </p:txBody>
+        </p:sp>
+        <p:sp>
+          <p:nvSpPr>
+            <p:cNvPr id="60" name="TextBox 59">
+              <a:extLst>
+                <a:ext uri="{FF2B5EF4-FFF2-40B4-BE49-F238E27FC236}">
+                  <a16:creationId xmlns:a16="http://schemas.microsoft.com/office/drawing/2014/main" id="{7804D59B-FC75-3E03-11A9-58004DE9393A}"/>
+                </a:ext>
+              </a:extLst>
+            </p:cNvPr>
+            <p:cNvSpPr txBox="1"/>
+            <p:nvPr/>
+          </p:nvSpPr>
+          <p:spPr>
+            <a:xfrm rot="18000000">
+              <a:off x="3215192" y="5476933"/>
+              <a:ext cx="1355585" cy="287771"/>
+            </a:xfrm>
+            <a:prstGeom prst="rect">
+              <a:avLst/>
+            </a:prstGeom>
+            <a:noFill/>
+          </p:spPr>
+          <p:txBody>
+            <a:bodyPr wrap="square">
+              <a:spAutoFit/>
+            </a:bodyPr>
+            <a:lstStyle/>
+            <a:p>
+              <a:pPr algn="r"/>
+              <a:r>
+                <a:rPr lang="en-US" sz="1270" i="1" dirty="0" err="1">
+                  <a:latin typeface="Arial" panose="020B0604020202020204" pitchFamily="34" charset="0"/>
+                  <a:cs typeface="Arial" panose="020B0604020202020204" pitchFamily="34" charset="0"/>
+                </a:rPr>
+                <a:t>ProtConn</a:t>
+              </a:r>
+              <a:endParaRPr lang="en-US" sz="1270" i="1" dirty="0">
+                <a:latin typeface="Arial" panose="020B0604020202020204" pitchFamily="34" charset="0"/>
+                <a:cs typeface="Arial" panose="020B0604020202020204" pitchFamily="34" charset="0"/>
+              </a:endParaRPr>
+            </a:p>
+          </p:txBody>
+        </p:sp>
+        <p:sp>
+          <p:nvSpPr>
+            <p:cNvPr id="64" name="TextBox 63">
+              <a:extLst>
+                <a:ext uri="{FF2B5EF4-FFF2-40B4-BE49-F238E27FC236}">
+                  <a16:creationId xmlns:a16="http://schemas.microsoft.com/office/drawing/2014/main" id="{D4D191AB-6BB9-2B61-34E5-EFBA36103B0A}"/>
+                </a:ext>
+              </a:extLst>
+            </p:cNvPr>
+            <p:cNvSpPr txBox="1"/>
+            <p:nvPr/>
+          </p:nvSpPr>
+          <p:spPr>
+            <a:xfrm rot="18000000">
+              <a:off x="1627655" y="5395699"/>
+              <a:ext cx="1191717" cy="287771"/>
+            </a:xfrm>
+            <a:prstGeom prst="rect">
+              <a:avLst/>
+            </a:prstGeom>
+            <a:noFill/>
+          </p:spPr>
+          <p:txBody>
+            <a:bodyPr wrap="square">
+              <a:spAutoFit/>
+            </a:bodyPr>
+            <a:lstStyle/>
+            <a:p>
+              <a:pPr algn="r"/>
+              <a:r>
+                <a:rPr lang="en-US" sz="1270" i="1" dirty="0">
+                  <a:latin typeface="Arial" panose="020B0604020202020204" pitchFamily="34" charset="0"/>
+                  <a:cs typeface="Arial" panose="020B0604020202020204" pitchFamily="34" charset="0"/>
+                </a:rPr>
+                <a:t>BA</a:t>
+              </a:r>
+            </a:p>
+          </p:txBody>
+        </p:sp>
+        <p:sp>
+          <p:nvSpPr>
+            <p:cNvPr id="65" name="TextBox 64">
+              <a:extLst>
+                <a:ext uri="{FF2B5EF4-FFF2-40B4-BE49-F238E27FC236}">
+                  <a16:creationId xmlns:a16="http://schemas.microsoft.com/office/drawing/2014/main" id="{11E028E7-D06D-6141-EB21-9A75B9637951}"/>
+                </a:ext>
+              </a:extLst>
+            </p:cNvPr>
+            <p:cNvSpPr txBox="1"/>
+            <p:nvPr/>
+          </p:nvSpPr>
+          <p:spPr>
+            <a:xfrm rot="18000000">
+              <a:off x="2740531" y="5304658"/>
+              <a:ext cx="965072" cy="287771"/>
+            </a:xfrm>
+            <a:prstGeom prst="rect">
+              <a:avLst/>
+            </a:prstGeom>
+            <a:noFill/>
+          </p:spPr>
+          <p:txBody>
+            <a:bodyPr wrap="square">
+              <a:spAutoFit/>
+            </a:bodyPr>
+            <a:lstStyle/>
+            <a:p>
+              <a:pPr algn="r"/>
+              <a:r>
+                <a:rPr lang="en-US" sz="1270" i="1" dirty="0">
+                  <a:latin typeface="Arial" panose="020B0604020202020204" pitchFamily="34" charset="0"/>
+                  <a:cs typeface="Arial" panose="020B0604020202020204" pitchFamily="34" charset="0"/>
+                </a:rPr>
+                <a:t>AWF</a:t>
+              </a:r>
+            </a:p>
+          </p:txBody>
+        </p:sp>
+        <p:sp>
+          <p:nvSpPr>
+            <p:cNvPr id="66" name="TextBox 65">
+              <a:extLst>
+                <a:ext uri="{FF2B5EF4-FFF2-40B4-BE49-F238E27FC236}">
+                  <a16:creationId xmlns:a16="http://schemas.microsoft.com/office/drawing/2014/main" id="{9E828C0B-4EAA-C405-3570-884FE530D92B}"/>
+                </a:ext>
+              </a:extLst>
+            </p:cNvPr>
+            <p:cNvSpPr txBox="1"/>
+            <p:nvPr/>
+          </p:nvSpPr>
+          <p:spPr>
+            <a:xfrm rot="18000000">
+              <a:off x="3241287" y="5214060"/>
+              <a:ext cx="783691" cy="287771"/>
+            </a:xfrm>
+            <a:prstGeom prst="rect">
+              <a:avLst/>
+            </a:prstGeom>
+            <a:noFill/>
+          </p:spPr>
+          <p:txBody>
+            <a:bodyPr wrap="square">
+              <a:spAutoFit/>
+            </a:bodyPr>
+            <a:lstStyle/>
+            <a:p>
+              <a:pPr algn="r"/>
+              <a:r>
+                <a:rPr lang="en-US" sz="1270" i="1" dirty="0">
+                  <a:latin typeface="Arial" panose="020B0604020202020204" pitchFamily="34" charset="0"/>
+                  <a:cs typeface="Arial" panose="020B0604020202020204" pitchFamily="34" charset="0"/>
+                </a:rPr>
+                <a:t>PC</a:t>
+              </a:r>
+            </a:p>
+          </p:txBody>
+        </p:sp>
+        <p:sp>
+          <p:nvSpPr>
+            <p:cNvPr id="67" name="TextBox 66">
+              <a:extLst>
+                <a:ext uri="{FF2B5EF4-FFF2-40B4-BE49-F238E27FC236}">
+                  <a16:creationId xmlns:a16="http://schemas.microsoft.com/office/drawing/2014/main" id="{FEDAE78D-E226-6958-B8F9-1EA4F7C94A10}"/>
+                </a:ext>
+              </a:extLst>
+            </p:cNvPr>
+            <p:cNvSpPr txBox="1"/>
+            <p:nvPr/>
+          </p:nvSpPr>
+          <p:spPr>
+            <a:xfrm rot="18000000">
+              <a:off x="2162971" y="5296621"/>
+              <a:ext cx="971524" cy="287771"/>
+            </a:xfrm>
+            <a:prstGeom prst="rect">
+              <a:avLst/>
+            </a:prstGeom>
+            <a:noFill/>
+          </p:spPr>
+          <p:txBody>
+            <a:bodyPr wrap="square">
+              <a:spAutoFit/>
+            </a:bodyPr>
+            <a:lstStyle/>
+            <a:p>
+              <a:pPr algn="r"/>
+              <a:r>
+                <a:rPr lang="en-US" sz="1270" i="1" dirty="0">
+                  <a:latin typeface="Arial" panose="020B0604020202020204" pitchFamily="34" charset="0"/>
+                  <a:cs typeface="Arial" panose="020B0604020202020204" pitchFamily="34" charset="0"/>
+                </a:rPr>
+                <a:t>Cohesion</a:t>
               </a:r>
             </a:p>
           </p:txBody>
         </p:sp>
       </p:grpSp>
+      <p:grpSp>
+        <p:nvGrpSpPr>
+          <p:cNvPr id="69" name="Group 68">
+            <a:extLst>
+              <a:ext uri="{FF2B5EF4-FFF2-40B4-BE49-F238E27FC236}">
+                <a16:creationId xmlns:a16="http://schemas.microsoft.com/office/drawing/2014/main" id="{DD8CEFE6-517C-44BD-0270-55F3EF06BE2E}"/>
+              </a:ext>
+            </a:extLst>
+          </p:cNvPr>
+          <p:cNvGrpSpPr/>
+          <p:nvPr/>
+        </p:nvGrpSpPr>
+        <p:grpSpPr>
+          <a:xfrm>
+            <a:off x="4614157" y="4936475"/>
+            <a:ext cx="3037954" cy="1355585"/>
+            <a:chOff x="998916" y="4943026"/>
+            <a:chExt cx="3037954" cy="1355585"/>
+          </a:xfrm>
+        </p:grpSpPr>
+        <p:sp>
+          <p:nvSpPr>
+            <p:cNvPr id="70" name="TextBox 69">
+              <a:extLst>
+                <a:ext uri="{FF2B5EF4-FFF2-40B4-BE49-F238E27FC236}">
+                  <a16:creationId xmlns:a16="http://schemas.microsoft.com/office/drawing/2014/main" id="{90FA1FE5-4160-62EB-4425-E27B45CD6F01}"/>
+                </a:ext>
+              </a:extLst>
+            </p:cNvPr>
+            <p:cNvSpPr txBox="1"/>
+            <p:nvPr/>
+          </p:nvSpPr>
+          <p:spPr>
+            <a:xfrm rot="18000000">
+              <a:off x="1709675" y="5211154"/>
+              <a:ext cx="792326" cy="287771"/>
+            </a:xfrm>
+            <a:prstGeom prst="rect">
+              <a:avLst/>
+            </a:prstGeom>
+            <a:noFill/>
+          </p:spPr>
+          <p:txBody>
+            <a:bodyPr wrap="square">
+              <a:spAutoFit/>
+            </a:bodyPr>
+            <a:lstStyle/>
+            <a:p>
+              <a:pPr algn="r"/>
+              <a:r>
+                <a:rPr lang="en-US" sz="1270" i="1" dirty="0">
+                  <a:latin typeface="Arial" panose="020B0604020202020204" pitchFamily="34" charset="0"/>
+                  <a:cs typeface="Arial" panose="020B0604020202020204" pitchFamily="34" charset="0"/>
+                </a:rPr>
+                <a:t>Degree</a:t>
+              </a:r>
+            </a:p>
+          </p:txBody>
+        </p:sp>
+        <p:sp>
+          <p:nvSpPr>
+            <p:cNvPr id="71" name="TextBox 70">
+              <a:extLst>
+                <a:ext uri="{FF2B5EF4-FFF2-40B4-BE49-F238E27FC236}">
+                  <a16:creationId xmlns:a16="http://schemas.microsoft.com/office/drawing/2014/main" id="{2BC7E938-A570-2D05-7F10-15D8103E5256}"/>
+                </a:ext>
+              </a:extLst>
+            </p:cNvPr>
+            <p:cNvSpPr txBox="1"/>
+            <p:nvPr/>
+          </p:nvSpPr>
+          <p:spPr>
+            <a:xfrm rot="18000000">
+              <a:off x="2545547" y="5289215"/>
+              <a:ext cx="973399" cy="287771"/>
+            </a:xfrm>
+            <a:prstGeom prst="rect">
+              <a:avLst/>
+            </a:prstGeom>
+            <a:noFill/>
+          </p:spPr>
+          <p:txBody>
+            <a:bodyPr wrap="square">
+              <a:spAutoFit/>
+            </a:bodyPr>
+            <a:lstStyle/>
+            <a:p>
+              <a:pPr algn="r"/>
+              <a:r>
+                <a:rPr lang="en-US" sz="1270" i="1" dirty="0" err="1">
+                  <a:latin typeface="Arial" panose="020B0604020202020204" pitchFamily="34" charset="0"/>
+                  <a:cs typeface="Arial" panose="020B0604020202020204" pitchFamily="34" charset="0"/>
+                </a:rPr>
+                <a:t>AWGyrate</a:t>
+              </a:r>
+              <a:endParaRPr lang="en-US" sz="1270" i="1" dirty="0">
+                <a:latin typeface="Arial" panose="020B0604020202020204" pitchFamily="34" charset="0"/>
+                <a:cs typeface="Arial" panose="020B0604020202020204" pitchFamily="34" charset="0"/>
+              </a:endParaRPr>
+            </a:p>
+          </p:txBody>
+        </p:sp>
+        <p:sp>
+          <p:nvSpPr>
+            <p:cNvPr id="72" name="TextBox 71">
+              <a:extLst>
+                <a:ext uri="{FF2B5EF4-FFF2-40B4-BE49-F238E27FC236}">
+                  <a16:creationId xmlns:a16="http://schemas.microsoft.com/office/drawing/2014/main" id="{5E91812F-03D9-5CDA-E6E9-69888A861C9F}"/>
+                </a:ext>
+              </a:extLst>
+            </p:cNvPr>
+            <p:cNvSpPr txBox="1"/>
+            <p:nvPr/>
+          </p:nvSpPr>
+          <p:spPr>
+            <a:xfrm rot="18000000">
+              <a:off x="676777" y="5303920"/>
+              <a:ext cx="932050" cy="287771"/>
+            </a:xfrm>
+            <a:prstGeom prst="rect">
+              <a:avLst/>
+            </a:prstGeom>
+            <a:noFill/>
+          </p:spPr>
+          <p:txBody>
+            <a:bodyPr vert="horz" wrap="square" rtlCol="0">
+              <a:spAutoFit/>
+            </a:bodyPr>
+            <a:lstStyle/>
+            <a:p>
+              <a:pPr algn="r"/>
+              <a:r>
+                <a:rPr lang="en-US" sz="1270" i="1" dirty="0" err="1">
+                  <a:latin typeface="Arial" panose="020B0604020202020204" pitchFamily="34" charset="0"/>
+                  <a:cs typeface="Arial" panose="020B0604020202020204" pitchFamily="34" charset="0"/>
+                </a:rPr>
+                <a:t>Prox</a:t>
+              </a:r>
+              <a:endParaRPr lang="en-US" sz="1270" i="1" dirty="0">
+                <a:latin typeface="Arial" panose="020B0604020202020204" pitchFamily="34" charset="0"/>
+                <a:cs typeface="Arial" panose="020B0604020202020204" pitchFamily="34" charset="0"/>
+              </a:endParaRPr>
+            </a:p>
+          </p:txBody>
+        </p:sp>
+        <p:sp>
+          <p:nvSpPr>
+            <p:cNvPr id="73" name="TextBox 72">
+              <a:extLst>
+                <a:ext uri="{FF2B5EF4-FFF2-40B4-BE49-F238E27FC236}">
+                  <a16:creationId xmlns:a16="http://schemas.microsoft.com/office/drawing/2014/main" id="{3C8039A8-B4E4-9D26-9C15-6E0DBC199220}"/>
+                </a:ext>
+              </a:extLst>
+            </p:cNvPr>
+            <p:cNvSpPr txBox="1"/>
+            <p:nvPr/>
+          </p:nvSpPr>
+          <p:spPr>
+            <a:xfrm rot="18000000">
+              <a:off x="713311" y="5389314"/>
+              <a:ext cx="1156740" cy="287771"/>
+            </a:xfrm>
+            <a:prstGeom prst="rect">
+              <a:avLst/>
+            </a:prstGeom>
+            <a:noFill/>
+          </p:spPr>
+          <p:txBody>
+            <a:bodyPr wrap="square">
+              <a:spAutoFit/>
+            </a:bodyPr>
+            <a:lstStyle/>
+            <a:p>
+              <a:pPr algn="r"/>
+              <a:r>
+                <a:rPr lang="en-US" sz="1270" i="1" dirty="0" err="1">
+                  <a:latin typeface="Arial" panose="020B0604020202020204" pitchFamily="34" charset="0"/>
+                  <a:cs typeface="Arial" panose="020B0604020202020204" pitchFamily="34" charset="0"/>
+                </a:rPr>
+                <a:t>Dist</a:t>
+              </a:r>
+              <a:endParaRPr lang="en-US" sz="1270" i="1" dirty="0">
+                <a:latin typeface="Arial" panose="020B0604020202020204" pitchFamily="34" charset="0"/>
+                <a:cs typeface="Arial" panose="020B0604020202020204" pitchFamily="34" charset="0"/>
+              </a:endParaRPr>
+            </a:p>
+          </p:txBody>
+        </p:sp>
+        <p:sp>
+          <p:nvSpPr>
+            <p:cNvPr id="74" name="TextBox 73">
+              <a:extLst>
+                <a:ext uri="{FF2B5EF4-FFF2-40B4-BE49-F238E27FC236}">
+                  <a16:creationId xmlns:a16="http://schemas.microsoft.com/office/drawing/2014/main" id="{443B36CC-A153-D2E9-8573-E90472801C27}"/>
+                </a:ext>
+              </a:extLst>
+            </p:cNvPr>
+            <p:cNvSpPr txBox="1"/>
+            <p:nvPr/>
+          </p:nvSpPr>
+          <p:spPr>
+            <a:xfrm rot="18000000">
+              <a:off x="855003" y="5412116"/>
+              <a:ext cx="1216053" cy="287771"/>
+            </a:xfrm>
+            <a:prstGeom prst="rect">
+              <a:avLst/>
+            </a:prstGeom>
+            <a:noFill/>
+          </p:spPr>
+          <p:txBody>
+            <a:bodyPr wrap="square">
+              <a:spAutoFit/>
+            </a:bodyPr>
+            <a:lstStyle/>
+            <a:p>
+              <a:pPr algn="r"/>
+              <a:r>
+                <a:rPr lang="en-US" sz="1270" i="1" dirty="0">
+                  <a:latin typeface="Arial" panose="020B0604020202020204" pitchFamily="34" charset="0"/>
+                  <a:cs typeface="Arial" panose="020B0604020202020204" pitchFamily="34" charset="0"/>
+                </a:rPr>
+                <a:t>Compart</a:t>
+              </a:r>
+            </a:p>
+          </p:txBody>
+        </p:sp>
+        <p:sp>
+          <p:nvSpPr>
+            <p:cNvPr id="75" name="TextBox 74">
+              <a:extLst>
+                <a:ext uri="{FF2B5EF4-FFF2-40B4-BE49-F238E27FC236}">
+                  <a16:creationId xmlns:a16="http://schemas.microsoft.com/office/drawing/2014/main" id="{19BF1B19-CDDC-C17D-B624-7AB2C76B2E34}"/>
+                </a:ext>
+              </a:extLst>
+            </p:cNvPr>
+            <p:cNvSpPr txBox="1"/>
+            <p:nvPr/>
+          </p:nvSpPr>
+          <p:spPr>
+            <a:xfrm rot="18000000">
+              <a:off x="1008904" y="5423434"/>
+              <a:ext cx="1240050" cy="287771"/>
+            </a:xfrm>
+            <a:prstGeom prst="rect">
+              <a:avLst/>
+            </a:prstGeom>
+            <a:noFill/>
+          </p:spPr>
+          <p:txBody>
+            <a:bodyPr wrap="square">
+              <a:spAutoFit/>
+            </a:bodyPr>
+            <a:lstStyle/>
+            <a:p>
+              <a:pPr algn="r"/>
+              <a:r>
+                <a:rPr lang="en-US" sz="1270" i="1" dirty="0" err="1">
+                  <a:latin typeface="Arial" panose="020B0604020202020204" pitchFamily="34" charset="0"/>
+                  <a:cs typeface="Arial" panose="020B0604020202020204" pitchFamily="34" charset="0"/>
+                </a:rPr>
+                <a:t>ClusCoeff</a:t>
+              </a:r>
+              <a:endParaRPr lang="en-US" sz="1270" i="1" dirty="0">
+                <a:latin typeface="Arial" panose="020B0604020202020204" pitchFamily="34" charset="0"/>
+                <a:cs typeface="Arial" panose="020B0604020202020204" pitchFamily="34" charset="0"/>
+              </a:endParaRPr>
+            </a:p>
+          </p:txBody>
+        </p:sp>
+        <p:sp>
+          <p:nvSpPr>
+            <p:cNvPr id="76" name="TextBox 75">
+              <a:extLst>
+                <a:ext uri="{FF2B5EF4-FFF2-40B4-BE49-F238E27FC236}">
+                  <a16:creationId xmlns:a16="http://schemas.microsoft.com/office/drawing/2014/main" id="{2CDCA353-6C38-AF97-4200-DCBB29031145}"/>
+                </a:ext>
+              </a:extLst>
+            </p:cNvPr>
+            <p:cNvSpPr txBox="1"/>
+            <p:nvPr/>
+          </p:nvSpPr>
+          <p:spPr>
+            <a:xfrm rot="18000000">
+              <a:off x="1745089" y="5127698"/>
+              <a:ext cx="531098" cy="287771"/>
+            </a:xfrm>
+            <a:prstGeom prst="rect">
+              <a:avLst/>
+            </a:prstGeom>
+            <a:noFill/>
+          </p:spPr>
+          <p:txBody>
+            <a:bodyPr wrap="square">
+              <a:spAutoFit/>
+            </a:bodyPr>
+            <a:lstStyle/>
+            <a:p>
+              <a:pPr algn="r"/>
+              <a:r>
+                <a:rPr lang="en-US" sz="1270" i="1" dirty="0">
+                  <a:latin typeface="Arial" panose="020B0604020202020204" pitchFamily="34" charset="0"/>
+                  <a:cs typeface="Arial" panose="020B0604020202020204" pitchFamily="34" charset="0"/>
+                </a:rPr>
+                <a:t>Flux</a:t>
+              </a:r>
+            </a:p>
+          </p:txBody>
+        </p:sp>
+        <p:sp>
+          <p:nvSpPr>
+            <p:cNvPr id="77" name="TextBox 76">
+              <a:extLst>
+                <a:ext uri="{FF2B5EF4-FFF2-40B4-BE49-F238E27FC236}">
+                  <a16:creationId xmlns:a16="http://schemas.microsoft.com/office/drawing/2014/main" id="{34416973-44FF-59E3-BBE2-CF4F794870F8}"/>
+                </a:ext>
+              </a:extLst>
+            </p:cNvPr>
+            <p:cNvSpPr txBox="1"/>
+            <p:nvPr/>
+          </p:nvSpPr>
+          <p:spPr>
+            <a:xfrm rot="18000000">
+              <a:off x="1967062" y="5308483"/>
+              <a:ext cx="977692" cy="287771"/>
+            </a:xfrm>
+            <a:prstGeom prst="rect">
+              <a:avLst/>
+            </a:prstGeom>
+            <a:noFill/>
+          </p:spPr>
+          <p:txBody>
+            <a:bodyPr wrap="square">
+              <a:spAutoFit/>
+            </a:bodyPr>
+            <a:lstStyle/>
+            <a:p>
+              <a:pPr algn="r"/>
+              <a:r>
+                <a:rPr lang="en-US" sz="1270" i="1" dirty="0">
+                  <a:latin typeface="Arial" panose="020B0604020202020204" pitchFamily="34" charset="0"/>
+                  <a:cs typeface="Arial" panose="020B0604020202020204" pitchFamily="34" charset="0"/>
+                </a:rPr>
+                <a:t>BC</a:t>
+              </a:r>
+            </a:p>
+          </p:txBody>
+        </p:sp>
+        <p:sp>
+          <p:nvSpPr>
+            <p:cNvPr id="78" name="TextBox 77">
+              <a:extLst>
+                <a:ext uri="{FF2B5EF4-FFF2-40B4-BE49-F238E27FC236}">
+                  <a16:creationId xmlns:a16="http://schemas.microsoft.com/office/drawing/2014/main" id="{0358152F-28DB-8E92-D6C2-26543C1086A7}"/>
+                </a:ext>
+              </a:extLst>
+            </p:cNvPr>
+            <p:cNvSpPr txBox="1"/>
+            <p:nvPr/>
+          </p:nvSpPr>
+          <p:spPr>
+            <a:xfrm rot="18000000">
+              <a:off x="2195801" y="5394891"/>
+              <a:ext cx="1172309" cy="287771"/>
+            </a:xfrm>
+            <a:prstGeom prst="rect">
+              <a:avLst/>
+            </a:prstGeom>
+            <a:noFill/>
+          </p:spPr>
+          <p:txBody>
+            <a:bodyPr wrap="square">
+              <a:spAutoFit/>
+            </a:bodyPr>
+            <a:lstStyle/>
+            <a:p>
+              <a:pPr algn="r"/>
+              <a:r>
+                <a:rPr lang="en-US" sz="1270" i="1" dirty="0">
+                  <a:latin typeface="Arial" panose="020B0604020202020204" pitchFamily="34" charset="0"/>
+                  <a:cs typeface="Arial" panose="020B0604020202020204" pitchFamily="34" charset="0"/>
+                </a:rPr>
+                <a:t>Gyrate</a:t>
+              </a:r>
+            </a:p>
+          </p:txBody>
+        </p:sp>
+        <p:sp>
+          <p:nvSpPr>
+            <p:cNvPr id="79" name="TextBox 78">
+              <a:extLst>
+                <a:ext uri="{FF2B5EF4-FFF2-40B4-BE49-F238E27FC236}">
+                  <a16:creationId xmlns:a16="http://schemas.microsoft.com/office/drawing/2014/main" id="{F987B89B-942E-AF95-6490-C2981DC93F5F}"/>
+                </a:ext>
+              </a:extLst>
+            </p:cNvPr>
+            <p:cNvSpPr txBox="1"/>
+            <p:nvPr/>
+          </p:nvSpPr>
+          <p:spPr>
+            <a:xfrm rot="18000000">
+              <a:off x="2760626" y="5390963"/>
+              <a:ext cx="1182011" cy="287771"/>
+            </a:xfrm>
+            <a:prstGeom prst="rect">
+              <a:avLst/>
+            </a:prstGeom>
+            <a:noFill/>
+          </p:spPr>
+          <p:txBody>
+            <a:bodyPr wrap="square">
+              <a:spAutoFit/>
+            </a:bodyPr>
+            <a:lstStyle/>
+            <a:p>
+              <a:pPr algn="r"/>
+              <a:r>
+                <a:rPr lang="en-US" sz="1270" i="1" dirty="0">
+                  <a:latin typeface="Arial" panose="020B0604020202020204" pitchFamily="34" charset="0"/>
+                  <a:cs typeface="Arial" panose="020B0604020202020204" pitchFamily="34" charset="0"/>
+                </a:rPr>
+                <a:t>IIC</a:t>
+              </a:r>
+            </a:p>
+          </p:txBody>
+        </p:sp>
+        <p:sp>
+          <p:nvSpPr>
+            <p:cNvPr id="80" name="TextBox 79">
+              <a:extLst>
+                <a:ext uri="{FF2B5EF4-FFF2-40B4-BE49-F238E27FC236}">
+                  <a16:creationId xmlns:a16="http://schemas.microsoft.com/office/drawing/2014/main" id="{DB427BCF-274F-F0E7-0FDC-ED1D95027DE5}"/>
+                </a:ext>
+              </a:extLst>
+            </p:cNvPr>
+            <p:cNvSpPr txBox="1"/>
+            <p:nvPr/>
+          </p:nvSpPr>
+          <p:spPr>
+            <a:xfrm rot="18000000">
+              <a:off x="3464504" y="5206770"/>
+              <a:ext cx="756934" cy="287771"/>
+            </a:xfrm>
+            <a:prstGeom prst="rect">
+              <a:avLst/>
+            </a:prstGeom>
+            <a:noFill/>
+          </p:spPr>
+          <p:txBody>
+            <a:bodyPr wrap="square">
+              <a:spAutoFit/>
+            </a:bodyPr>
+            <a:lstStyle/>
+            <a:p>
+              <a:pPr algn="r"/>
+              <a:r>
+                <a:rPr lang="en-US" sz="1270" i="1" dirty="0">
+                  <a:latin typeface="Arial" panose="020B0604020202020204" pitchFamily="34" charset="0"/>
+                  <a:cs typeface="Arial" panose="020B0604020202020204" pitchFamily="34" charset="0"/>
+                </a:rPr>
+                <a:t>ECA</a:t>
+              </a:r>
+            </a:p>
+          </p:txBody>
+        </p:sp>
+        <p:sp>
+          <p:nvSpPr>
+            <p:cNvPr id="81" name="TextBox 80">
+              <a:extLst>
+                <a:ext uri="{FF2B5EF4-FFF2-40B4-BE49-F238E27FC236}">
+                  <a16:creationId xmlns:a16="http://schemas.microsoft.com/office/drawing/2014/main" id="{9477B9DB-45DE-E8F5-F8A1-D32D175D8F3A}"/>
+                </a:ext>
+              </a:extLst>
+            </p:cNvPr>
+            <p:cNvSpPr txBox="1"/>
+            <p:nvPr/>
+          </p:nvSpPr>
+          <p:spPr>
+            <a:xfrm rot="18000000">
+              <a:off x="3215192" y="5476933"/>
+              <a:ext cx="1355585" cy="287771"/>
+            </a:xfrm>
+            <a:prstGeom prst="rect">
+              <a:avLst/>
+            </a:prstGeom>
+            <a:noFill/>
+          </p:spPr>
+          <p:txBody>
+            <a:bodyPr wrap="square">
+              <a:spAutoFit/>
+            </a:bodyPr>
+            <a:lstStyle/>
+            <a:p>
+              <a:pPr algn="r"/>
+              <a:r>
+                <a:rPr lang="en-US" sz="1270" i="1" dirty="0" err="1">
+                  <a:latin typeface="Arial" panose="020B0604020202020204" pitchFamily="34" charset="0"/>
+                  <a:cs typeface="Arial" panose="020B0604020202020204" pitchFamily="34" charset="0"/>
+                </a:rPr>
+                <a:t>ProtConn</a:t>
+              </a:r>
+              <a:endParaRPr lang="en-US" sz="1270" i="1" dirty="0">
+                <a:latin typeface="Arial" panose="020B0604020202020204" pitchFamily="34" charset="0"/>
+                <a:cs typeface="Arial" panose="020B0604020202020204" pitchFamily="34" charset="0"/>
+              </a:endParaRPr>
+            </a:p>
+          </p:txBody>
+        </p:sp>
+        <p:sp>
+          <p:nvSpPr>
+            <p:cNvPr id="83" name="TextBox 82">
+              <a:extLst>
+                <a:ext uri="{FF2B5EF4-FFF2-40B4-BE49-F238E27FC236}">
+                  <a16:creationId xmlns:a16="http://schemas.microsoft.com/office/drawing/2014/main" id="{DF75321F-EF58-2FFC-FB7F-C74D941E7ACD}"/>
+                </a:ext>
+              </a:extLst>
+            </p:cNvPr>
+            <p:cNvSpPr txBox="1"/>
+            <p:nvPr/>
+          </p:nvSpPr>
+          <p:spPr>
+            <a:xfrm rot="18000000">
+              <a:off x="1627655" y="5395699"/>
+              <a:ext cx="1191717" cy="287771"/>
+            </a:xfrm>
+            <a:prstGeom prst="rect">
+              <a:avLst/>
+            </a:prstGeom>
+            <a:noFill/>
+          </p:spPr>
+          <p:txBody>
+            <a:bodyPr wrap="square">
+              <a:spAutoFit/>
+            </a:bodyPr>
+            <a:lstStyle/>
+            <a:p>
+              <a:pPr algn="r"/>
+              <a:r>
+                <a:rPr lang="en-US" sz="1270" i="1" dirty="0">
+                  <a:latin typeface="Arial" panose="020B0604020202020204" pitchFamily="34" charset="0"/>
+                  <a:cs typeface="Arial" panose="020B0604020202020204" pitchFamily="34" charset="0"/>
+                </a:rPr>
+                <a:t>BA</a:t>
+              </a:r>
+            </a:p>
+          </p:txBody>
+        </p:sp>
+        <p:sp>
+          <p:nvSpPr>
+            <p:cNvPr id="84" name="TextBox 83">
+              <a:extLst>
+                <a:ext uri="{FF2B5EF4-FFF2-40B4-BE49-F238E27FC236}">
+                  <a16:creationId xmlns:a16="http://schemas.microsoft.com/office/drawing/2014/main" id="{3C6FF07A-1227-B0F0-B08D-44F4867D6796}"/>
+                </a:ext>
+              </a:extLst>
+            </p:cNvPr>
+            <p:cNvSpPr txBox="1"/>
+            <p:nvPr/>
+          </p:nvSpPr>
+          <p:spPr>
+            <a:xfrm rot="18000000">
+              <a:off x="2740531" y="5304658"/>
+              <a:ext cx="965072" cy="287771"/>
+            </a:xfrm>
+            <a:prstGeom prst="rect">
+              <a:avLst/>
+            </a:prstGeom>
+            <a:noFill/>
+          </p:spPr>
+          <p:txBody>
+            <a:bodyPr wrap="square">
+              <a:spAutoFit/>
+            </a:bodyPr>
+            <a:lstStyle/>
+            <a:p>
+              <a:pPr algn="r"/>
+              <a:r>
+                <a:rPr lang="en-US" sz="1270" i="1" dirty="0">
+                  <a:latin typeface="Arial" panose="020B0604020202020204" pitchFamily="34" charset="0"/>
+                  <a:cs typeface="Arial" panose="020B0604020202020204" pitchFamily="34" charset="0"/>
+                </a:rPr>
+                <a:t>AWF</a:t>
+              </a:r>
+            </a:p>
+          </p:txBody>
+        </p:sp>
+        <p:sp>
+          <p:nvSpPr>
+            <p:cNvPr id="85" name="TextBox 84">
+              <a:extLst>
+                <a:ext uri="{FF2B5EF4-FFF2-40B4-BE49-F238E27FC236}">
+                  <a16:creationId xmlns:a16="http://schemas.microsoft.com/office/drawing/2014/main" id="{5BF31B93-CE3C-FF52-E052-E8B31AD26FC8}"/>
+                </a:ext>
+              </a:extLst>
+            </p:cNvPr>
+            <p:cNvSpPr txBox="1"/>
+            <p:nvPr/>
+          </p:nvSpPr>
+          <p:spPr>
+            <a:xfrm rot="18000000">
+              <a:off x="3241287" y="5214060"/>
+              <a:ext cx="783691" cy="287771"/>
+            </a:xfrm>
+            <a:prstGeom prst="rect">
+              <a:avLst/>
+            </a:prstGeom>
+            <a:noFill/>
+          </p:spPr>
+          <p:txBody>
+            <a:bodyPr wrap="square">
+              <a:spAutoFit/>
+            </a:bodyPr>
+            <a:lstStyle/>
+            <a:p>
+              <a:pPr algn="r"/>
+              <a:r>
+                <a:rPr lang="en-US" sz="1270" i="1" dirty="0">
+                  <a:latin typeface="Arial" panose="020B0604020202020204" pitchFamily="34" charset="0"/>
+                  <a:cs typeface="Arial" panose="020B0604020202020204" pitchFamily="34" charset="0"/>
+                </a:rPr>
+                <a:t>PC</a:t>
+              </a:r>
+            </a:p>
+          </p:txBody>
+        </p:sp>
+        <p:sp>
+          <p:nvSpPr>
+            <p:cNvPr id="86" name="TextBox 85">
+              <a:extLst>
+                <a:ext uri="{FF2B5EF4-FFF2-40B4-BE49-F238E27FC236}">
+                  <a16:creationId xmlns:a16="http://schemas.microsoft.com/office/drawing/2014/main" id="{5DA1C0C7-49D9-5A32-C8CE-490F7BC78B50}"/>
+                </a:ext>
+              </a:extLst>
+            </p:cNvPr>
+            <p:cNvSpPr txBox="1"/>
+            <p:nvPr/>
+          </p:nvSpPr>
+          <p:spPr>
+            <a:xfrm rot="18000000">
+              <a:off x="2162971" y="5296621"/>
+              <a:ext cx="971524" cy="287771"/>
+            </a:xfrm>
+            <a:prstGeom prst="rect">
+              <a:avLst/>
+            </a:prstGeom>
+            <a:noFill/>
+          </p:spPr>
+          <p:txBody>
+            <a:bodyPr wrap="square">
+              <a:spAutoFit/>
+            </a:bodyPr>
+            <a:lstStyle/>
+            <a:p>
+              <a:pPr algn="r"/>
+              <a:r>
+                <a:rPr lang="en-US" sz="1270" i="1" dirty="0">
+                  <a:latin typeface="Arial" panose="020B0604020202020204" pitchFamily="34" charset="0"/>
+                  <a:cs typeface="Arial" panose="020B0604020202020204" pitchFamily="34" charset="0"/>
+                </a:rPr>
+                <a:t>Cohesion</a:t>
+              </a:r>
+            </a:p>
+          </p:txBody>
+        </p:sp>
+      </p:grpSp>
+      <p:grpSp>
+        <p:nvGrpSpPr>
+          <p:cNvPr id="87" name="Group 86">
+            <a:extLst>
+              <a:ext uri="{FF2B5EF4-FFF2-40B4-BE49-F238E27FC236}">
+                <a16:creationId xmlns:a16="http://schemas.microsoft.com/office/drawing/2014/main" id="{23B6BB6A-CF24-3D17-64DB-95F44B5D0359}"/>
+              </a:ext>
+            </a:extLst>
+          </p:cNvPr>
+          <p:cNvGrpSpPr/>
+          <p:nvPr/>
+        </p:nvGrpSpPr>
+        <p:grpSpPr>
+          <a:xfrm>
+            <a:off x="8220010" y="4936474"/>
+            <a:ext cx="3037954" cy="1355585"/>
+            <a:chOff x="998916" y="4943026"/>
+            <a:chExt cx="3037954" cy="1355585"/>
+          </a:xfrm>
+        </p:grpSpPr>
+        <p:sp>
+          <p:nvSpPr>
+            <p:cNvPr id="88" name="TextBox 87">
+              <a:extLst>
+                <a:ext uri="{FF2B5EF4-FFF2-40B4-BE49-F238E27FC236}">
+                  <a16:creationId xmlns:a16="http://schemas.microsoft.com/office/drawing/2014/main" id="{CBF638A3-0A41-59F9-F404-F01A8DF1FBC7}"/>
+                </a:ext>
+              </a:extLst>
+            </p:cNvPr>
+            <p:cNvSpPr txBox="1"/>
+            <p:nvPr/>
+          </p:nvSpPr>
+          <p:spPr>
+            <a:xfrm rot="18000000">
+              <a:off x="1709675" y="5211154"/>
+              <a:ext cx="792326" cy="287771"/>
+            </a:xfrm>
+            <a:prstGeom prst="rect">
+              <a:avLst/>
+            </a:prstGeom>
+            <a:noFill/>
+          </p:spPr>
+          <p:txBody>
+            <a:bodyPr wrap="square">
+              <a:spAutoFit/>
+            </a:bodyPr>
+            <a:lstStyle/>
+            <a:p>
+              <a:pPr algn="r"/>
+              <a:r>
+                <a:rPr lang="en-US" sz="1270" i="1" dirty="0">
+                  <a:latin typeface="Arial" panose="020B0604020202020204" pitchFamily="34" charset="0"/>
+                  <a:cs typeface="Arial" panose="020B0604020202020204" pitchFamily="34" charset="0"/>
+                </a:rPr>
+                <a:t>Degree</a:t>
+              </a:r>
+            </a:p>
+          </p:txBody>
+        </p:sp>
+        <p:sp>
+          <p:nvSpPr>
+            <p:cNvPr id="89" name="TextBox 88">
+              <a:extLst>
+                <a:ext uri="{FF2B5EF4-FFF2-40B4-BE49-F238E27FC236}">
+                  <a16:creationId xmlns:a16="http://schemas.microsoft.com/office/drawing/2014/main" id="{D239EC17-D7E5-FD5D-2CF5-097C8D2155B0}"/>
+                </a:ext>
+              </a:extLst>
+            </p:cNvPr>
+            <p:cNvSpPr txBox="1"/>
+            <p:nvPr/>
+          </p:nvSpPr>
+          <p:spPr>
+            <a:xfrm rot="18000000">
+              <a:off x="2545547" y="5289215"/>
+              <a:ext cx="973399" cy="287771"/>
+            </a:xfrm>
+            <a:prstGeom prst="rect">
+              <a:avLst/>
+            </a:prstGeom>
+            <a:noFill/>
+          </p:spPr>
+          <p:txBody>
+            <a:bodyPr wrap="square">
+              <a:spAutoFit/>
+            </a:bodyPr>
+            <a:lstStyle/>
+            <a:p>
+              <a:pPr algn="r"/>
+              <a:r>
+                <a:rPr lang="en-US" sz="1270" i="1" dirty="0" err="1">
+                  <a:latin typeface="Arial" panose="020B0604020202020204" pitchFamily="34" charset="0"/>
+                  <a:cs typeface="Arial" panose="020B0604020202020204" pitchFamily="34" charset="0"/>
+                </a:rPr>
+                <a:t>AWGyrate</a:t>
+              </a:r>
+              <a:endParaRPr lang="en-US" sz="1270" i="1" dirty="0">
+                <a:latin typeface="Arial" panose="020B0604020202020204" pitchFamily="34" charset="0"/>
+                <a:cs typeface="Arial" panose="020B0604020202020204" pitchFamily="34" charset="0"/>
+              </a:endParaRPr>
+            </a:p>
+          </p:txBody>
+        </p:sp>
+        <p:sp>
+          <p:nvSpPr>
+            <p:cNvPr id="90" name="TextBox 89">
+              <a:extLst>
+                <a:ext uri="{FF2B5EF4-FFF2-40B4-BE49-F238E27FC236}">
+                  <a16:creationId xmlns:a16="http://schemas.microsoft.com/office/drawing/2014/main" id="{39E7E928-F8F6-E080-9F53-C8189E24A53C}"/>
+                </a:ext>
+              </a:extLst>
+            </p:cNvPr>
+            <p:cNvSpPr txBox="1"/>
+            <p:nvPr/>
+          </p:nvSpPr>
+          <p:spPr>
+            <a:xfrm rot="18000000">
+              <a:off x="676777" y="5303920"/>
+              <a:ext cx="932050" cy="287771"/>
+            </a:xfrm>
+            <a:prstGeom prst="rect">
+              <a:avLst/>
+            </a:prstGeom>
+            <a:noFill/>
+          </p:spPr>
+          <p:txBody>
+            <a:bodyPr vert="horz" wrap="square" rtlCol="0">
+              <a:spAutoFit/>
+            </a:bodyPr>
+            <a:lstStyle/>
+            <a:p>
+              <a:pPr algn="r"/>
+              <a:r>
+                <a:rPr lang="en-US" sz="1270" i="1" dirty="0" err="1">
+                  <a:latin typeface="Arial" panose="020B0604020202020204" pitchFamily="34" charset="0"/>
+                  <a:cs typeface="Arial" panose="020B0604020202020204" pitchFamily="34" charset="0"/>
+                </a:rPr>
+                <a:t>Prox</a:t>
+              </a:r>
+              <a:endParaRPr lang="en-US" sz="1270" i="1" dirty="0">
+                <a:latin typeface="Arial" panose="020B0604020202020204" pitchFamily="34" charset="0"/>
+                <a:cs typeface="Arial" panose="020B0604020202020204" pitchFamily="34" charset="0"/>
+              </a:endParaRPr>
+            </a:p>
+          </p:txBody>
+        </p:sp>
+        <p:sp>
+          <p:nvSpPr>
+            <p:cNvPr id="91" name="TextBox 90">
+              <a:extLst>
+                <a:ext uri="{FF2B5EF4-FFF2-40B4-BE49-F238E27FC236}">
+                  <a16:creationId xmlns:a16="http://schemas.microsoft.com/office/drawing/2014/main" id="{59DCB27A-0F59-F311-0A06-4F05194DC264}"/>
+                </a:ext>
+              </a:extLst>
+            </p:cNvPr>
+            <p:cNvSpPr txBox="1"/>
+            <p:nvPr/>
+          </p:nvSpPr>
+          <p:spPr>
+            <a:xfrm rot="18000000">
+              <a:off x="713311" y="5389314"/>
+              <a:ext cx="1156740" cy="287771"/>
+            </a:xfrm>
+            <a:prstGeom prst="rect">
+              <a:avLst/>
+            </a:prstGeom>
+            <a:noFill/>
+          </p:spPr>
+          <p:txBody>
+            <a:bodyPr wrap="square">
+              <a:spAutoFit/>
+            </a:bodyPr>
+            <a:lstStyle/>
+            <a:p>
+              <a:pPr algn="r"/>
+              <a:r>
+                <a:rPr lang="en-US" sz="1270" i="1" dirty="0" err="1">
+                  <a:latin typeface="Arial" panose="020B0604020202020204" pitchFamily="34" charset="0"/>
+                  <a:cs typeface="Arial" panose="020B0604020202020204" pitchFamily="34" charset="0"/>
+                </a:rPr>
+                <a:t>Dist</a:t>
+              </a:r>
+              <a:endParaRPr lang="en-US" sz="1270" i="1" dirty="0">
+                <a:latin typeface="Arial" panose="020B0604020202020204" pitchFamily="34" charset="0"/>
+                <a:cs typeface="Arial" panose="020B0604020202020204" pitchFamily="34" charset="0"/>
+              </a:endParaRPr>
+            </a:p>
+          </p:txBody>
+        </p:sp>
+        <p:sp>
+          <p:nvSpPr>
+            <p:cNvPr id="92" name="TextBox 91">
+              <a:extLst>
+                <a:ext uri="{FF2B5EF4-FFF2-40B4-BE49-F238E27FC236}">
+                  <a16:creationId xmlns:a16="http://schemas.microsoft.com/office/drawing/2014/main" id="{0FFB8500-F39C-4F07-9719-3F4F1187638A}"/>
+                </a:ext>
+              </a:extLst>
+            </p:cNvPr>
+            <p:cNvSpPr txBox="1"/>
+            <p:nvPr/>
+          </p:nvSpPr>
+          <p:spPr>
+            <a:xfrm rot="18000000">
+              <a:off x="855003" y="5412116"/>
+              <a:ext cx="1216053" cy="287771"/>
+            </a:xfrm>
+            <a:prstGeom prst="rect">
+              <a:avLst/>
+            </a:prstGeom>
+            <a:noFill/>
+          </p:spPr>
+          <p:txBody>
+            <a:bodyPr wrap="square">
+              <a:spAutoFit/>
+            </a:bodyPr>
+            <a:lstStyle/>
+            <a:p>
+              <a:pPr algn="r"/>
+              <a:r>
+                <a:rPr lang="en-US" sz="1270" i="1" dirty="0">
+                  <a:latin typeface="Arial" panose="020B0604020202020204" pitchFamily="34" charset="0"/>
+                  <a:cs typeface="Arial" panose="020B0604020202020204" pitchFamily="34" charset="0"/>
+                </a:rPr>
+                <a:t>Compart</a:t>
+              </a:r>
+            </a:p>
+          </p:txBody>
+        </p:sp>
+        <p:sp>
+          <p:nvSpPr>
+            <p:cNvPr id="93" name="TextBox 92">
+              <a:extLst>
+                <a:ext uri="{FF2B5EF4-FFF2-40B4-BE49-F238E27FC236}">
+                  <a16:creationId xmlns:a16="http://schemas.microsoft.com/office/drawing/2014/main" id="{9EB74C65-5393-A31F-B0C8-4745223EC711}"/>
+                </a:ext>
+              </a:extLst>
+            </p:cNvPr>
+            <p:cNvSpPr txBox="1"/>
+            <p:nvPr/>
+          </p:nvSpPr>
+          <p:spPr>
+            <a:xfrm rot="18000000">
+              <a:off x="1008904" y="5423434"/>
+              <a:ext cx="1240050" cy="287771"/>
+            </a:xfrm>
+            <a:prstGeom prst="rect">
+              <a:avLst/>
+            </a:prstGeom>
+            <a:noFill/>
+          </p:spPr>
+          <p:txBody>
+            <a:bodyPr wrap="square">
+              <a:spAutoFit/>
+            </a:bodyPr>
+            <a:lstStyle/>
+            <a:p>
+              <a:pPr algn="r"/>
+              <a:r>
+                <a:rPr lang="en-US" sz="1270" i="1" dirty="0" err="1">
+                  <a:latin typeface="Arial" panose="020B0604020202020204" pitchFamily="34" charset="0"/>
+                  <a:cs typeface="Arial" panose="020B0604020202020204" pitchFamily="34" charset="0"/>
+                </a:rPr>
+                <a:t>ClusCoeff</a:t>
+              </a:r>
+              <a:endParaRPr lang="en-US" sz="1270" i="1" dirty="0">
+                <a:latin typeface="Arial" panose="020B0604020202020204" pitchFamily="34" charset="0"/>
+                <a:cs typeface="Arial" panose="020B0604020202020204" pitchFamily="34" charset="0"/>
+              </a:endParaRPr>
+            </a:p>
+          </p:txBody>
+        </p:sp>
+        <p:sp>
+          <p:nvSpPr>
+            <p:cNvPr id="94" name="TextBox 93">
+              <a:extLst>
+                <a:ext uri="{FF2B5EF4-FFF2-40B4-BE49-F238E27FC236}">
+                  <a16:creationId xmlns:a16="http://schemas.microsoft.com/office/drawing/2014/main" id="{9C8C74DB-1264-9B29-8DEB-00477C6B8D47}"/>
+                </a:ext>
+              </a:extLst>
+            </p:cNvPr>
+            <p:cNvSpPr txBox="1"/>
+            <p:nvPr/>
+          </p:nvSpPr>
+          <p:spPr>
+            <a:xfrm rot="18000000">
+              <a:off x="1745089" y="5127698"/>
+              <a:ext cx="531098" cy="287771"/>
+            </a:xfrm>
+            <a:prstGeom prst="rect">
+              <a:avLst/>
+            </a:prstGeom>
+            <a:noFill/>
+          </p:spPr>
+          <p:txBody>
+            <a:bodyPr wrap="square">
+              <a:spAutoFit/>
+            </a:bodyPr>
+            <a:lstStyle/>
+            <a:p>
+              <a:pPr algn="r"/>
+              <a:r>
+                <a:rPr lang="en-US" sz="1270" i="1" dirty="0">
+                  <a:latin typeface="Arial" panose="020B0604020202020204" pitchFamily="34" charset="0"/>
+                  <a:cs typeface="Arial" panose="020B0604020202020204" pitchFamily="34" charset="0"/>
+                </a:rPr>
+                <a:t>Flux</a:t>
+              </a:r>
+            </a:p>
+          </p:txBody>
+        </p:sp>
+        <p:sp>
+          <p:nvSpPr>
+            <p:cNvPr id="95" name="TextBox 94">
+              <a:extLst>
+                <a:ext uri="{FF2B5EF4-FFF2-40B4-BE49-F238E27FC236}">
+                  <a16:creationId xmlns:a16="http://schemas.microsoft.com/office/drawing/2014/main" id="{C69D2223-4674-7CBD-057A-23CDDD96AEDD}"/>
+                </a:ext>
+              </a:extLst>
+            </p:cNvPr>
+            <p:cNvSpPr txBox="1"/>
+            <p:nvPr/>
+          </p:nvSpPr>
+          <p:spPr>
+            <a:xfrm rot="18000000">
+              <a:off x="1967062" y="5308483"/>
+              <a:ext cx="977692" cy="287771"/>
+            </a:xfrm>
+            <a:prstGeom prst="rect">
+              <a:avLst/>
+            </a:prstGeom>
+            <a:noFill/>
+          </p:spPr>
+          <p:txBody>
+            <a:bodyPr wrap="square">
+              <a:spAutoFit/>
+            </a:bodyPr>
+            <a:lstStyle/>
+            <a:p>
+              <a:pPr algn="r"/>
+              <a:r>
+                <a:rPr lang="en-US" sz="1270" i="1" dirty="0">
+                  <a:latin typeface="Arial" panose="020B0604020202020204" pitchFamily="34" charset="0"/>
+                  <a:cs typeface="Arial" panose="020B0604020202020204" pitchFamily="34" charset="0"/>
+                </a:rPr>
+                <a:t>BC</a:t>
+              </a:r>
+            </a:p>
+          </p:txBody>
+        </p:sp>
+        <p:sp>
+          <p:nvSpPr>
+            <p:cNvPr id="96" name="TextBox 95">
+              <a:extLst>
+                <a:ext uri="{FF2B5EF4-FFF2-40B4-BE49-F238E27FC236}">
+                  <a16:creationId xmlns:a16="http://schemas.microsoft.com/office/drawing/2014/main" id="{A612CB3D-0C8A-5D05-AF32-8D8EA533DDE4}"/>
+                </a:ext>
+              </a:extLst>
+            </p:cNvPr>
+            <p:cNvSpPr txBox="1"/>
+            <p:nvPr/>
+          </p:nvSpPr>
+          <p:spPr>
+            <a:xfrm rot="18000000">
+              <a:off x="2195801" y="5394891"/>
+              <a:ext cx="1172309" cy="287771"/>
+            </a:xfrm>
+            <a:prstGeom prst="rect">
+              <a:avLst/>
+            </a:prstGeom>
+            <a:noFill/>
+          </p:spPr>
+          <p:txBody>
+            <a:bodyPr wrap="square">
+              <a:spAutoFit/>
+            </a:bodyPr>
+            <a:lstStyle/>
+            <a:p>
+              <a:pPr algn="r"/>
+              <a:r>
+                <a:rPr lang="en-US" sz="1270" i="1" dirty="0">
+                  <a:latin typeface="Arial" panose="020B0604020202020204" pitchFamily="34" charset="0"/>
+                  <a:cs typeface="Arial" panose="020B0604020202020204" pitchFamily="34" charset="0"/>
+                </a:rPr>
+                <a:t>Gyrate</a:t>
+              </a:r>
+            </a:p>
+          </p:txBody>
+        </p:sp>
+        <p:sp>
+          <p:nvSpPr>
+            <p:cNvPr id="97" name="TextBox 96">
+              <a:extLst>
+                <a:ext uri="{FF2B5EF4-FFF2-40B4-BE49-F238E27FC236}">
+                  <a16:creationId xmlns:a16="http://schemas.microsoft.com/office/drawing/2014/main" id="{A416DCED-09BE-2BE7-2F06-C69633841743}"/>
+                </a:ext>
+              </a:extLst>
+            </p:cNvPr>
+            <p:cNvSpPr txBox="1"/>
+            <p:nvPr/>
+          </p:nvSpPr>
+          <p:spPr>
+            <a:xfrm rot="18000000">
+              <a:off x="2760626" y="5390963"/>
+              <a:ext cx="1182011" cy="287771"/>
+            </a:xfrm>
+            <a:prstGeom prst="rect">
+              <a:avLst/>
+            </a:prstGeom>
+            <a:noFill/>
+          </p:spPr>
+          <p:txBody>
+            <a:bodyPr wrap="square">
+              <a:spAutoFit/>
+            </a:bodyPr>
+            <a:lstStyle/>
+            <a:p>
+              <a:pPr algn="r"/>
+              <a:r>
+                <a:rPr lang="en-US" sz="1270" i="1" dirty="0">
+                  <a:latin typeface="Arial" panose="020B0604020202020204" pitchFamily="34" charset="0"/>
+                  <a:cs typeface="Arial" panose="020B0604020202020204" pitchFamily="34" charset="0"/>
+                </a:rPr>
+                <a:t>IIC</a:t>
+              </a:r>
+            </a:p>
+          </p:txBody>
+        </p:sp>
+        <p:sp>
+          <p:nvSpPr>
+            <p:cNvPr id="98" name="TextBox 97">
+              <a:extLst>
+                <a:ext uri="{FF2B5EF4-FFF2-40B4-BE49-F238E27FC236}">
+                  <a16:creationId xmlns:a16="http://schemas.microsoft.com/office/drawing/2014/main" id="{A93C9958-A8A9-EEB5-0C21-22652DDD2F50}"/>
+                </a:ext>
+              </a:extLst>
+            </p:cNvPr>
+            <p:cNvSpPr txBox="1"/>
+            <p:nvPr/>
+          </p:nvSpPr>
+          <p:spPr>
+            <a:xfrm rot="18000000">
+              <a:off x="3464504" y="5206770"/>
+              <a:ext cx="756934" cy="287771"/>
+            </a:xfrm>
+            <a:prstGeom prst="rect">
+              <a:avLst/>
+            </a:prstGeom>
+            <a:noFill/>
+          </p:spPr>
+          <p:txBody>
+            <a:bodyPr wrap="square">
+              <a:spAutoFit/>
+            </a:bodyPr>
+            <a:lstStyle/>
+            <a:p>
+              <a:pPr algn="r"/>
+              <a:r>
+                <a:rPr lang="en-US" sz="1270" i="1" dirty="0">
+                  <a:latin typeface="Arial" panose="020B0604020202020204" pitchFamily="34" charset="0"/>
+                  <a:cs typeface="Arial" panose="020B0604020202020204" pitchFamily="34" charset="0"/>
+                </a:rPr>
+                <a:t>ECA</a:t>
+              </a:r>
+            </a:p>
+          </p:txBody>
+        </p:sp>
+        <p:sp>
+          <p:nvSpPr>
+            <p:cNvPr id="99" name="TextBox 98">
+              <a:extLst>
+                <a:ext uri="{FF2B5EF4-FFF2-40B4-BE49-F238E27FC236}">
+                  <a16:creationId xmlns:a16="http://schemas.microsoft.com/office/drawing/2014/main" id="{F9C9BA4A-4D3A-EFE5-7983-3AEA84684966}"/>
+                </a:ext>
+              </a:extLst>
+            </p:cNvPr>
+            <p:cNvSpPr txBox="1"/>
+            <p:nvPr/>
+          </p:nvSpPr>
+          <p:spPr>
+            <a:xfrm rot="18000000">
+              <a:off x="3215192" y="5476933"/>
+              <a:ext cx="1355585" cy="287771"/>
+            </a:xfrm>
+            <a:prstGeom prst="rect">
+              <a:avLst/>
+            </a:prstGeom>
+            <a:noFill/>
+          </p:spPr>
+          <p:txBody>
+            <a:bodyPr wrap="square">
+              <a:spAutoFit/>
+            </a:bodyPr>
+            <a:lstStyle/>
+            <a:p>
+              <a:pPr algn="r"/>
+              <a:r>
+                <a:rPr lang="en-US" sz="1270" i="1" dirty="0" err="1">
+                  <a:latin typeface="Arial" panose="020B0604020202020204" pitchFamily="34" charset="0"/>
+                  <a:cs typeface="Arial" panose="020B0604020202020204" pitchFamily="34" charset="0"/>
+                </a:rPr>
+                <a:t>ProtConn</a:t>
+              </a:r>
+              <a:endParaRPr lang="en-US" sz="1270" i="1" dirty="0">
+                <a:latin typeface="Arial" panose="020B0604020202020204" pitchFamily="34" charset="0"/>
+                <a:cs typeface="Arial" panose="020B0604020202020204" pitchFamily="34" charset="0"/>
+              </a:endParaRPr>
+            </a:p>
+          </p:txBody>
+        </p:sp>
+        <p:sp>
+          <p:nvSpPr>
+            <p:cNvPr id="101" name="TextBox 100">
+              <a:extLst>
+                <a:ext uri="{FF2B5EF4-FFF2-40B4-BE49-F238E27FC236}">
+                  <a16:creationId xmlns:a16="http://schemas.microsoft.com/office/drawing/2014/main" id="{E6E8E12F-D17A-1721-4240-AF98D1FB0707}"/>
+                </a:ext>
+              </a:extLst>
+            </p:cNvPr>
+            <p:cNvSpPr txBox="1"/>
+            <p:nvPr/>
+          </p:nvSpPr>
+          <p:spPr>
+            <a:xfrm rot="18000000">
+              <a:off x="1627655" y="5395699"/>
+              <a:ext cx="1191717" cy="287771"/>
+            </a:xfrm>
+            <a:prstGeom prst="rect">
+              <a:avLst/>
+            </a:prstGeom>
+            <a:noFill/>
+          </p:spPr>
+          <p:txBody>
+            <a:bodyPr wrap="square">
+              <a:spAutoFit/>
+            </a:bodyPr>
+            <a:lstStyle/>
+            <a:p>
+              <a:pPr algn="r"/>
+              <a:r>
+                <a:rPr lang="en-US" sz="1270" i="1" dirty="0">
+                  <a:latin typeface="Arial" panose="020B0604020202020204" pitchFamily="34" charset="0"/>
+                  <a:cs typeface="Arial" panose="020B0604020202020204" pitchFamily="34" charset="0"/>
+                </a:rPr>
+                <a:t>BA</a:t>
+              </a:r>
+            </a:p>
+          </p:txBody>
+        </p:sp>
+        <p:sp>
+          <p:nvSpPr>
+            <p:cNvPr id="102" name="TextBox 101">
+              <a:extLst>
+                <a:ext uri="{FF2B5EF4-FFF2-40B4-BE49-F238E27FC236}">
+                  <a16:creationId xmlns:a16="http://schemas.microsoft.com/office/drawing/2014/main" id="{EEBE7EA0-A2D2-C82C-2464-2F95E419C667}"/>
+                </a:ext>
+              </a:extLst>
+            </p:cNvPr>
+            <p:cNvSpPr txBox="1"/>
+            <p:nvPr/>
+          </p:nvSpPr>
+          <p:spPr>
+            <a:xfrm rot="18000000">
+              <a:off x="2740531" y="5304658"/>
+              <a:ext cx="965072" cy="287771"/>
+            </a:xfrm>
+            <a:prstGeom prst="rect">
+              <a:avLst/>
+            </a:prstGeom>
+            <a:noFill/>
+          </p:spPr>
+          <p:txBody>
+            <a:bodyPr wrap="square">
+              <a:spAutoFit/>
+            </a:bodyPr>
+            <a:lstStyle/>
+            <a:p>
+              <a:pPr algn="r"/>
+              <a:r>
+                <a:rPr lang="en-US" sz="1270" i="1" dirty="0">
+                  <a:latin typeface="Arial" panose="020B0604020202020204" pitchFamily="34" charset="0"/>
+                  <a:cs typeface="Arial" panose="020B0604020202020204" pitchFamily="34" charset="0"/>
+                </a:rPr>
+                <a:t>AWF</a:t>
+              </a:r>
+            </a:p>
+          </p:txBody>
+        </p:sp>
+        <p:sp>
+          <p:nvSpPr>
+            <p:cNvPr id="103" name="TextBox 102">
+              <a:extLst>
+                <a:ext uri="{FF2B5EF4-FFF2-40B4-BE49-F238E27FC236}">
+                  <a16:creationId xmlns:a16="http://schemas.microsoft.com/office/drawing/2014/main" id="{94C617AC-8A06-84ED-6EE7-E73C1DCF83E1}"/>
+                </a:ext>
+              </a:extLst>
+            </p:cNvPr>
+            <p:cNvSpPr txBox="1"/>
+            <p:nvPr/>
+          </p:nvSpPr>
+          <p:spPr>
+            <a:xfrm rot="18000000">
+              <a:off x="3241287" y="5214060"/>
+              <a:ext cx="783691" cy="287771"/>
+            </a:xfrm>
+            <a:prstGeom prst="rect">
+              <a:avLst/>
+            </a:prstGeom>
+            <a:noFill/>
+          </p:spPr>
+          <p:txBody>
+            <a:bodyPr wrap="square">
+              <a:spAutoFit/>
+            </a:bodyPr>
+            <a:lstStyle/>
+            <a:p>
+              <a:pPr algn="r"/>
+              <a:r>
+                <a:rPr lang="en-US" sz="1270" i="1" dirty="0">
+                  <a:latin typeface="Arial" panose="020B0604020202020204" pitchFamily="34" charset="0"/>
+                  <a:cs typeface="Arial" panose="020B0604020202020204" pitchFamily="34" charset="0"/>
+                </a:rPr>
+                <a:t>PC</a:t>
+              </a:r>
+            </a:p>
+          </p:txBody>
+        </p:sp>
+        <p:sp>
+          <p:nvSpPr>
+            <p:cNvPr id="104" name="TextBox 103">
+              <a:extLst>
+                <a:ext uri="{FF2B5EF4-FFF2-40B4-BE49-F238E27FC236}">
+                  <a16:creationId xmlns:a16="http://schemas.microsoft.com/office/drawing/2014/main" id="{61A8D0C8-0091-23F1-56C3-80345E2B8469}"/>
+                </a:ext>
+              </a:extLst>
+            </p:cNvPr>
+            <p:cNvSpPr txBox="1"/>
+            <p:nvPr/>
+          </p:nvSpPr>
+          <p:spPr>
+            <a:xfrm rot="18000000">
+              <a:off x="2162971" y="5296621"/>
+              <a:ext cx="971524" cy="287771"/>
+            </a:xfrm>
+            <a:prstGeom prst="rect">
+              <a:avLst/>
+            </a:prstGeom>
+            <a:noFill/>
+          </p:spPr>
+          <p:txBody>
+            <a:bodyPr wrap="square">
+              <a:spAutoFit/>
+            </a:bodyPr>
+            <a:lstStyle/>
+            <a:p>
+              <a:pPr algn="r"/>
+              <a:r>
+                <a:rPr lang="en-US" sz="1270" i="1" dirty="0">
+                  <a:latin typeface="Arial" panose="020B0604020202020204" pitchFamily="34" charset="0"/>
+                  <a:cs typeface="Arial" panose="020B0604020202020204" pitchFamily="34" charset="0"/>
+                </a:rPr>
+                <a:t>Cohesion</a:t>
+              </a:r>
+            </a:p>
+          </p:txBody>
+        </p:sp>
+      </p:grpSp>
+      <p:pic>
+        <p:nvPicPr>
+          <p:cNvPr id="10" name="Picture 9" descr="A diagram of a graph&#10;&#10;Description automatically generated">
+            <a:extLst>
+              <a:ext uri="{FF2B5EF4-FFF2-40B4-BE49-F238E27FC236}">
+                <a16:creationId xmlns:a16="http://schemas.microsoft.com/office/drawing/2014/main" id="{194759B8-DDCC-56C9-293B-B5A5E89D25D8}"/>
+              </a:ext>
+            </a:extLst>
+          </p:cNvPr>
+          <p:cNvPicPr>
+            <a:picLocks noChangeAspect="1"/>
+          </p:cNvPicPr>
+          <p:nvPr/>
+        </p:nvPicPr>
+        <p:blipFill rotWithShape="1">
+          <a:blip r:embed="rId4">
+            <a:extLst>
+              <a:ext uri="{28A0092B-C50C-407E-A947-70E740481C1C}">
+                <a14:useLocalDpi xmlns:a14="http://schemas.microsoft.com/office/drawing/2010/main" val="0"/>
+              </a:ext>
+            </a:extLst>
+          </a:blip>
+          <a:srcRect l="10607" b="7640"/>
+          <a:stretch/>
+        </p:blipFill>
+        <p:spPr>
+          <a:xfrm>
+            <a:off x="1233373" y="1754101"/>
+            <a:ext cx="3305784" cy="3300984"/>
+          </a:xfrm>
+          <a:prstGeom prst="rect">
+            <a:avLst/>
+          </a:prstGeom>
+        </p:spPr>
+      </p:pic>
+      <p:pic>
+        <p:nvPicPr>
+          <p:cNvPr id="14" name="Picture 13" descr="A pixelated triangle with blue and white dots&#10;&#10;Description automatically generated">
+            <a:extLst>
+              <a:ext uri="{FF2B5EF4-FFF2-40B4-BE49-F238E27FC236}">
+                <a16:creationId xmlns:a16="http://schemas.microsoft.com/office/drawing/2014/main" id="{60D8B6ED-A91E-C144-49FD-F7A4B622530B}"/>
+              </a:ext>
+            </a:extLst>
+          </p:cNvPr>
+          <p:cNvPicPr>
+            <a:picLocks noChangeAspect="1"/>
+          </p:cNvPicPr>
+          <p:nvPr/>
+        </p:nvPicPr>
+        <p:blipFill>
+          <a:blip r:embed="rId5">
+            <a:extLst>
+              <a:ext uri="{28A0092B-C50C-407E-A947-70E740481C1C}">
+                <a14:useLocalDpi xmlns:a14="http://schemas.microsoft.com/office/drawing/2010/main" val="0"/>
+              </a:ext>
+            </a:extLst>
+          </a:blip>
+          <a:stretch>
+            <a:fillRect/>
+          </a:stretch>
+        </p:blipFill>
+        <p:spPr>
+          <a:xfrm>
+            <a:off x="4834107" y="1751353"/>
+            <a:ext cx="3091707" cy="3291840"/>
+          </a:xfrm>
+          <a:prstGeom prst="rect">
+            <a:avLst/>
+          </a:prstGeom>
+        </p:spPr>
+      </p:pic>
+      <p:pic>
+        <p:nvPicPr>
+          <p:cNvPr id="17" name="Picture 16" descr="A white square with blue and red dots&#10;&#10;Description automatically generated">
+            <a:extLst>
+              <a:ext uri="{FF2B5EF4-FFF2-40B4-BE49-F238E27FC236}">
+                <a16:creationId xmlns:a16="http://schemas.microsoft.com/office/drawing/2014/main" id="{EF7AD240-50F2-9FF7-AFEA-FD394C0DB0EA}"/>
+              </a:ext>
+            </a:extLst>
+          </p:cNvPr>
+          <p:cNvPicPr>
+            <a:picLocks noChangeAspect="1"/>
+          </p:cNvPicPr>
+          <p:nvPr/>
+        </p:nvPicPr>
+        <p:blipFill rotWithShape="1">
+          <a:blip r:embed="rId6">
+            <a:extLst>
+              <a:ext uri="{28A0092B-C50C-407E-A947-70E740481C1C}">
+                <a14:useLocalDpi xmlns:a14="http://schemas.microsoft.com/office/drawing/2010/main" val="0"/>
+              </a:ext>
+            </a:extLst>
+          </a:blip>
+          <a:srcRect l="10665" b="8321"/>
+          <a:stretch/>
+        </p:blipFill>
+        <p:spPr>
+          <a:xfrm>
+            <a:off x="8453692" y="1761112"/>
+            <a:ext cx="3328107" cy="3300984"/>
+          </a:xfrm>
+          <a:prstGeom prst="rect">
+            <a:avLst/>
+          </a:prstGeom>
+        </p:spPr>
+      </p:pic>
     </p:spTree>
     <p:extLst>
       <p:ext uri="{BB962C8B-B14F-4D97-AF65-F5344CB8AC3E}">
-        <p14:creationId xmlns:p14="http://schemas.microsoft.com/office/powerpoint/2010/main" val="1460066110"/>
+        <p14:creationId xmlns:p14="http://schemas.microsoft.com/office/powerpoint/2010/main" val="2854100765"/>
       </p:ext>
     </p:extLst>
   </p:cSld>
@@ -4359,6 +9615,497 @@
       </p:grpSpPr>
       <p:grpSp>
         <p:nvGrpSpPr>
+          <p:cNvPr id="2" name="Group 1">
+            <a:extLst>
+              <a:ext uri="{FF2B5EF4-FFF2-40B4-BE49-F238E27FC236}">
+                <a16:creationId xmlns:a16="http://schemas.microsoft.com/office/drawing/2014/main" id="{7EE33FC8-BF4D-B406-018D-02CEB35DD1EB}"/>
+              </a:ext>
+            </a:extLst>
+          </p:cNvPr>
+          <p:cNvGrpSpPr/>
+          <p:nvPr/>
+        </p:nvGrpSpPr>
+        <p:grpSpPr>
+          <a:xfrm>
+            <a:off x="26135" y="10048"/>
+            <a:ext cx="5239547" cy="6837899"/>
+            <a:chOff x="26135" y="10048"/>
+            <a:chExt cx="5239547" cy="6837899"/>
+          </a:xfrm>
+        </p:grpSpPr>
+        <p:pic>
+          <p:nvPicPr>
+            <p:cNvPr id="5" name="Picture 4">
+              <a:extLst>
+                <a:ext uri="{FF2B5EF4-FFF2-40B4-BE49-F238E27FC236}">
+                  <a16:creationId xmlns:a16="http://schemas.microsoft.com/office/drawing/2014/main" id="{9CFB7D4F-ED6A-4A5D-A0EB-0F74BB123EBD}"/>
+                </a:ext>
+              </a:extLst>
+            </p:cNvPr>
+            <p:cNvPicPr>
+              <a:picLocks noChangeAspect="1"/>
+            </p:cNvPicPr>
+            <p:nvPr/>
+          </p:nvPicPr>
+          <p:blipFill rotWithShape="1">
+            <a:blip r:embed="rId2">
+              <a:extLst>
+                <a:ext uri="{28A0092B-C50C-407E-A947-70E740481C1C}">
+                  <a14:useLocalDpi xmlns:a14="http://schemas.microsoft.com/office/drawing/2010/main" val="0"/>
+                </a:ext>
+              </a:extLst>
+            </a:blip>
+            <a:srcRect l="361" r="768" b="293"/>
+            <a:stretch/>
+          </p:blipFill>
+          <p:spPr>
+            <a:xfrm>
+              <a:off x="26135" y="10048"/>
+              <a:ext cx="5239547" cy="6837899"/>
+            </a:xfrm>
+            <a:prstGeom prst="rect">
+              <a:avLst/>
+            </a:prstGeom>
+            <a:solidFill>
+              <a:schemeClr val="tx1"/>
+            </a:solidFill>
+            <a:ln>
+              <a:solidFill>
+                <a:schemeClr val="tx1"/>
+              </a:solidFill>
+            </a:ln>
+          </p:spPr>
+        </p:pic>
+        <p:pic>
+          <p:nvPicPr>
+            <p:cNvPr id="7" name="Picture 6">
+              <a:extLst>
+                <a:ext uri="{FF2B5EF4-FFF2-40B4-BE49-F238E27FC236}">
+                  <a16:creationId xmlns:a16="http://schemas.microsoft.com/office/drawing/2014/main" id="{14FF3B48-687A-45BB-B193-8A180C554F6C}"/>
+                </a:ext>
+              </a:extLst>
+            </p:cNvPr>
+            <p:cNvPicPr>
+              <a:picLocks noChangeAspect="1"/>
+            </p:cNvPicPr>
+            <p:nvPr/>
+          </p:nvPicPr>
+          <p:blipFill>
+            <a:blip r:embed="rId3">
+              <a:extLst>
+                <a:ext uri="{28A0092B-C50C-407E-A947-70E740481C1C}">
+                  <a14:useLocalDpi xmlns:a14="http://schemas.microsoft.com/office/drawing/2010/main" val="0"/>
+                </a:ext>
+              </a:extLst>
+            </a:blip>
+            <a:stretch>
+              <a:fillRect/>
+            </a:stretch>
+          </p:blipFill>
+          <p:spPr>
+            <a:xfrm>
+              <a:off x="297983" y="10053"/>
+              <a:ext cx="2120166" cy="1909182"/>
+            </a:xfrm>
+            <a:prstGeom prst="rect">
+              <a:avLst/>
+            </a:prstGeom>
+            <a:ln>
+              <a:noFill/>
+            </a:ln>
+          </p:spPr>
+        </p:pic>
+        <p:sp>
+          <p:nvSpPr>
+            <p:cNvPr id="8" name="TextBox 7">
+              <a:extLst>
+                <a:ext uri="{FF2B5EF4-FFF2-40B4-BE49-F238E27FC236}">
+                  <a16:creationId xmlns:a16="http://schemas.microsoft.com/office/drawing/2014/main" id="{24A85056-1C2D-4003-A703-097D082AC3FA}"/>
+                </a:ext>
+              </a:extLst>
+            </p:cNvPr>
+            <p:cNvSpPr txBox="1"/>
+            <p:nvPr/>
+          </p:nvSpPr>
+          <p:spPr>
+            <a:xfrm>
+              <a:off x="775759" y="1919235"/>
+              <a:ext cx="1164614" cy="276999"/>
+            </a:xfrm>
+            <a:prstGeom prst="rect">
+              <a:avLst/>
+            </a:prstGeom>
+            <a:noFill/>
+          </p:spPr>
+          <p:txBody>
+            <a:bodyPr wrap="none" rtlCol="0">
+              <a:spAutoFit/>
+            </a:bodyPr>
+            <a:lstStyle/>
+            <a:p>
+              <a:r>
+                <a:rPr lang="en-US" sz="1200" dirty="0">
+                  <a:solidFill>
+                    <a:schemeClr val="tx1">
+                      <a:lumMod val="75000"/>
+                      <a:lumOff val="25000"/>
+                    </a:schemeClr>
+                  </a:solidFill>
+                  <a:latin typeface="Arial" panose="020B0604020202020204" pitchFamily="34" charset="0"/>
+                  <a:cs typeface="Arial" panose="020B0604020202020204" pitchFamily="34" charset="0"/>
+                </a:rPr>
+                <a:t>PA Area (km</a:t>
+              </a:r>
+              <a:r>
+                <a:rPr lang="en-US" sz="1200" baseline="30000" dirty="0">
+                  <a:solidFill>
+                    <a:schemeClr val="tx1">
+                      <a:lumMod val="75000"/>
+                      <a:lumOff val="25000"/>
+                    </a:schemeClr>
+                  </a:solidFill>
+                  <a:latin typeface="Arial" panose="020B0604020202020204" pitchFamily="34" charset="0"/>
+                  <a:cs typeface="Arial" panose="020B0604020202020204" pitchFamily="34" charset="0"/>
+                </a:rPr>
+                <a:t>2</a:t>
+              </a:r>
+              <a:r>
+                <a:rPr lang="en-US" sz="1200" dirty="0">
+                  <a:solidFill>
+                    <a:schemeClr val="tx1">
+                      <a:lumMod val="75000"/>
+                      <a:lumOff val="25000"/>
+                    </a:schemeClr>
+                  </a:solidFill>
+                  <a:latin typeface="Arial" panose="020B0604020202020204" pitchFamily="34" charset="0"/>
+                  <a:cs typeface="Arial" panose="020B0604020202020204" pitchFamily="34" charset="0"/>
+                </a:rPr>
+                <a:t>)</a:t>
+              </a:r>
+            </a:p>
+          </p:txBody>
+        </p:sp>
+        <p:sp>
+          <p:nvSpPr>
+            <p:cNvPr id="9" name="TextBox 8">
+              <a:extLst>
+                <a:ext uri="{FF2B5EF4-FFF2-40B4-BE49-F238E27FC236}">
+                  <a16:creationId xmlns:a16="http://schemas.microsoft.com/office/drawing/2014/main" id="{621D5A67-E09D-4985-8CEB-EB58DFFDE1E3}"/>
+                </a:ext>
+              </a:extLst>
+            </p:cNvPr>
+            <p:cNvSpPr txBox="1"/>
+            <p:nvPr/>
+          </p:nvSpPr>
+          <p:spPr>
+            <a:xfrm rot="16200000">
+              <a:off x="-132080" y="873204"/>
+              <a:ext cx="593432" cy="276999"/>
+            </a:xfrm>
+            <a:prstGeom prst="rect">
+              <a:avLst/>
+            </a:prstGeom>
+            <a:noFill/>
+          </p:spPr>
+          <p:txBody>
+            <a:bodyPr wrap="none" rtlCol="0">
+              <a:spAutoFit/>
+            </a:bodyPr>
+            <a:lstStyle/>
+            <a:p>
+              <a:r>
+                <a:rPr lang="en-US" sz="1200" dirty="0">
+                  <a:solidFill>
+                    <a:schemeClr val="tx1">
+                      <a:lumMod val="75000"/>
+                      <a:lumOff val="25000"/>
+                    </a:schemeClr>
+                  </a:solidFill>
+                  <a:latin typeface="Arial" panose="020B0604020202020204" pitchFamily="34" charset="0"/>
+                  <a:cs typeface="Arial" panose="020B0604020202020204" pitchFamily="34" charset="0"/>
+                </a:rPr>
+                <a:t>Count</a:t>
+              </a:r>
+            </a:p>
+          </p:txBody>
+        </p:sp>
+      </p:grpSp>
+    </p:spTree>
+    <p:extLst>
+      <p:ext uri="{BB962C8B-B14F-4D97-AF65-F5344CB8AC3E}">
+        <p14:creationId xmlns:p14="http://schemas.microsoft.com/office/powerpoint/2010/main" val="308617292"/>
+      </p:ext>
+    </p:extLst>
+  </p:cSld>
+  <p:clrMapOvr>
+    <a:masterClrMapping/>
+  </p:clrMapOvr>
+</p:sld>
+</file>
+
+<file path=ppt/slides/slide6.xml><?xml version="1.0" encoding="utf-8"?>
+<p:sld xmlns:a="http://schemas.openxmlformats.org/drawingml/2006/main" xmlns:r="http://schemas.openxmlformats.org/officeDocument/2006/relationships" xmlns:p="http://schemas.openxmlformats.org/presentationml/2006/main">
+  <p:cSld>
+    <p:spTree>
+      <p:nvGrpSpPr>
+        <p:cNvPr id="1" name=""/>
+        <p:cNvGrpSpPr/>
+        <p:nvPr/>
+      </p:nvGrpSpPr>
+      <p:grpSpPr>
+        <a:xfrm>
+          <a:off x="0" y="0"/>
+          <a:ext cx="0" cy="0"/>
+          <a:chOff x="0" y="0"/>
+          <a:chExt cx="0" cy="0"/>
+        </a:xfrm>
+      </p:grpSpPr>
+      <p:grpSp>
+        <p:nvGrpSpPr>
+          <p:cNvPr id="3" name="Group 2">
+            <a:extLst>
+              <a:ext uri="{FF2B5EF4-FFF2-40B4-BE49-F238E27FC236}">
+                <a16:creationId xmlns:a16="http://schemas.microsoft.com/office/drawing/2014/main" id="{E9CDBA77-54A7-5261-995B-91BD254DF0EF}"/>
+              </a:ext>
+            </a:extLst>
+          </p:cNvPr>
+          <p:cNvGrpSpPr/>
+          <p:nvPr/>
+        </p:nvGrpSpPr>
+        <p:grpSpPr>
+          <a:xfrm>
+            <a:off x="0" y="0"/>
+            <a:ext cx="5299363" cy="6857999"/>
+            <a:chOff x="0" y="0"/>
+            <a:chExt cx="5299363" cy="6857999"/>
+          </a:xfrm>
+        </p:grpSpPr>
+        <p:pic>
+          <p:nvPicPr>
+            <p:cNvPr id="7" name="Picture 6">
+              <a:extLst>
+                <a:ext uri="{FF2B5EF4-FFF2-40B4-BE49-F238E27FC236}">
+                  <a16:creationId xmlns:a16="http://schemas.microsoft.com/office/drawing/2014/main" id="{C357D420-B4E4-43E7-9240-0587186BFE19}"/>
+                </a:ext>
+              </a:extLst>
+            </p:cNvPr>
+            <p:cNvPicPr>
+              <a:picLocks noChangeAspect="1"/>
+            </p:cNvPicPr>
+            <p:nvPr/>
+          </p:nvPicPr>
+          <p:blipFill>
+            <a:blip r:embed="rId2">
+              <a:extLst>
+                <a:ext uri="{28A0092B-C50C-407E-A947-70E740481C1C}">
+                  <a14:useLocalDpi xmlns:a14="http://schemas.microsoft.com/office/drawing/2010/main" val="0"/>
+                </a:ext>
+              </a:extLst>
+            </a:blip>
+            <a:srcRect/>
+            <a:stretch/>
+          </p:blipFill>
+          <p:spPr>
+            <a:xfrm>
+              <a:off x="0" y="0"/>
+              <a:ext cx="5299363" cy="6857999"/>
+            </a:xfrm>
+            <a:prstGeom prst="rect">
+              <a:avLst/>
+            </a:prstGeom>
+            <a:ln>
+              <a:solidFill>
+                <a:schemeClr val="tx1"/>
+              </a:solidFill>
+            </a:ln>
+          </p:spPr>
+        </p:pic>
+        <p:sp>
+          <p:nvSpPr>
+            <p:cNvPr id="9" name="TextBox 8">
+              <a:extLst>
+                <a:ext uri="{FF2B5EF4-FFF2-40B4-BE49-F238E27FC236}">
+                  <a16:creationId xmlns:a16="http://schemas.microsoft.com/office/drawing/2014/main" id="{5FD5AAF8-D2FE-4C08-8A76-901FC572E4B8}"/>
+                </a:ext>
+              </a:extLst>
+            </p:cNvPr>
+            <p:cNvSpPr txBox="1"/>
+            <p:nvPr/>
+          </p:nvSpPr>
+          <p:spPr>
+            <a:xfrm rot="16200000">
+              <a:off x="-132080" y="873204"/>
+              <a:ext cx="593432" cy="276999"/>
+            </a:xfrm>
+            <a:prstGeom prst="rect">
+              <a:avLst/>
+            </a:prstGeom>
+            <a:noFill/>
+          </p:spPr>
+          <p:txBody>
+            <a:bodyPr wrap="none" rtlCol="0">
+              <a:spAutoFit/>
+            </a:bodyPr>
+            <a:lstStyle/>
+            <a:p>
+              <a:r>
+                <a:rPr lang="en-US" sz="1200" dirty="0">
+                  <a:solidFill>
+                    <a:schemeClr val="tx1">
+                      <a:lumMod val="75000"/>
+                      <a:lumOff val="25000"/>
+                    </a:schemeClr>
+                  </a:solidFill>
+                  <a:latin typeface="Arial" panose="020B0604020202020204" pitchFamily="34" charset="0"/>
+                  <a:cs typeface="Arial" panose="020B0604020202020204" pitchFamily="34" charset="0"/>
+                </a:rPr>
+                <a:t>Count</a:t>
+              </a:r>
+            </a:p>
+          </p:txBody>
+        </p:sp>
+        <p:pic>
+          <p:nvPicPr>
+            <p:cNvPr id="10" name="Picture 9">
+              <a:extLst>
+                <a:ext uri="{FF2B5EF4-FFF2-40B4-BE49-F238E27FC236}">
+                  <a16:creationId xmlns:a16="http://schemas.microsoft.com/office/drawing/2014/main" id="{FAF19FC0-7665-487F-9088-A998F6BF40BB}"/>
+                </a:ext>
+              </a:extLst>
+            </p:cNvPr>
+            <p:cNvPicPr>
+              <a:picLocks noChangeAspect="1"/>
+            </p:cNvPicPr>
+            <p:nvPr/>
+          </p:nvPicPr>
+          <p:blipFill>
+            <a:blip r:embed="rId3">
+              <a:extLst>
+                <a:ext uri="{28A0092B-C50C-407E-A947-70E740481C1C}">
+                  <a14:useLocalDpi xmlns:a14="http://schemas.microsoft.com/office/drawing/2010/main" val="0"/>
+                </a:ext>
+              </a:extLst>
+            </a:blip>
+            <a:stretch>
+              <a:fillRect/>
+            </a:stretch>
+          </p:blipFill>
+          <p:spPr>
+            <a:xfrm>
+              <a:off x="297983" y="10053"/>
+              <a:ext cx="2120166" cy="1909181"/>
+            </a:xfrm>
+            <a:prstGeom prst="rect">
+              <a:avLst/>
+            </a:prstGeom>
+            <a:ln>
+              <a:noFill/>
+            </a:ln>
+          </p:spPr>
+        </p:pic>
+        <p:sp>
+          <p:nvSpPr>
+            <p:cNvPr id="2" name="TextBox 1">
+              <a:extLst>
+                <a:ext uri="{FF2B5EF4-FFF2-40B4-BE49-F238E27FC236}">
+                  <a16:creationId xmlns:a16="http://schemas.microsoft.com/office/drawing/2014/main" id="{D6BB99AE-6973-F7EC-C264-5EAB3201594F}"/>
+                </a:ext>
+              </a:extLst>
+            </p:cNvPr>
+            <p:cNvSpPr txBox="1"/>
+            <p:nvPr/>
+          </p:nvSpPr>
+          <p:spPr>
+            <a:xfrm>
+              <a:off x="775759" y="1919235"/>
+              <a:ext cx="1164614" cy="276999"/>
+            </a:xfrm>
+            <a:prstGeom prst="rect">
+              <a:avLst/>
+            </a:prstGeom>
+            <a:noFill/>
+          </p:spPr>
+          <p:txBody>
+            <a:bodyPr wrap="none" rtlCol="0">
+              <a:spAutoFit/>
+            </a:bodyPr>
+            <a:lstStyle/>
+            <a:p>
+              <a:r>
+                <a:rPr lang="en-US" sz="1200" dirty="0">
+                  <a:solidFill>
+                    <a:schemeClr val="tx1">
+                      <a:lumMod val="75000"/>
+                      <a:lumOff val="25000"/>
+                    </a:schemeClr>
+                  </a:solidFill>
+                  <a:latin typeface="Arial" panose="020B0604020202020204" pitchFamily="34" charset="0"/>
+                  <a:cs typeface="Arial" panose="020B0604020202020204" pitchFamily="34" charset="0"/>
+                </a:rPr>
+                <a:t>PA Area (km</a:t>
+              </a:r>
+              <a:r>
+                <a:rPr lang="en-US" sz="1200" baseline="30000" dirty="0">
+                  <a:solidFill>
+                    <a:schemeClr val="tx1">
+                      <a:lumMod val="75000"/>
+                      <a:lumOff val="25000"/>
+                    </a:schemeClr>
+                  </a:solidFill>
+                  <a:latin typeface="Arial" panose="020B0604020202020204" pitchFamily="34" charset="0"/>
+                  <a:cs typeface="Arial" panose="020B0604020202020204" pitchFamily="34" charset="0"/>
+                </a:rPr>
+                <a:t>2</a:t>
+              </a:r>
+              <a:r>
+                <a:rPr lang="en-US" sz="1200" dirty="0">
+                  <a:solidFill>
+                    <a:schemeClr val="tx1">
+                      <a:lumMod val="75000"/>
+                      <a:lumOff val="25000"/>
+                    </a:schemeClr>
+                  </a:solidFill>
+                  <a:latin typeface="Arial" panose="020B0604020202020204" pitchFamily="34" charset="0"/>
+                  <a:cs typeface="Arial" panose="020B0604020202020204" pitchFamily="34" charset="0"/>
+                </a:rPr>
+                <a:t>)</a:t>
+              </a:r>
+            </a:p>
+          </p:txBody>
+        </p:sp>
+      </p:grpSp>
+    </p:spTree>
+    <p:extLst>
+      <p:ext uri="{BB962C8B-B14F-4D97-AF65-F5344CB8AC3E}">
+        <p14:creationId xmlns:p14="http://schemas.microsoft.com/office/powerpoint/2010/main" val="1460066110"/>
+      </p:ext>
+    </p:extLst>
+  </p:cSld>
+  <p:clrMapOvr>
+    <a:masterClrMapping/>
+  </p:clrMapOvr>
+</p:sld>
+</file>
+
+<file path=ppt/slides/slide7.xml><?xml version="1.0" encoding="utf-8"?>
+<p:sld xmlns:a="http://schemas.openxmlformats.org/drawingml/2006/main" xmlns:r="http://schemas.openxmlformats.org/officeDocument/2006/relationships" xmlns:p="http://schemas.openxmlformats.org/presentationml/2006/main">
+  <p:cSld>
+    <p:spTree>
+      <p:nvGrpSpPr>
+        <p:cNvPr id="1" name=""/>
+        <p:cNvGrpSpPr/>
+        <p:nvPr/>
+      </p:nvGrpSpPr>
+      <p:grpSpPr>
+        <a:xfrm>
+          <a:off x="0" y="0"/>
+          <a:ext cx="0" cy="0"/>
+          <a:chOff x="0" y="0"/>
+          <a:chExt cx="0" cy="0"/>
+        </a:xfrm>
+      </p:grpSpPr>
+      <p:grpSp>
+        <p:nvGrpSpPr>
           <p:cNvPr id="3" name="Group 2">
             <a:extLst>
               <a:ext uri="{FF2B5EF4-FFF2-40B4-BE49-F238E27FC236}">
@@ -4584,7 +10331,7 @@
 </p:sld>
 </file>
 
-<file path=ppt/slides/slide6.xml><?xml version="1.0" encoding="utf-8"?>
+<file path=ppt/slides/slide8.xml><?xml version="1.0" encoding="utf-8"?>
 <p:sld xmlns:a="http://schemas.openxmlformats.org/drawingml/2006/main" xmlns:r="http://schemas.openxmlformats.org/officeDocument/2006/relationships" xmlns:p="http://schemas.openxmlformats.org/presentationml/2006/main">
   <p:cSld>
     <p:spTree>
